--- a/Connected Communities Grid Side Optimization.pptx
+++ b/Connected Communities Grid Side Optimization.pptx
@@ -24,8 +24,8 @@
     <p:sldId id="403" r:id="rId15"/>
     <p:sldId id="402" r:id="rId16"/>
     <p:sldId id="372" r:id="rId17"/>
-    <p:sldId id="382" r:id="rId18"/>
-    <p:sldId id="383" r:id="rId19"/>
+    <p:sldId id="405" r:id="rId18"/>
+    <p:sldId id="382" r:id="rId19"/>
     <p:sldId id="370" r:id="rId20"/>
     <p:sldId id="363" r:id="rId21"/>
     <p:sldId id="362" r:id="rId22"/>
@@ -140,7 +140,7 @@
 <file path=ppt/revisionInfo.xml><?xml version="1.0" encoding="utf-8"?>
 <p1510:revInfo xmlns:a="http://schemas.openxmlformats.org/drawingml/2006/main" xmlns:r="http://schemas.openxmlformats.org/officeDocument/2006/relationships" xmlns:p1510="http://schemas.microsoft.com/office/powerpoint/2015/10/main">
   <p1510:revLst>
-    <p1510:client id="{159C9EA5-C6E7-49BD-975B-30C7FC0F9F0A}" v="574" dt="2023-09-27T00:27:08.610"/>
+    <p1510:client id="{159C9EA5-C6E7-49BD-975B-30C7FC0F9F0A}" v="1417" dt="2023-09-27T01:34:03.985"/>
   </p1510:revLst>
 </p1510:revInfo>
 </file>
@@ -150,12 +150,12 @@
   <pc:docChgLst>
     <pc:chgData name="Jha, Aryan Ritwajeet" userId="2aad577e-539b-449b-83a6-8d411f484b4d" providerId="ADAL" clId="{159C9EA5-C6E7-49BD-975B-30C7FC0F9F0A}"/>
     <pc:docChg chg="undo custSel addSld delSld modSld sldOrd addMainMaster delMainMaster">
-      <pc:chgData name="Jha, Aryan Ritwajeet" userId="2aad577e-539b-449b-83a6-8d411f484b4d" providerId="ADAL" clId="{159C9EA5-C6E7-49BD-975B-30C7FC0F9F0A}" dt="2023-09-27T00:27:48.082" v="4271"/>
+      <pc:chgData name="Jha, Aryan Ritwajeet" userId="2aad577e-539b-449b-83a6-8d411f484b4d" providerId="ADAL" clId="{159C9EA5-C6E7-49BD-975B-30C7FC0F9F0A}" dt="2023-09-27T01:34:03.985" v="6969" actId="164"/>
       <pc:docMkLst>
         <pc:docMk/>
       </pc:docMkLst>
       <pc:sldChg chg="modSp mod">
-        <pc:chgData name="Jha, Aryan Ritwajeet" userId="2aad577e-539b-449b-83a6-8d411f484b4d" providerId="ADAL" clId="{159C9EA5-C6E7-49BD-975B-30C7FC0F9F0A}" dt="2023-09-26T23:08:03.383" v="2840" actId="1076"/>
+        <pc:chgData name="Jha, Aryan Ritwajeet" userId="2aad577e-539b-449b-83a6-8d411f484b4d" providerId="ADAL" clId="{159C9EA5-C6E7-49BD-975B-30C7FC0F9F0A}" dt="2023-09-27T01:32:38.673" v="6910" actId="27636"/>
         <pc:sldMkLst>
           <pc:docMk/>
           <pc:sldMk cId="3211284466" sldId="257"/>
@@ -166,6 +166,14 @@
             <pc:docMk/>
             <pc:sldMk cId="3211284466" sldId="257"/>
             <ac:spMk id="2" creationId="{7E8EB730-B0DA-4A8F-A335-22B9758D3046}"/>
+          </ac:spMkLst>
+        </pc:spChg>
+        <pc:spChg chg="mod">
+          <ac:chgData name="Jha, Aryan Ritwajeet" userId="2aad577e-539b-449b-83a6-8d411f484b4d" providerId="ADAL" clId="{159C9EA5-C6E7-49BD-975B-30C7FC0F9F0A}" dt="2023-09-27T01:32:38.673" v="6910" actId="27636"/>
+          <ac:spMkLst>
+            <pc:docMk/>
+            <pc:sldMk cId="3211284466" sldId="257"/>
+            <ac:spMk id="3" creationId="{2BE68964-B8D8-4EBC-B9D3-CCA6FA2AC332}"/>
           </ac:spMkLst>
         </pc:spChg>
       </pc:sldChg>
@@ -240,13 +248,13 @@
         </pc:cxnChg>
       </pc:sldChg>
       <pc:sldChg chg="addSp modSp add mod ord">
-        <pc:chgData name="Jha, Aryan Ritwajeet" userId="2aad577e-539b-449b-83a6-8d411f484b4d" providerId="ADAL" clId="{159C9EA5-C6E7-49BD-975B-30C7FC0F9F0A}" dt="2023-09-26T23:53:45.158" v="3174" actId="20577"/>
+        <pc:chgData name="Jha, Aryan Ritwajeet" userId="2aad577e-539b-449b-83a6-8d411f484b4d" providerId="ADAL" clId="{159C9EA5-C6E7-49BD-975B-30C7FC0F9F0A}" dt="2023-09-27T01:34:03.985" v="6969" actId="164"/>
         <pc:sldMkLst>
           <pc:docMk/>
           <pc:sldMk cId="1858411754" sldId="279"/>
         </pc:sldMkLst>
         <pc:spChg chg="mod">
-          <ac:chgData name="Jha, Aryan Ritwajeet" userId="2aad577e-539b-449b-83a6-8d411f484b4d" providerId="ADAL" clId="{159C9EA5-C6E7-49BD-975B-30C7FC0F9F0A}" dt="2023-09-26T23:53:45.158" v="3174" actId="20577"/>
+          <ac:chgData name="Jha, Aryan Ritwajeet" userId="2aad577e-539b-449b-83a6-8d411f484b4d" providerId="ADAL" clId="{159C9EA5-C6E7-49BD-975B-30C7FC0F9F0A}" dt="2023-09-27T01:27:59.804" v="6335" actId="1076"/>
           <ac:spMkLst>
             <pc:docMk/>
             <pc:sldMk cId="1858411754" sldId="279"/>
@@ -269,12 +277,36 @@
             <ac:spMk id="4" creationId="{2863EE49-5592-C0C5-CE37-B9B35EF6E680}"/>
           </ac:spMkLst>
         </pc:spChg>
+        <pc:spChg chg="add mod">
+          <ac:chgData name="Jha, Aryan Ritwajeet" userId="2aad577e-539b-449b-83a6-8d411f484b4d" providerId="ADAL" clId="{159C9EA5-C6E7-49BD-975B-30C7FC0F9F0A}" dt="2023-09-27T01:34:03.985" v="6969" actId="164"/>
+          <ac:spMkLst>
+            <pc:docMk/>
+            <pc:sldMk cId="1858411754" sldId="279"/>
+            <ac:spMk id="7" creationId="{62604F67-BACC-14BC-FF07-35ED0BA7A12D}"/>
+          </ac:spMkLst>
+        </pc:spChg>
+        <pc:grpChg chg="add mod">
+          <ac:chgData name="Jha, Aryan Ritwajeet" userId="2aad577e-539b-449b-83a6-8d411f484b4d" providerId="ADAL" clId="{159C9EA5-C6E7-49BD-975B-30C7FC0F9F0A}" dt="2023-09-27T01:34:03.985" v="6969" actId="164"/>
+          <ac:grpSpMkLst>
+            <pc:docMk/>
+            <pc:sldMk cId="1858411754" sldId="279"/>
+            <ac:grpSpMk id="8" creationId="{7E3D58BE-37C1-1389-A93B-FD09F2F478DC}"/>
+          </ac:grpSpMkLst>
+        </pc:grpChg>
         <pc:picChg chg="mod">
           <ac:chgData name="Jha, Aryan Ritwajeet" userId="2aad577e-539b-449b-83a6-8d411f484b4d" providerId="ADAL" clId="{159C9EA5-C6E7-49BD-975B-30C7FC0F9F0A}" dt="2023-09-26T22:59:38.937" v="2579" actId="1076"/>
           <ac:picMkLst>
             <pc:docMk/>
             <pc:sldMk cId="1858411754" sldId="279"/>
             <ac:picMk id="6" creationId="{3AE44657-C62E-2C08-8BA2-2A0608D8FC96}"/>
+          </ac:picMkLst>
+        </pc:picChg>
+        <pc:picChg chg="add mod">
+          <ac:chgData name="Jha, Aryan Ritwajeet" userId="2aad577e-539b-449b-83a6-8d411f484b4d" providerId="ADAL" clId="{159C9EA5-C6E7-49BD-975B-30C7FC0F9F0A}" dt="2023-09-27T01:34:03.985" v="6969" actId="164"/>
+          <ac:picMkLst>
+            <pc:docMk/>
+            <pc:sldMk cId="1858411754" sldId="279"/>
+            <ac:picMk id="1026" creationId="{5C03E129-A6C8-1CBC-A73A-ABFC9E75166A}"/>
           </ac:picMkLst>
         </pc:picChg>
         <pc:cxnChg chg="add mod">
@@ -357,13 +389,21 @@
         </pc:sldMkLst>
       </pc:sldChg>
       <pc:sldChg chg="modSp mod">
-        <pc:chgData name="Jha, Aryan Ritwajeet" userId="2aad577e-539b-449b-83a6-8d411f484b4d" providerId="ADAL" clId="{159C9EA5-C6E7-49BD-975B-30C7FC0F9F0A}" dt="2023-09-26T22:20:23.079" v="741" actId="20577"/>
+        <pc:chgData name="Jha, Aryan Ritwajeet" userId="2aad577e-539b-449b-83a6-8d411f484b4d" providerId="ADAL" clId="{159C9EA5-C6E7-49BD-975B-30C7FC0F9F0A}" dt="2023-09-27T01:00:22.567" v="4480" actId="113"/>
         <pc:sldMkLst>
           <pc:docMk/>
           <pc:sldMk cId="2561349363" sldId="361"/>
         </pc:sldMkLst>
         <pc:spChg chg="mod">
-          <ac:chgData name="Jha, Aryan Ritwajeet" userId="2aad577e-539b-449b-83a6-8d411f484b4d" providerId="ADAL" clId="{159C9EA5-C6E7-49BD-975B-30C7FC0F9F0A}" dt="2023-09-26T22:20:23.079" v="741" actId="20577"/>
+          <ac:chgData name="Jha, Aryan Ritwajeet" userId="2aad577e-539b-449b-83a6-8d411f484b4d" providerId="ADAL" clId="{159C9EA5-C6E7-49BD-975B-30C7FC0F9F0A}" dt="2023-09-27T01:00:22.567" v="4480" actId="113"/>
+          <ac:spMkLst>
+            <pc:docMk/>
+            <pc:sldMk cId="2561349363" sldId="361"/>
+            <ac:spMk id="2" creationId="{59C9094E-A462-4868-E7DB-78E440507414}"/>
+          </ac:spMkLst>
+        </pc:spChg>
+        <pc:spChg chg="mod">
+          <ac:chgData name="Jha, Aryan Ritwajeet" userId="2aad577e-539b-449b-83a6-8d411f484b4d" providerId="ADAL" clId="{159C9EA5-C6E7-49BD-975B-30C7FC0F9F0A}" dt="2023-09-27T00:49:27.711" v="4473" actId="20577"/>
           <ac:spMkLst>
             <pc:docMk/>
             <pc:sldMk cId="2561349363" sldId="361"/>
@@ -440,13 +480,13 @@
         </pc:sldMkLst>
       </pc:sldChg>
       <pc:sldChg chg="addSp delSp modSp mod">
-        <pc:chgData name="Jha, Aryan Ritwajeet" userId="2aad577e-539b-449b-83a6-8d411f484b4d" providerId="ADAL" clId="{159C9EA5-C6E7-49BD-975B-30C7FC0F9F0A}" dt="2023-09-26T23:55:38.111" v="3198" actId="26606"/>
+        <pc:chgData name="Jha, Aryan Ritwajeet" userId="2aad577e-539b-449b-83a6-8d411f484b4d" providerId="ADAL" clId="{159C9EA5-C6E7-49BD-975B-30C7FC0F9F0A}" dt="2023-09-27T00:47:56.332" v="4398" actId="20577"/>
         <pc:sldMkLst>
           <pc:docMk/>
           <pc:sldMk cId="195596276" sldId="368"/>
         </pc:sldMkLst>
         <pc:spChg chg="mod">
-          <ac:chgData name="Jha, Aryan Ritwajeet" userId="2aad577e-539b-449b-83a6-8d411f484b4d" providerId="ADAL" clId="{159C9EA5-C6E7-49BD-975B-30C7FC0F9F0A}" dt="2023-09-26T23:55:38.111" v="3198" actId="26606"/>
+          <ac:chgData name="Jha, Aryan Ritwajeet" userId="2aad577e-539b-449b-83a6-8d411f484b4d" providerId="ADAL" clId="{159C9EA5-C6E7-49BD-975B-30C7FC0F9F0A}" dt="2023-09-27T00:47:56.332" v="4398" actId="20577"/>
           <ac:spMkLst>
             <pc:docMk/>
             <pc:sldMk cId="195596276" sldId="368"/>
@@ -589,17 +629,73 @@
         </pc:picChg>
       </pc:sldChg>
       <pc:sldChg chg="addSp delSp modSp mod">
-        <pc:chgData name="Jha, Aryan Ritwajeet" userId="2aad577e-539b-449b-83a6-8d411f484b4d" providerId="ADAL" clId="{159C9EA5-C6E7-49BD-975B-30C7FC0F9F0A}" dt="2023-09-27T00:24:21.319" v="4213" actId="207"/>
+        <pc:chgData name="Jha, Aryan Ritwajeet" userId="2aad577e-539b-449b-83a6-8d411f484b4d" providerId="ADAL" clId="{159C9EA5-C6E7-49BD-975B-30C7FC0F9F0A}" dt="2023-09-27T01:25:32.986" v="6330" actId="403"/>
         <pc:sldMkLst>
           <pc:docMk/>
           <pc:sldMk cId="195686194" sldId="372"/>
         </pc:sldMkLst>
         <pc:spChg chg="mod">
-          <ac:chgData name="Jha, Aryan Ritwajeet" userId="2aad577e-539b-449b-83a6-8d411f484b4d" providerId="ADAL" clId="{159C9EA5-C6E7-49BD-975B-30C7FC0F9F0A}" dt="2023-09-27T00:24:21.319" v="4213" actId="207"/>
+          <ac:chgData name="Jha, Aryan Ritwajeet" userId="2aad577e-539b-449b-83a6-8d411f484b4d" providerId="ADAL" clId="{159C9EA5-C6E7-49BD-975B-30C7FC0F9F0A}" dt="2023-09-27T01:01:16.396" v="4498" actId="20577"/>
+          <ac:spMkLst>
+            <pc:docMk/>
+            <pc:sldMk cId="195686194" sldId="372"/>
+            <ac:spMk id="2" creationId="{59C9094E-A462-4868-E7DB-78E440507414}"/>
+          </ac:spMkLst>
+        </pc:spChg>
+        <pc:spChg chg="add mod">
+          <ac:chgData name="Jha, Aryan Ritwajeet" userId="2aad577e-539b-449b-83a6-8d411f484b4d" providerId="ADAL" clId="{159C9EA5-C6E7-49BD-975B-30C7FC0F9F0A}" dt="2023-09-27T01:25:32.986" v="6330" actId="403"/>
+          <ac:spMkLst>
+            <pc:docMk/>
+            <pc:sldMk cId="195686194" sldId="372"/>
+            <ac:spMk id="3" creationId="{182CC51B-D6FF-7BE8-4C0E-F2774C613156}"/>
+          </ac:spMkLst>
+        </pc:spChg>
+        <pc:spChg chg="del">
+          <ac:chgData name="Jha, Aryan Ritwajeet" userId="2aad577e-539b-449b-83a6-8d411f484b4d" providerId="ADAL" clId="{159C9EA5-C6E7-49BD-975B-30C7FC0F9F0A}" dt="2023-09-27T00:58:46.766" v="4478" actId="478"/>
+          <ac:spMkLst>
+            <pc:docMk/>
+            <pc:sldMk cId="195686194" sldId="372"/>
+            <ac:spMk id="4" creationId="{29A92B20-39A1-CAB4-F06A-947AEAF58EAB}"/>
+          </ac:spMkLst>
+        </pc:spChg>
+        <pc:spChg chg="mod">
+          <ac:chgData name="Jha, Aryan Ritwajeet" userId="2aad577e-539b-449b-83a6-8d411f484b4d" providerId="ADAL" clId="{159C9EA5-C6E7-49BD-975B-30C7FC0F9F0A}" dt="2023-09-27T01:01:25.646" v="4523" actId="20577"/>
+          <ac:spMkLst>
+            <pc:docMk/>
+            <pc:sldMk cId="195686194" sldId="372"/>
+            <ac:spMk id="5" creationId="{AFE6C517-2645-3EDC-A4C5-C467913973FB}"/>
+          </ac:spMkLst>
+        </pc:spChg>
+        <pc:spChg chg="del mod">
+          <ac:chgData name="Jha, Aryan Ritwajeet" userId="2aad577e-539b-449b-83a6-8d411f484b4d" providerId="ADAL" clId="{159C9EA5-C6E7-49BD-975B-30C7FC0F9F0A}" dt="2023-09-27T00:58:47.166" v="4479" actId="478"/>
           <ac:spMkLst>
             <pc:docMk/>
             <pc:sldMk cId="195686194" sldId="372"/>
             <ac:spMk id="6" creationId="{3C045071-CD24-BF06-74D2-B0EF063B47B4}"/>
+          </ac:spMkLst>
+        </pc:spChg>
+        <pc:spChg chg="add mod">
+          <ac:chgData name="Jha, Aryan Ritwajeet" userId="2aad577e-539b-449b-83a6-8d411f484b4d" providerId="ADAL" clId="{159C9EA5-C6E7-49BD-975B-30C7FC0F9F0A}" dt="2023-09-27T01:25:29.477" v="6327" actId="403"/>
+          <ac:spMkLst>
+            <pc:docMk/>
+            <pc:sldMk cId="195686194" sldId="372"/>
+            <ac:spMk id="8" creationId="{EF27781D-23C5-20C2-9FD6-3039203BBD28}"/>
+          </ac:spMkLst>
+        </pc:spChg>
+        <pc:spChg chg="add del">
+          <ac:chgData name="Jha, Aryan Ritwajeet" userId="2aad577e-539b-449b-83a6-8d411f484b4d" providerId="ADAL" clId="{159C9EA5-C6E7-49BD-975B-30C7FC0F9F0A}" dt="2023-09-27T01:17:27.446" v="5690" actId="22"/>
+          <ac:spMkLst>
+            <pc:docMk/>
+            <pc:sldMk cId="195686194" sldId="372"/>
+            <ac:spMk id="12" creationId="{28228F60-B4F3-1E9C-80A7-3D8BE680F3CE}"/>
+          </ac:spMkLst>
+        </pc:spChg>
+        <pc:spChg chg="add mod">
+          <ac:chgData name="Jha, Aryan Ritwajeet" userId="2aad577e-539b-449b-83a6-8d411f484b4d" providerId="ADAL" clId="{159C9EA5-C6E7-49BD-975B-30C7FC0F9F0A}" dt="2023-09-27T01:25:26.708" v="6324" actId="404"/>
+          <ac:spMkLst>
+            <pc:docMk/>
+            <pc:sldMk cId="195686194" sldId="372"/>
+            <ac:spMk id="13" creationId="{4FC54133-8CE4-1C01-F7F1-49E060D7D2C1}"/>
           </ac:spMkLst>
         </pc:spChg>
         <pc:spChg chg="add mod">
@@ -610,8 +706,8 @@
             <ac:spMk id="14" creationId="{D6B581F6-A2C5-DBB4-036E-E1CA5459FDE8}"/>
           </ac:spMkLst>
         </pc:spChg>
-        <pc:grpChg chg="add mod">
-          <ac:chgData name="Jha, Aryan Ritwajeet" userId="2aad577e-539b-449b-83a6-8d411f484b4d" providerId="ADAL" clId="{159C9EA5-C6E7-49BD-975B-30C7FC0F9F0A}" dt="2023-09-27T00:24:11.038" v="4212" actId="1076"/>
+        <pc:grpChg chg="add del mod">
+          <ac:chgData name="Jha, Aryan Ritwajeet" userId="2aad577e-539b-449b-83a6-8d411f484b4d" providerId="ADAL" clId="{159C9EA5-C6E7-49BD-975B-30C7FC0F9F0A}" dt="2023-09-27T00:58:45.606" v="4476" actId="478"/>
           <ac:grpSpMkLst>
             <pc:docMk/>
             <pc:sldMk cId="195686194" sldId="372"/>
@@ -626,6 +722,14 @@
             <ac:picMk id="3" creationId="{22DA8ACA-127A-4266-5AE0-E34682A2012B}"/>
           </ac:picMkLst>
         </pc:picChg>
+        <pc:picChg chg="del">
+          <ac:chgData name="Jha, Aryan Ritwajeet" userId="2aad577e-539b-449b-83a6-8d411f484b4d" providerId="ADAL" clId="{159C9EA5-C6E7-49BD-975B-30C7FC0F9F0A}" dt="2023-09-27T00:58:44.550" v="4475" actId="478"/>
+          <ac:picMkLst>
+            <pc:docMk/>
+            <pc:sldMk cId="195686194" sldId="372"/>
+            <ac:picMk id="7" creationId="{9B99E8DA-FD4E-7D29-FF19-79F98B1919B1}"/>
+          </ac:picMkLst>
+        </pc:picChg>
         <pc:picChg chg="add mod">
           <ac:chgData name="Jha, Aryan Ritwajeet" userId="2aad577e-539b-449b-83a6-8d411f484b4d" providerId="ADAL" clId="{159C9EA5-C6E7-49BD-975B-30C7FC0F9F0A}" dt="2023-09-27T00:23:58.024" v="4209" actId="164"/>
           <ac:picMkLst>
@@ -634,8 +738,8 @@
             <ac:picMk id="10" creationId="{54FA77DF-544F-523F-7849-725A0BD22B0E}"/>
           </ac:picMkLst>
         </pc:picChg>
-        <pc:cxnChg chg="mod">
-          <ac:chgData name="Jha, Aryan Ritwajeet" userId="2aad577e-539b-449b-83a6-8d411f484b4d" providerId="ADAL" clId="{159C9EA5-C6E7-49BD-975B-30C7FC0F9F0A}" dt="2023-09-27T00:24:11.038" v="4212" actId="1076"/>
+        <pc:cxnChg chg="del mod">
+          <ac:chgData name="Jha, Aryan Ritwajeet" userId="2aad577e-539b-449b-83a6-8d411f484b4d" providerId="ADAL" clId="{159C9EA5-C6E7-49BD-975B-30C7FC0F9F0A}" dt="2023-09-27T00:58:46.226" v="4477" actId="478"/>
           <ac:cxnSpMkLst>
             <pc:docMk/>
             <pc:sldMk cId="195686194" sldId="372"/>
@@ -769,8 +873,8 @@
           </ac:spMkLst>
         </pc:spChg>
       </pc:sldChg>
-      <pc:sldChg chg="modSp mod">
-        <pc:chgData name="Jha, Aryan Ritwajeet" userId="2aad577e-539b-449b-83a6-8d411f484b4d" providerId="ADAL" clId="{159C9EA5-C6E7-49BD-975B-30C7FC0F9F0A}" dt="2023-09-27T00:27:48.082" v="4271"/>
+      <pc:sldChg chg="modSp del mod">
+        <pc:chgData name="Jha, Aryan Ritwajeet" userId="2aad577e-539b-449b-83a6-8d411f484b4d" providerId="ADAL" clId="{159C9EA5-C6E7-49BD-975B-30C7FC0F9F0A}" dt="2023-09-27T00:42:13.315" v="4313" actId="47"/>
         <pc:sldMkLst>
           <pc:docMk/>
           <pc:sldMk cId="2115703505" sldId="383"/>
@@ -781,6 +885,22 @@
             <pc:docMk/>
             <pc:sldMk cId="2115703505" sldId="383"/>
             <ac:spMk id="2" creationId="{59C9094E-A462-4868-E7DB-78E440507414}"/>
+          </ac:spMkLst>
+        </pc:spChg>
+        <pc:spChg chg="mod">
+          <ac:chgData name="Jha, Aryan Ritwajeet" userId="2aad577e-539b-449b-83a6-8d411f484b4d" providerId="ADAL" clId="{159C9EA5-C6E7-49BD-975B-30C7FC0F9F0A}" dt="2023-09-27T00:34:45.406" v="4272" actId="207"/>
+          <ac:spMkLst>
+            <pc:docMk/>
+            <pc:sldMk cId="2115703505" sldId="383"/>
+            <ac:spMk id="9" creationId="{5DED7A31-70AD-C2B1-34C6-B783772F4F0B}"/>
+          </ac:spMkLst>
+        </pc:spChg>
+        <pc:spChg chg="mod">
+          <ac:chgData name="Jha, Aryan Ritwajeet" userId="2aad577e-539b-449b-83a6-8d411f484b4d" providerId="ADAL" clId="{159C9EA5-C6E7-49BD-975B-30C7FC0F9F0A}" dt="2023-09-27T00:34:51.059" v="4273" actId="207"/>
+          <ac:spMkLst>
+            <pc:docMk/>
+            <pc:sldMk cId="2115703505" sldId="383"/>
+            <ac:spMk id="11" creationId="{587261F6-15AD-5D26-D9AC-EB05983860B8}"/>
           </ac:spMkLst>
         </pc:spChg>
       </pc:sldChg>
@@ -1091,21 +1211,77 @@
         </pc:spChg>
       </pc:sldChg>
       <pc:sldChg chg="addSp delSp modSp add mod">
-        <pc:chgData name="Jha, Aryan Ritwajeet" userId="2aad577e-539b-449b-83a6-8d411f484b4d" providerId="ADAL" clId="{159C9EA5-C6E7-49BD-975B-30C7FC0F9F0A}" dt="2023-09-26T23:47:22.817" v="2988" actId="1076"/>
+        <pc:chgData name="Jha, Aryan Ritwajeet" userId="2aad577e-539b-449b-83a6-8d411f484b4d" providerId="ADAL" clId="{159C9EA5-C6E7-49BD-975B-30C7FC0F9F0A}" dt="2023-09-27T00:43:27.043" v="4316" actId="26606"/>
         <pc:sldMkLst>
           <pc:docMk/>
           <pc:sldMk cId="2015877444" sldId="400"/>
         </pc:sldMkLst>
         <pc:spChg chg="mod">
-          <ac:chgData name="Jha, Aryan Ritwajeet" userId="2aad577e-539b-449b-83a6-8d411f484b4d" providerId="ADAL" clId="{159C9EA5-C6E7-49BD-975B-30C7FC0F9F0A}" dt="2023-09-26T23:47:22.817" v="2988" actId="1076"/>
+          <ac:chgData name="Jha, Aryan Ritwajeet" userId="2aad577e-539b-449b-83a6-8d411f484b4d" providerId="ADAL" clId="{159C9EA5-C6E7-49BD-975B-30C7FC0F9F0A}" dt="2023-09-27T00:43:27.043" v="4316" actId="26606"/>
           <ac:spMkLst>
             <pc:docMk/>
             <pc:sldMk cId="2015877444" sldId="400"/>
             <ac:spMk id="2" creationId="{59C9094E-A462-4868-E7DB-78E440507414}"/>
           </ac:spMkLst>
         </pc:spChg>
+        <pc:spChg chg="mod">
+          <ac:chgData name="Jha, Aryan Ritwajeet" userId="2aad577e-539b-449b-83a6-8d411f484b4d" providerId="ADAL" clId="{159C9EA5-C6E7-49BD-975B-30C7FC0F9F0A}" dt="2023-09-27T00:43:27.043" v="4316" actId="26606"/>
+          <ac:spMkLst>
+            <pc:docMk/>
+            <pc:sldMk cId="2015877444" sldId="400"/>
+            <ac:spMk id="5" creationId="{AFE6C517-2645-3EDC-A4C5-C467913973FB}"/>
+          </ac:spMkLst>
+        </pc:spChg>
+        <pc:spChg chg="add del">
+          <ac:chgData name="Jha, Aryan Ritwajeet" userId="2aad577e-539b-449b-83a6-8d411f484b4d" providerId="ADAL" clId="{159C9EA5-C6E7-49BD-975B-30C7FC0F9F0A}" dt="2023-09-27T00:43:27.043" v="4316" actId="26606"/>
+          <ac:spMkLst>
+            <pc:docMk/>
+            <pc:sldMk cId="2015877444" sldId="400"/>
+            <ac:spMk id="8" creationId="{907EF6B7-1338-4443-8C46-6A318D952DFD}"/>
+          </ac:spMkLst>
+        </pc:spChg>
+        <pc:spChg chg="add del">
+          <ac:chgData name="Jha, Aryan Ritwajeet" userId="2aad577e-539b-449b-83a6-8d411f484b4d" providerId="ADAL" clId="{159C9EA5-C6E7-49BD-975B-30C7FC0F9F0A}" dt="2023-09-27T00:43:27.043" v="4316" actId="26606"/>
+          <ac:spMkLst>
+            <pc:docMk/>
+            <pc:sldMk cId="2015877444" sldId="400"/>
+            <ac:spMk id="10" creationId="{DAAE4CDD-124C-4DCF-9584-B6033B545DD5}"/>
+          </ac:spMkLst>
+        </pc:spChg>
+        <pc:spChg chg="add del">
+          <ac:chgData name="Jha, Aryan Ritwajeet" userId="2aad577e-539b-449b-83a6-8d411f484b4d" providerId="ADAL" clId="{159C9EA5-C6E7-49BD-975B-30C7FC0F9F0A}" dt="2023-09-27T00:43:27.043" v="4316" actId="26606"/>
+          <ac:spMkLst>
+            <pc:docMk/>
+            <pc:sldMk cId="2015877444" sldId="400"/>
+            <ac:spMk id="12" creationId="{081E4A58-353D-44AE-B2FC-2A74E2E400F7}"/>
+          </ac:spMkLst>
+        </pc:spChg>
+        <pc:spChg chg="add del">
+          <ac:chgData name="Jha, Aryan Ritwajeet" userId="2aad577e-539b-449b-83a6-8d411f484b4d" providerId="ADAL" clId="{159C9EA5-C6E7-49BD-975B-30C7FC0F9F0A}" dt="2023-09-27T00:43:27.043" v="4316" actId="26606"/>
+          <ac:spMkLst>
+            <pc:docMk/>
+            <pc:sldMk cId="2015877444" sldId="400"/>
+            <ac:spMk id="17" creationId="{0DBF1ABE-8590-450D-BB49-BDDCCF3EEA9E}"/>
+          </ac:spMkLst>
+        </pc:spChg>
+        <pc:spChg chg="add del">
+          <ac:chgData name="Jha, Aryan Ritwajeet" userId="2aad577e-539b-449b-83a6-8d411f484b4d" providerId="ADAL" clId="{159C9EA5-C6E7-49BD-975B-30C7FC0F9F0A}" dt="2023-09-27T00:43:27.043" v="4316" actId="26606"/>
+          <ac:spMkLst>
+            <pc:docMk/>
+            <pc:sldMk cId="2015877444" sldId="400"/>
+            <ac:spMk id="19" creationId="{E667A721-F18D-4002-9D70-BC20D791C0DC}"/>
+          </ac:spMkLst>
+        </pc:spChg>
+        <pc:spChg chg="add del">
+          <ac:chgData name="Jha, Aryan Ritwajeet" userId="2aad577e-539b-449b-83a6-8d411f484b4d" providerId="ADAL" clId="{159C9EA5-C6E7-49BD-975B-30C7FC0F9F0A}" dt="2023-09-27T00:43:27.043" v="4316" actId="26606"/>
+          <ac:spMkLst>
+            <pc:docMk/>
+            <pc:sldMk cId="2015877444" sldId="400"/>
+            <ac:spMk id="21" creationId="{866FB43D-65CC-47CA-8035-FF8F6B4D1868}"/>
+          </ac:spMkLst>
+        </pc:spChg>
         <pc:picChg chg="add mod">
-          <ac:chgData name="Jha, Aryan Ritwajeet" userId="2aad577e-539b-449b-83a6-8d411f484b4d" providerId="ADAL" clId="{159C9EA5-C6E7-49BD-975B-30C7FC0F9F0A}" dt="2023-09-26T23:46:26.741" v="2866" actId="1076"/>
+          <ac:chgData name="Jha, Aryan Ritwajeet" userId="2aad577e-539b-449b-83a6-8d411f484b4d" providerId="ADAL" clId="{159C9EA5-C6E7-49BD-975B-30C7FC0F9F0A}" dt="2023-09-27T00:43:27.043" v="4316" actId="26606"/>
           <ac:picMkLst>
             <pc:docMk/>
             <pc:sldMk cId="2015877444" sldId="400"/>
@@ -1353,7 +1529,7 @@
         </pc:cxnChg>
       </pc:sldChg>
       <pc:sldChg chg="addSp delSp modSp add mod">
-        <pc:chgData name="Jha, Aryan Ritwajeet" userId="2aad577e-539b-449b-83a6-8d411f484b4d" providerId="ADAL" clId="{159C9EA5-C6E7-49BD-975B-30C7FC0F9F0A}" dt="2023-09-27T00:25:26.994" v="4240" actId="2085"/>
+        <pc:chgData name="Jha, Aryan Ritwajeet" userId="2aad577e-539b-449b-83a6-8d411f484b4d" providerId="ADAL" clId="{159C9EA5-C6E7-49BD-975B-30C7FC0F9F0A}" dt="2023-09-27T00:41:17.174" v="4311" actId="20577"/>
         <pc:sldMkLst>
           <pc:docMk/>
           <pc:sldMk cId="3313755949" sldId="402"/>
@@ -1367,11 +1543,27 @@
           </ac:spMkLst>
         </pc:spChg>
         <pc:spChg chg="mod">
-          <ac:chgData name="Jha, Aryan Ritwajeet" userId="2aad577e-539b-449b-83a6-8d411f484b4d" providerId="ADAL" clId="{159C9EA5-C6E7-49BD-975B-30C7FC0F9F0A}" dt="2023-09-27T00:10:51.140" v="3831"/>
+          <ac:chgData name="Jha, Aryan Ritwajeet" userId="2aad577e-539b-449b-83a6-8d411f484b4d" providerId="ADAL" clId="{159C9EA5-C6E7-49BD-975B-30C7FC0F9F0A}" dt="2023-09-27T00:41:17.174" v="4311" actId="20577"/>
           <ac:spMkLst>
             <pc:docMk/>
             <pc:sldMk cId="3313755949" sldId="402"/>
             <ac:spMk id="5" creationId="{AFE6C517-2645-3EDC-A4C5-C467913973FB}"/>
+          </ac:spMkLst>
+        </pc:spChg>
+        <pc:spChg chg="add mod">
+          <ac:chgData name="Jha, Aryan Ritwajeet" userId="2aad577e-539b-449b-83a6-8d411f484b4d" providerId="ADAL" clId="{159C9EA5-C6E7-49BD-975B-30C7FC0F9F0A}" dt="2023-09-27T00:35:38.816" v="4277"/>
+          <ac:spMkLst>
+            <pc:docMk/>
+            <pc:sldMk cId="3313755949" sldId="402"/>
+            <ac:spMk id="8" creationId="{808B5641-13E1-94C5-3A86-6AC402EECA5F}"/>
+          </ac:spMkLst>
+        </pc:spChg>
+        <pc:spChg chg="add mod">
+          <ac:chgData name="Jha, Aryan Ritwajeet" userId="2aad577e-539b-449b-83a6-8d411f484b4d" providerId="ADAL" clId="{159C9EA5-C6E7-49BD-975B-30C7FC0F9F0A}" dt="2023-09-27T00:35:38.816" v="4277"/>
+          <ac:spMkLst>
+            <pc:docMk/>
+            <pc:sldMk cId="3313755949" sldId="402"/>
+            <ac:spMk id="10" creationId="{E6E2F01E-398C-1279-2FDD-60F8E6535D0D}"/>
           </ac:spMkLst>
         </pc:spChg>
         <pc:spChg chg="mod">
@@ -1414,16 +1606,16 @@
             <ac:spMk id="25" creationId="{33329B2E-06C1-9FA4-31FA-BC0625329DEA}"/>
           </ac:spMkLst>
         </pc:spChg>
-        <pc:spChg chg="add mod">
-          <ac:chgData name="Jha, Aryan Ritwajeet" userId="2aad577e-539b-449b-83a6-8d411f484b4d" providerId="ADAL" clId="{159C9EA5-C6E7-49BD-975B-30C7FC0F9F0A}" dt="2023-09-27T00:20:05.186" v="4180" actId="207"/>
+        <pc:spChg chg="add del mod">
+          <ac:chgData name="Jha, Aryan Ritwajeet" userId="2aad577e-539b-449b-83a6-8d411f484b4d" providerId="ADAL" clId="{159C9EA5-C6E7-49BD-975B-30C7FC0F9F0A}" dt="2023-09-27T00:35:38.466" v="4276" actId="478"/>
           <ac:spMkLst>
             <pc:docMk/>
             <pc:sldMk cId="3313755949" sldId="402"/>
             <ac:spMk id="29" creationId="{7A083F1A-565F-BFC3-AD80-62ECFB9E5B1A}"/>
           </ac:spMkLst>
         </pc:spChg>
-        <pc:spChg chg="add mod">
-          <ac:chgData name="Jha, Aryan Ritwajeet" userId="2aad577e-539b-449b-83a6-8d411f484b4d" providerId="ADAL" clId="{159C9EA5-C6E7-49BD-975B-30C7FC0F9F0A}" dt="2023-09-27T00:19:09.800" v="4178" actId="14100"/>
+        <pc:spChg chg="add del mod">
+          <ac:chgData name="Jha, Aryan Ritwajeet" userId="2aad577e-539b-449b-83a6-8d411f484b4d" providerId="ADAL" clId="{159C9EA5-C6E7-49BD-975B-30C7FC0F9F0A}" dt="2023-09-27T00:35:38.466" v="4276" actId="478"/>
           <ac:spMkLst>
             <pc:docMk/>
             <pc:sldMk cId="3313755949" sldId="402"/>
@@ -1486,6 +1678,30 @@
             <ac:cxnSpMk id="6" creationId="{F973C6C0-18DD-2629-0831-8B6F21B1D55D}"/>
           </ac:cxnSpMkLst>
         </pc:cxnChg>
+        <pc:cxnChg chg="add mod">
+          <ac:chgData name="Jha, Aryan Ritwajeet" userId="2aad577e-539b-449b-83a6-8d411f484b4d" providerId="ADAL" clId="{159C9EA5-C6E7-49BD-975B-30C7FC0F9F0A}" dt="2023-09-27T00:35:38.816" v="4277"/>
+          <ac:cxnSpMkLst>
+            <pc:docMk/>
+            <pc:sldMk cId="3313755949" sldId="402"/>
+            <ac:cxnSpMk id="7" creationId="{5DDFF80A-514C-33C5-4E4E-80849F8B419B}"/>
+          </ac:cxnSpMkLst>
+        </pc:cxnChg>
+        <pc:cxnChg chg="add mod">
+          <ac:chgData name="Jha, Aryan Ritwajeet" userId="2aad577e-539b-449b-83a6-8d411f484b4d" providerId="ADAL" clId="{159C9EA5-C6E7-49BD-975B-30C7FC0F9F0A}" dt="2023-09-27T00:35:38.816" v="4277"/>
+          <ac:cxnSpMkLst>
+            <pc:docMk/>
+            <pc:sldMk cId="3313755949" sldId="402"/>
+            <ac:cxnSpMk id="9" creationId="{B9F4CF07-5F08-5E9F-6D5F-6F3A8C21D175}"/>
+          </ac:cxnSpMkLst>
+        </pc:cxnChg>
+        <pc:cxnChg chg="add mod">
+          <ac:chgData name="Jha, Aryan Ritwajeet" userId="2aad577e-539b-449b-83a6-8d411f484b4d" providerId="ADAL" clId="{159C9EA5-C6E7-49BD-975B-30C7FC0F9F0A}" dt="2023-09-27T00:35:38.816" v="4277"/>
+          <ac:cxnSpMkLst>
+            <pc:docMk/>
+            <pc:sldMk cId="3313755949" sldId="402"/>
+            <ac:cxnSpMk id="11" creationId="{D78B7FB5-54EE-E127-9699-943E0B9D5EC5}"/>
+          </ac:cxnSpMkLst>
+        </pc:cxnChg>
         <pc:cxnChg chg="mod">
           <ac:chgData name="Jha, Aryan Ritwajeet" userId="2aad577e-539b-449b-83a6-8d411f484b4d" providerId="ADAL" clId="{159C9EA5-C6E7-49BD-975B-30C7FC0F9F0A}" dt="2023-09-27T00:05:06.955" v="3605" actId="1076"/>
           <ac:cxnSpMkLst>
@@ -1510,16 +1726,16 @@
             <ac:cxnSpMk id="24" creationId="{198CF229-1FD9-E5D8-761A-FEE380E11912}"/>
           </ac:cxnSpMkLst>
         </pc:cxnChg>
-        <pc:cxnChg chg="add mod">
-          <ac:chgData name="Jha, Aryan Ritwajeet" userId="2aad577e-539b-449b-83a6-8d411f484b4d" providerId="ADAL" clId="{159C9EA5-C6E7-49BD-975B-30C7FC0F9F0A}" dt="2023-09-27T00:19:05.211" v="4177" actId="14100"/>
+        <pc:cxnChg chg="add del mod">
+          <ac:chgData name="Jha, Aryan Ritwajeet" userId="2aad577e-539b-449b-83a6-8d411f484b4d" providerId="ADAL" clId="{159C9EA5-C6E7-49BD-975B-30C7FC0F9F0A}" dt="2023-09-27T00:35:38.466" v="4276" actId="478"/>
           <ac:cxnSpMkLst>
             <pc:docMk/>
             <pc:sldMk cId="3313755949" sldId="402"/>
             <ac:cxnSpMk id="28" creationId="{07939266-737A-93C0-C69F-A9124066C7A6}"/>
           </ac:cxnSpMkLst>
         </pc:cxnChg>
-        <pc:cxnChg chg="add mod">
-          <ac:chgData name="Jha, Aryan Ritwajeet" userId="2aad577e-539b-449b-83a6-8d411f484b4d" providerId="ADAL" clId="{159C9EA5-C6E7-49BD-975B-30C7FC0F9F0A}" dt="2023-09-27T00:19:09.800" v="4178" actId="14100"/>
+        <pc:cxnChg chg="add del mod">
+          <ac:chgData name="Jha, Aryan Ritwajeet" userId="2aad577e-539b-449b-83a6-8d411f484b4d" providerId="ADAL" clId="{159C9EA5-C6E7-49BD-975B-30C7FC0F9F0A}" dt="2023-09-27T00:35:38.466" v="4276" actId="478"/>
           <ac:cxnSpMkLst>
             <pc:docMk/>
             <pc:sldMk cId="3313755949" sldId="402"/>
@@ -1534,8 +1750,8 @@
             <ac:cxnSpMk id="33" creationId="{362A6A9D-D3E7-6FF1-E7D4-316E269E7111}"/>
           </ac:cxnSpMkLst>
         </pc:cxnChg>
-        <pc:cxnChg chg="add mod">
-          <ac:chgData name="Jha, Aryan Ritwajeet" userId="2aad577e-539b-449b-83a6-8d411f484b4d" providerId="ADAL" clId="{159C9EA5-C6E7-49BD-975B-30C7FC0F9F0A}" dt="2023-09-27T00:19:09.800" v="4178" actId="14100"/>
+        <pc:cxnChg chg="add del mod">
+          <ac:chgData name="Jha, Aryan Ritwajeet" userId="2aad577e-539b-449b-83a6-8d411f484b4d" providerId="ADAL" clId="{159C9EA5-C6E7-49BD-975B-30C7FC0F9F0A}" dt="2023-09-27T00:35:38.466" v="4276" actId="478"/>
           <ac:cxnSpMkLst>
             <pc:docMk/>
             <pc:sldMk cId="3313755949" sldId="402"/>
@@ -1568,13 +1784,13 @@
         </pc:cxnChg>
       </pc:sldChg>
       <pc:sldChg chg="addSp delSp modSp add mod ord">
-        <pc:chgData name="Jha, Aryan Ritwajeet" userId="2aad577e-539b-449b-83a6-8d411f484b4d" providerId="ADAL" clId="{159C9EA5-C6E7-49BD-975B-30C7FC0F9F0A}" dt="2023-09-27T00:26:20.607" v="4245" actId="14100"/>
+        <pc:chgData name="Jha, Aryan Ritwajeet" userId="2aad577e-539b-449b-83a6-8d411f484b4d" providerId="ADAL" clId="{159C9EA5-C6E7-49BD-975B-30C7FC0F9F0A}" dt="2023-09-27T00:41:23.898" v="4312"/>
         <pc:sldMkLst>
           <pc:docMk/>
           <pc:sldMk cId="1724449615" sldId="403"/>
         </pc:sldMkLst>
-        <pc:spChg chg="mod">
-          <ac:chgData name="Jha, Aryan Ritwajeet" userId="2aad577e-539b-449b-83a6-8d411f484b4d" providerId="ADAL" clId="{159C9EA5-C6E7-49BD-975B-30C7FC0F9F0A}" dt="2023-09-27T00:09:55.387" v="3823" actId="1076"/>
+        <pc:spChg chg="del mod">
+          <ac:chgData name="Jha, Aryan Ritwajeet" userId="2aad577e-539b-449b-83a6-8d411f484b4d" providerId="ADAL" clId="{159C9EA5-C6E7-49BD-975B-30C7FC0F9F0A}" dt="2023-09-27T00:35:17.536" v="4274" actId="478"/>
           <ac:spMkLst>
             <pc:docMk/>
             <pc:sldMk cId="1724449615" sldId="403"/>
@@ -1582,11 +1798,27 @@
           </ac:spMkLst>
         </pc:spChg>
         <pc:spChg chg="mod">
-          <ac:chgData name="Jha, Aryan Ritwajeet" userId="2aad577e-539b-449b-83a6-8d411f484b4d" providerId="ADAL" clId="{159C9EA5-C6E7-49BD-975B-30C7FC0F9F0A}" dt="2023-09-27T00:10:48.839" v="3830"/>
+          <ac:chgData name="Jha, Aryan Ritwajeet" userId="2aad577e-539b-449b-83a6-8d411f484b4d" providerId="ADAL" clId="{159C9EA5-C6E7-49BD-975B-30C7FC0F9F0A}" dt="2023-09-27T00:41:23.898" v="4312"/>
           <ac:spMkLst>
             <pc:docMk/>
             <pc:sldMk cId="1724449615" sldId="403"/>
             <ac:spMk id="5" creationId="{AFE6C517-2645-3EDC-A4C5-C467913973FB}"/>
+          </ac:spMkLst>
+        </pc:spChg>
+        <pc:spChg chg="add mod">
+          <ac:chgData name="Jha, Aryan Ritwajeet" userId="2aad577e-539b-449b-83a6-8d411f484b4d" providerId="ADAL" clId="{159C9EA5-C6E7-49BD-975B-30C7FC0F9F0A}" dt="2023-09-27T00:35:18.455" v="4275"/>
+          <ac:spMkLst>
+            <pc:docMk/>
+            <pc:sldMk cId="1724449615" sldId="403"/>
+            <ac:spMk id="6" creationId="{EFCF4E92-ABD9-CD88-9B2B-90B073C8DDD8}"/>
+          </ac:spMkLst>
+        </pc:spChg>
+        <pc:spChg chg="add mod">
+          <ac:chgData name="Jha, Aryan Ritwajeet" userId="2aad577e-539b-449b-83a6-8d411f484b4d" providerId="ADAL" clId="{159C9EA5-C6E7-49BD-975B-30C7FC0F9F0A}" dt="2023-09-27T00:35:18.455" v="4275"/>
+          <ac:spMkLst>
+            <pc:docMk/>
+            <pc:sldMk cId="1724449615" sldId="403"/>
+            <ac:spMk id="9" creationId="{C55ED9D3-F719-9B4E-1541-DBB31B0F9863}"/>
           </ac:spMkLst>
         </pc:spChg>
         <pc:spChg chg="add mod">
@@ -1653,12 +1885,20 @@
             <ac:cxnSpMk id="6" creationId="{F973C6C0-18DD-2629-0831-8B6F21B1D55D}"/>
           </ac:cxnSpMkLst>
         </pc:cxnChg>
-        <pc:cxnChg chg="add mod">
-          <ac:chgData name="Jha, Aryan Ritwajeet" userId="2aad577e-539b-449b-83a6-8d411f484b4d" providerId="ADAL" clId="{159C9EA5-C6E7-49BD-975B-30C7FC0F9F0A}" dt="2023-09-27T00:10:10.846" v="3828" actId="14100"/>
+        <pc:cxnChg chg="add del mod">
+          <ac:chgData name="Jha, Aryan Ritwajeet" userId="2aad577e-539b-449b-83a6-8d411f484b4d" providerId="ADAL" clId="{159C9EA5-C6E7-49BD-975B-30C7FC0F9F0A}" dt="2023-09-27T00:35:17.536" v="4274" actId="478"/>
           <ac:cxnSpMkLst>
             <pc:docMk/>
             <pc:sldMk cId="1724449615" sldId="403"/>
             <ac:cxnSpMk id="7" creationId="{FA4183A1-7581-8CA5-8D43-2841C29666DA}"/>
+          </ac:cxnSpMkLst>
+        </pc:cxnChg>
+        <pc:cxnChg chg="add mod">
+          <ac:chgData name="Jha, Aryan Ritwajeet" userId="2aad577e-539b-449b-83a6-8d411f484b4d" providerId="ADAL" clId="{159C9EA5-C6E7-49BD-975B-30C7FC0F9F0A}" dt="2023-09-27T00:35:18.455" v="4275"/>
+          <ac:cxnSpMkLst>
+            <pc:docMk/>
+            <pc:sldMk cId="1724449615" sldId="403"/>
+            <ac:cxnSpMk id="8" creationId="{11C261D8-4164-C51B-CB60-2CD41EB8B69B}"/>
           </ac:cxnSpMkLst>
         </pc:cxnChg>
         <pc:cxnChg chg="add mod">
@@ -1836,6 +2076,13 @@
             <ac:cxnSpMk id="48" creationId="{2712FACF-A787-1D47-AD9F-ACC0C125506A}"/>
           </ac:cxnSpMkLst>
         </pc:cxnChg>
+      </pc:sldChg>
+      <pc:sldChg chg="add">
+        <pc:chgData name="Jha, Aryan Ritwajeet" userId="2aad577e-539b-449b-83a6-8d411f484b4d" providerId="ADAL" clId="{159C9EA5-C6E7-49BD-975B-30C7FC0F9F0A}" dt="2023-09-27T00:58:02.326" v="4474" actId="2890"/>
+        <pc:sldMkLst>
+          <pc:docMk/>
+          <pc:sldMk cId="3092941440" sldId="405"/>
+        </pc:sldMkLst>
       </pc:sldChg>
       <pc:sldMasterChg chg="add del addSldLayout delSldLayout">
         <pc:chgData name="Jha, Aryan Ritwajeet" userId="2aad577e-539b-449b-83a6-8d411f484b4d" providerId="ADAL" clId="{159C9EA5-C6E7-49BD-975B-30C7FC0F9F0A}" dt="2023-09-26T22:22:10.010" v="754" actId="2696"/>
@@ -11399,8 +11646,8 @@
         </p:nvSpPr>
         <p:spPr>
           <a:xfrm>
-            <a:off x="1524000" y="4521121"/>
-            <a:ext cx="9144000" cy="1614337"/>
+            <a:off x="1524000" y="4433207"/>
+            <a:ext cx="9144000" cy="2077809"/>
           </a:xfrm>
           <a:ln>
             <a:solidFill>
@@ -11410,7 +11657,7 @@
         </p:spPr>
         <p:txBody>
           <a:bodyPr>
-            <a:normAutofit/>
+            <a:normAutofit fontScale="92500" lnSpcReduction="20000"/>
           </a:bodyPr>
           <a:lstStyle/>
           <a:p>
@@ -11418,6 +11665,63 @@
               <a:rPr lang="en-US" dirty="0"/>
               <a:t>Aryan Ritwajeet Jha</a:t>
             </a:r>
+          </a:p>
+          <a:p>
+            <a:r>
+              <a:rPr lang="en-US" sz="1900" dirty="0"/>
+              <a:t>Graduate Research Assistant</a:t>
+            </a:r>
+            <a:r>
+              <a:rPr lang="en-US" sz="1900" baseline="30000" dirty="0"/>
+              <a:t>1</a:t>
+            </a:r>
+            <a:endParaRPr lang="en-US" sz="1900" dirty="0"/>
+          </a:p>
+          <a:p>
+            <a:r>
+              <a:rPr lang="en-US" sz="1800" dirty="0"/>
+              <a:t>Under the supervision of</a:t>
+            </a:r>
+          </a:p>
+          <a:p>
+            <a:r>
+              <a:rPr lang="en-US" sz="1800" dirty="0"/>
+              <a:t>Dr. Anamika Dubey, Associate Professor</a:t>
+            </a:r>
+            <a:r>
+              <a:rPr lang="en-US" sz="1800" baseline="30000" dirty="0"/>
+              <a:t>1</a:t>
+            </a:r>
+            <a:r>
+              <a:rPr lang="en-US" sz="1800" dirty="0"/>
+              <a:t> and mentored by Dr. Subho Paul, Postdoctoral Research Associate</a:t>
+            </a:r>
+            <a:r>
+              <a:rPr lang="en-US" sz="1800" baseline="30000" dirty="0"/>
+              <a:t>1</a:t>
+            </a:r>
+          </a:p>
+          <a:p>
+            <a:endParaRPr lang="en-US" sz="1800" baseline="30000" dirty="0"/>
+          </a:p>
+          <a:p>
+            <a:r>
+              <a:rPr lang="en-US" sz="1600" baseline="30000" dirty="0"/>
+              <a:t>1 </a:t>
+            </a:r>
+            <a:r>
+              <a:rPr lang="en-US" sz="1300" dirty="0"/>
+              <a:t>Energy Systems Innovation Center, School of Electrical Engineering and Computer Science, </a:t>
+            </a:r>
+            <a:r>
+              <a:rPr lang="en-US" sz="1300" dirty="0" err="1"/>
+              <a:t>Voiland</a:t>
+            </a:r>
+            <a:r>
+              <a:rPr lang="en-US" sz="1300" dirty="0"/>
+              <a:t> College of Engineering, Washington State University, Pullman</a:t>
+            </a:r>
+            <a:endParaRPr lang="en-US" sz="1600" dirty="0"/>
           </a:p>
         </p:txBody>
       </p:sp>
@@ -11860,8 +12164,8 @@
           </a:p>
         </p:txBody>
       </p:sp>
-      <mc:AlternateContent xmlns:mc="http://schemas.openxmlformats.org/markup-compatibility/2006">
-        <mc:Choice xmlns:a14="http://schemas.microsoft.com/office/drawing/2010/main" Requires="a14">
+      <mc:AlternateContent xmlns:mc="http://schemas.openxmlformats.org/markup-compatibility/2006" xmlns:a14="http://schemas.microsoft.com/office/drawing/2010/main">
+        <mc:Choice Requires="a14">
           <p:sp>
             <p:nvSpPr>
               <p:cNvPr id="5" name="TextBox 4">
@@ -13101,7 +13405,7 @@
             </p:txBody>
           </p:sp>
         </mc:Choice>
-        <mc:Fallback>
+        <mc:Fallback xmlns="">
           <p:sp>
             <p:nvSpPr>
               <p:cNvPr id="5" name="TextBox 4">
@@ -16910,7 +17214,7 @@
                 <a:ea typeface="+mn-ea"/>
                 <a:cs typeface="+mn-cs"/>
               </a:rPr>
-              <a:t>Non-linear Optimization Problem</a:t>
+              <a:t>(Integer-Constraint Relaxed) Non-linear Optimization Problem</a:t>
             </a:r>
           </a:p>
         </p:txBody>
@@ -17502,73 +17806,6 @@
           </a:ln>
         </p:spPr>
       </p:pic>
-      <p:sp>
-        <p:nvSpPr>
-          <p:cNvPr id="3" name="TextBox 2">
-            <a:extLst>
-              <a:ext uri="{FF2B5EF4-FFF2-40B4-BE49-F238E27FC236}">
-                <a16:creationId xmlns:a16="http://schemas.microsoft.com/office/drawing/2014/main" id="{09A6F077-FE05-E10B-1F4E-59AF76AE7F91}"/>
-              </a:ext>
-            </a:extLst>
-          </p:cNvPr>
-          <p:cNvSpPr txBox="1"/>
-          <p:nvPr/>
-        </p:nvSpPr>
-        <p:spPr>
-          <a:xfrm>
-            <a:off x="589165" y="2112100"/>
-            <a:ext cx="1314450" cy="369332"/>
-          </a:xfrm>
-          <a:prstGeom prst="rect">
-            <a:avLst/>
-          </a:prstGeom>
-          <a:solidFill>
-            <a:schemeClr val="accent1"/>
-          </a:solidFill>
-        </p:spPr>
-        <p:txBody>
-          <a:bodyPr wrap="square" rtlCol="0">
-            <a:spAutoFit/>
-          </a:bodyPr>
-          <a:lstStyle/>
-          <a:p>
-            <a:pPr marL="0" marR="0" lvl="0" indent="0" algn="l" defTabSz="457200" rtl="0" eaLnBrk="1" fontAlgn="auto" latinLnBrk="0" hangingPunct="1">
-              <a:lnSpc>
-                <a:spcPct val="100000"/>
-              </a:lnSpc>
-              <a:spcBef>
-                <a:spcPts val="0"/>
-              </a:spcBef>
-              <a:spcAft>
-                <a:spcPts val="0"/>
-              </a:spcAft>
-              <a:buClrTx/>
-              <a:buSzTx/>
-              <a:buFontTx/>
-              <a:buNone/>
-              <a:tabLst/>
-              <a:defRPr/>
-            </a:pPr>
-            <a:r>
-              <a:rPr kumimoji="0" lang="en-US" sz="1800" b="0" i="0" u="none" strike="noStrike" kern="1200" cap="none" spc="0" normalizeH="0" baseline="0" noProof="0" dirty="0">
-                <a:ln>
-                  <a:noFill/>
-                </a:ln>
-                <a:solidFill>
-                  <a:srgbClr val="FFFFFF"/>
-                </a:solidFill>
-                <a:effectLst/>
-                <a:uLnTx/>
-                <a:uFillTx/>
-                <a:latin typeface="Corbel"/>
-                <a:ea typeface="+mn-ea"/>
-                <a:cs typeface="+mn-cs"/>
-              </a:rPr>
-              <a:t>Line Losses</a:t>
-            </a:r>
-          </a:p>
-        </p:txBody>
-      </p:sp>
       <p:sp>
         <p:nvSpPr>
           <p:cNvPr id="12" name="TextBox 11">
@@ -18122,56 +18359,8 @@
           </a:fontRef>
         </p:style>
       </p:cxnSp>
-      <p:cxnSp>
-        <p:nvCxnSpPr>
-          <p:cNvPr id="7" name="Straight Arrow Connector 6">
-            <a:extLst>
-              <a:ext uri="{FF2B5EF4-FFF2-40B4-BE49-F238E27FC236}">
-                <a16:creationId xmlns:a16="http://schemas.microsoft.com/office/drawing/2014/main" id="{FA4183A1-7581-8CA5-8D43-2841C29666DA}"/>
-              </a:ext>
-            </a:extLst>
-          </p:cNvPr>
-          <p:cNvCxnSpPr>
-            <a:cxnSpLocks/>
-            <a:endCxn id="3" idx="3"/>
-          </p:cNvCxnSpPr>
-          <p:nvPr/>
-        </p:nvCxnSpPr>
-        <p:spPr>
-          <a:xfrm flipH="1" flipV="1">
-            <a:off x="1903615" y="2296766"/>
-            <a:ext cx="3615442" cy="45328"/>
-          </a:xfrm>
-          <a:prstGeom prst="straightConnector1">
-            <a:avLst/>
-          </a:prstGeom>
-          <a:ln w="12700">
-            <a:solidFill>
-              <a:srgbClr val="CA1237">
-                <a:alpha val="67059"/>
-              </a:srgbClr>
-            </a:solidFill>
-            <a:prstDash val="lgDash"/>
-            <a:tailEnd type="triangle"/>
-          </a:ln>
-        </p:spPr>
-        <p:style>
-          <a:lnRef idx="1">
-            <a:schemeClr val="accent1"/>
-          </a:lnRef>
-          <a:fillRef idx="0">
-            <a:schemeClr val="accent1"/>
-          </a:fillRef>
-          <a:effectRef idx="0">
-            <a:schemeClr val="accent1"/>
-          </a:effectRef>
-          <a:fontRef idx="minor">
-            <a:schemeClr val="tx1"/>
-          </a:fontRef>
-        </p:style>
-      </p:cxnSp>
-      <mc:AlternateContent xmlns:mc="http://schemas.openxmlformats.org/markup-compatibility/2006">
-        <mc:Choice xmlns:a14="http://schemas.microsoft.com/office/drawing/2010/main" Requires="a14">
+      <mc:AlternateContent xmlns:mc="http://schemas.openxmlformats.org/markup-compatibility/2006" xmlns:a14="http://schemas.microsoft.com/office/drawing/2010/main">
+        <mc:Choice Requires="a14">
           <p:sp>
             <p:nvSpPr>
               <p:cNvPr id="11" name="Rectangle 10">
@@ -18948,7 +19137,7 @@
             </p:txBody>
           </p:sp>
         </mc:Choice>
-        <mc:Fallback>
+        <mc:Fallback xmlns="">
           <p:sp>
             <p:nvSpPr>
               <p:cNvPr id="11" name="Rectangle 10">
@@ -19355,6 +19544,173 @@
           </a:fontRef>
         </p:style>
       </p:cxnSp>
+      <p:sp>
+        <p:nvSpPr>
+          <p:cNvPr id="6" name="TextBox 5">
+            <a:extLst>
+              <a:ext uri="{FF2B5EF4-FFF2-40B4-BE49-F238E27FC236}">
+                <a16:creationId xmlns:a16="http://schemas.microsoft.com/office/drawing/2014/main" id="{EFCF4E92-ABD9-CD88-9B2B-90B073C8DDD8}"/>
+              </a:ext>
+            </a:extLst>
+          </p:cNvPr>
+          <p:cNvSpPr txBox="1"/>
+          <p:nvPr/>
+        </p:nvSpPr>
+        <p:spPr>
+          <a:xfrm>
+            <a:off x="721793" y="1715496"/>
+            <a:ext cx="1314450" cy="369332"/>
+          </a:xfrm>
+          <a:prstGeom prst="rect">
+            <a:avLst/>
+          </a:prstGeom>
+          <a:solidFill>
+            <a:schemeClr val="accent1"/>
+          </a:solidFill>
+        </p:spPr>
+        <p:txBody>
+          <a:bodyPr wrap="square" rtlCol="0">
+            <a:spAutoFit/>
+          </a:bodyPr>
+          <a:lstStyle/>
+          <a:p>
+            <a:pPr marL="0" marR="0" lvl="0" indent="0" algn="l" defTabSz="457200" rtl="0" eaLnBrk="1" fontAlgn="auto" latinLnBrk="0" hangingPunct="1">
+              <a:lnSpc>
+                <a:spcPct val="100000"/>
+              </a:lnSpc>
+              <a:spcBef>
+                <a:spcPts val="0"/>
+              </a:spcBef>
+              <a:spcAft>
+                <a:spcPts val="0"/>
+              </a:spcAft>
+              <a:buClrTx/>
+              <a:buSzTx/>
+              <a:buFontTx/>
+              <a:buNone/>
+              <a:tabLst/>
+              <a:defRPr/>
+            </a:pPr>
+            <a:r>
+              <a:rPr kumimoji="0" lang="en-US" sz="1800" b="0" i="0" u="none" strike="noStrike" kern="1200" cap="none" spc="0" normalizeH="0" baseline="0" noProof="0" dirty="0">
+                <a:ln>
+                  <a:noFill/>
+                </a:ln>
+                <a:solidFill>
+                  <a:srgbClr val="FFFFFF"/>
+                </a:solidFill>
+                <a:effectLst/>
+                <a:uLnTx/>
+                <a:uFillTx/>
+                <a:latin typeface="Corbel"/>
+                <a:ea typeface="+mn-ea"/>
+                <a:cs typeface="+mn-cs"/>
+              </a:rPr>
+              <a:t>Line Losses</a:t>
+            </a:r>
+          </a:p>
+        </p:txBody>
+      </p:sp>
+      <p:cxnSp>
+        <p:nvCxnSpPr>
+          <p:cNvPr id="8" name="Straight Arrow Connector 7">
+            <a:extLst>
+              <a:ext uri="{FF2B5EF4-FFF2-40B4-BE49-F238E27FC236}">
+                <a16:creationId xmlns:a16="http://schemas.microsoft.com/office/drawing/2014/main" id="{11C261D8-4164-C51B-CB60-2CD41EB8B69B}"/>
+              </a:ext>
+            </a:extLst>
+          </p:cNvPr>
+          <p:cNvCxnSpPr>
+            <a:cxnSpLocks/>
+            <a:endCxn id="6" idx="3"/>
+          </p:cNvCxnSpPr>
+          <p:nvPr/>
+        </p:nvCxnSpPr>
+        <p:spPr>
+          <a:xfrm flipH="1" flipV="1">
+            <a:off x="2036243" y="1900162"/>
+            <a:ext cx="3531800" cy="392037"/>
+          </a:xfrm>
+          <a:prstGeom prst="straightConnector1">
+            <a:avLst/>
+          </a:prstGeom>
+          <a:ln w="12700">
+            <a:solidFill>
+              <a:srgbClr val="CA1237">
+                <a:alpha val="67059"/>
+              </a:srgbClr>
+            </a:solidFill>
+            <a:prstDash val="lgDash"/>
+            <a:tailEnd type="triangle"/>
+          </a:ln>
+        </p:spPr>
+        <p:style>
+          <a:lnRef idx="1">
+            <a:schemeClr val="accent1"/>
+          </a:lnRef>
+          <a:fillRef idx="0">
+            <a:schemeClr val="accent1"/>
+          </a:fillRef>
+          <a:effectRef idx="0">
+            <a:schemeClr val="accent1"/>
+          </a:effectRef>
+          <a:fontRef idx="minor">
+            <a:schemeClr val="tx1"/>
+          </a:fontRef>
+        </p:style>
+      </p:cxnSp>
+      <p:sp>
+        <p:nvSpPr>
+          <p:cNvPr id="9" name="Rectangle 8">
+            <a:extLst>
+              <a:ext uri="{FF2B5EF4-FFF2-40B4-BE49-F238E27FC236}">
+                <a16:creationId xmlns:a16="http://schemas.microsoft.com/office/drawing/2014/main" id="{C55ED9D3-F719-9B4E-1541-DBB31B0F9863}"/>
+              </a:ext>
+            </a:extLst>
+          </p:cNvPr>
+          <p:cNvSpPr/>
+          <p:nvPr/>
+        </p:nvSpPr>
+        <p:spPr>
+          <a:xfrm>
+            <a:off x="5568043" y="2246017"/>
+            <a:ext cx="408214" cy="260419"/>
+          </a:xfrm>
+          <a:prstGeom prst="rect">
+            <a:avLst/>
+          </a:prstGeom>
+          <a:solidFill>
+            <a:schemeClr val="accent1">
+              <a:alpha val="50000"/>
+            </a:schemeClr>
+          </a:solidFill>
+          <a:ln>
+            <a:noFill/>
+          </a:ln>
+        </p:spPr>
+        <p:style>
+          <a:lnRef idx="0">
+            <a:scrgbClr r="0" g="0" b="0"/>
+          </a:lnRef>
+          <a:fillRef idx="0">
+            <a:scrgbClr r="0" g="0" b="0"/>
+          </a:fillRef>
+          <a:effectRef idx="0">
+            <a:scrgbClr r="0" g="0" b="0"/>
+          </a:effectRef>
+          <a:fontRef idx="minor">
+            <a:schemeClr val="lt1"/>
+          </a:fontRef>
+        </p:style>
+        <p:txBody>
+          <a:bodyPr rtlCol="0" anchor="ctr"/>
+          <a:lstStyle/>
+          <a:p>
+            <a:pPr algn="ctr"/>
+            <a:endParaRPr lang="en-US"/>
+          </a:p>
+        </p:txBody>
+      </p:sp>
     </p:spTree>
     <p:extLst>
       <p:ext uri="{BB962C8B-B14F-4D97-AF65-F5344CB8AC3E}">
@@ -19758,7 +20114,7 @@
                 <a:ea typeface="+mn-ea"/>
                 <a:cs typeface="+mn-cs"/>
               </a:rPr>
-              <a:t>Non-linear Optimization Problem</a:t>
+              <a:t>(Integer-Constraint Relaxed) Non-linear Optimization Problem</a:t>
             </a:r>
           </a:p>
         </p:txBody>
@@ -21424,10 +21780,111 @@
       </p:sp>
       <p:cxnSp>
         <p:nvCxnSpPr>
-          <p:cNvPr id="28" name="Straight Arrow Connector 27">
+          <p:cNvPr id="49" name="Straight Arrow Connector 48">
             <a:extLst>
               <a:ext uri="{FF2B5EF4-FFF2-40B4-BE49-F238E27FC236}">
-                <a16:creationId xmlns:a16="http://schemas.microsoft.com/office/drawing/2014/main" id="{07939266-737A-93C0-C69F-A9124066C7A6}"/>
+                <a16:creationId xmlns:a16="http://schemas.microsoft.com/office/drawing/2014/main" id="{ED6E6286-5C06-48CD-DCE4-58BE713DAD73}"/>
+              </a:ext>
+            </a:extLst>
+          </p:cNvPr>
+          <p:cNvCxnSpPr>
+            <a:cxnSpLocks/>
+            <a:endCxn id="50" idx="1"/>
+          </p:cNvCxnSpPr>
+          <p:nvPr/>
+        </p:nvCxnSpPr>
+        <p:spPr>
+          <a:xfrm flipV="1">
+            <a:off x="8417378" y="2309393"/>
+            <a:ext cx="1204233" cy="82743"/>
+          </a:xfrm>
+          <a:prstGeom prst="straightConnector1">
+            <a:avLst/>
+          </a:prstGeom>
+          <a:ln>
+            <a:solidFill>
+              <a:srgbClr val="00B050"/>
+            </a:solidFill>
+            <a:prstDash val="dash"/>
+            <a:tailEnd type="triangle"/>
+          </a:ln>
+        </p:spPr>
+        <p:style>
+          <a:lnRef idx="1">
+            <a:schemeClr val="accent1"/>
+          </a:lnRef>
+          <a:fillRef idx="0">
+            <a:schemeClr val="accent1"/>
+          </a:fillRef>
+          <a:effectRef idx="0">
+            <a:schemeClr val="accent1"/>
+          </a:effectRef>
+          <a:fontRef idx="minor">
+            <a:schemeClr val="tx1"/>
+          </a:fontRef>
+        </p:style>
+      </p:cxnSp>
+      <p:sp>
+        <p:nvSpPr>
+          <p:cNvPr id="50" name="Rectangle 49">
+            <a:extLst>
+              <a:ext uri="{FF2B5EF4-FFF2-40B4-BE49-F238E27FC236}">
+                <a16:creationId xmlns:a16="http://schemas.microsoft.com/office/drawing/2014/main" id="{C169EA0C-C1E4-EC9C-A7A7-ECB1933F5449}"/>
+              </a:ext>
+            </a:extLst>
+          </p:cNvPr>
+          <p:cNvSpPr/>
+          <p:nvPr/>
+        </p:nvSpPr>
+        <p:spPr>
+          <a:xfrm>
+            <a:off x="9621611" y="2084828"/>
+            <a:ext cx="1969052" cy="449129"/>
+          </a:xfrm>
+          <a:prstGeom prst="rect">
+            <a:avLst/>
+          </a:prstGeom>
+          <a:solidFill>
+            <a:srgbClr val="00B050"/>
+          </a:solidFill>
+          <a:ln>
+            <a:noFill/>
+          </a:ln>
+        </p:spPr>
+        <p:style>
+          <a:lnRef idx="2">
+            <a:schemeClr val="accent1">
+              <a:shade val="15000"/>
+            </a:schemeClr>
+          </a:lnRef>
+          <a:fillRef idx="1">
+            <a:schemeClr val="accent1"/>
+          </a:fillRef>
+          <a:effectRef idx="0">
+            <a:schemeClr val="accent1"/>
+          </a:effectRef>
+          <a:fontRef idx="minor">
+            <a:schemeClr val="lt1"/>
+          </a:fontRef>
+        </p:style>
+        <p:txBody>
+          <a:bodyPr rtlCol="0" anchor="ctr"/>
+          <a:lstStyle/>
+          <a:p>
+            <a:pPr algn="ctr"/>
+            <a:r>
+              <a:rPr lang="en-US" dirty="0"/>
+              <a:t>‘Green Box’ Term</a:t>
+            </a:r>
+          </a:p>
+        </p:txBody>
+      </p:sp>
+      <p:cxnSp>
+        <p:nvCxnSpPr>
+          <p:cNvPr id="7" name="Straight Arrow Connector 6">
+            <a:extLst>
+              <a:ext uri="{FF2B5EF4-FFF2-40B4-BE49-F238E27FC236}">
+                <a16:creationId xmlns:a16="http://schemas.microsoft.com/office/drawing/2014/main" id="{5DDFF80A-514C-33C5-4E4E-80849F8B419B}"/>
               </a:ext>
             </a:extLst>
           </p:cNvPr>
@@ -21438,8 +21895,8 @@
         </p:nvCxnSpPr>
         <p:spPr>
           <a:xfrm flipV="1">
-            <a:off x="4743450" y="5684675"/>
-            <a:ext cx="923925" cy="121565"/>
+            <a:off x="4694464" y="5637001"/>
+            <a:ext cx="948418" cy="202995"/>
           </a:xfrm>
           <a:prstGeom prst="straightConnector1">
             <a:avLst/>
@@ -21469,10 +21926,10 @@
       </p:cxnSp>
       <p:sp>
         <p:nvSpPr>
-          <p:cNvPr id="29" name="TextBox 28">
+          <p:cNvPr id="8" name="TextBox 7">
             <a:extLst>
               <a:ext uri="{FF2B5EF4-FFF2-40B4-BE49-F238E27FC236}">
-                <a16:creationId xmlns:a16="http://schemas.microsoft.com/office/drawing/2014/main" id="{7A083F1A-565F-BFC3-AD80-62ECFB9E5B1A}"/>
+                <a16:creationId xmlns:a16="http://schemas.microsoft.com/office/drawing/2014/main" id="{808B5641-13E1-94C5-3A86-6AC402EECA5F}"/>
               </a:ext>
             </a:extLst>
           </p:cNvPr>
@@ -21481,7 +21938,7 @@
         </p:nvSpPr>
         <p:spPr>
           <a:xfrm>
-            <a:off x="5667375" y="5423065"/>
+            <a:off x="5642882" y="5375391"/>
             <a:ext cx="2304233" cy="523220"/>
           </a:xfrm>
           <a:prstGeom prst="rect">
@@ -21581,23 +22038,23 @@
       </p:sp>
       <p:cxnSp>
         <p:nvCxnSpPr>
-          <p:cNvPr id="30" name="Straight Arrow Connector 29">
+          <p:cNvPr id="9" name="Straight Arrow Connector 8">
             <a:extLst>
               <a:ext uri="{FF2B5EF4-FFF2-40B4-BE49-F238E27FC236}">
-                <a16:creationId xmlns:a16="http://schemas.microsoft.com/office/drawing/2014/main" id="{64F1756B-477B-5EB7-C611-415362B0C9F0}"/>
+                <a16:creationId xmlns:a16="http://schemas.microsoft.com/office/drawing/2014/main" id="{B9F4CF07-5F08-5E9F-6D5F-6F3A8C21D175}"/>
               </a:ext>
             </a:extLst>
           </p:cNvPr>
           <p:cNvCxnSpPr>
             <a:cxnSpLocks/>
-            <a:endCxn id="31" idx="1"/>
+            <a:endCxn id="10" idx="1"/>
           </p:cNvCxnSpPr>
           <p:nvPr/>
         </p:nvCxnSpPr>
         <p:spPr>
           <a:xfrm>
-            <a:off x="5233307" y="5943600"/>
-            <a:ext cx="434069" cy="397176"/>
+            <a:off x="5167993" y="5902946"/>
+            <a:ext cx="474889" cy="337476"/>
           </a:xfrm>
           <a:prstGeom prst="straightConnector1">
             <a:avLst/>
@@ -21627,10 +22084,10 @@
       </p:cxnSp>
       <p:sp>
         <p:nvSpPr>
-          <p:cNvPr id="31" name="TextBox 30">
+          <p:cNvPr id="10" name="TextBox 9">
             <a:extLst>
               <a:ext uri="{FF2B5EF4-FFF2-40B4-BE49-F238E27FC236}">
-                <a16:creationId xmlns:a16="http://schemas.microsoft.com/office/drawing/2014/main" id="{1C9FC35D-19DC-F10E-A0CE-2F443EC5CD48}"/>
+                <a16:creationId xmlns:a16="http://schemas.microsoft.com/office/drawing/2014/main" id="{E6E2F01E-398C-1279-2FDD-60F8E6535D0D}"/>
               </a:ext>
             </a:extLst>
           </p:cNvPr>
@@ -21639,8 +22096,8 @@
         </p:nvSpPr>
         <p:spPr>
           <a:xfrm>
-            <a:off x="5667376" y="6071471"/>
-            <a:ext cx="2080532" cy="538609"/>
+            <a:off x="5642882" y="5963423"/>
+            <a:ext cx="2304233" cy="553998"/>
           </a:xfrm>
           <a:prstGeom prst="rect">
             <a:avLst/>
@@ -21739,23 +22196,23 @@
       </p:sp>
       <p:cxnSp>
         <p:nvCxnSpPr>
-          <p:cNvPr id="34" name="Straight Arrow Connector 33">
+          <p:cNvPr id="11" name="Straight Arrow Connector 10">
             <a:extLst>
               <a:ext uri="{FF2B5EF4-FFF2-40B4-BE49-F238E27FC236}">
-                <a16:creationId xmlns:a16="http://schemas.microsoft.com/office/drawing/2014/main" id="{C2A76DF1-3C44-C09B-918A-833E53EB9FEA}"/>
+                <a16:creationId xmlns:a16="http://schemas.microsoft.com/office/drawing/2014/main" id="{D78B7FB5-54EE-E127-9699-943E0B9D5EC5}"/>
               </a:ext>
             </a:extLst>
           </p:cNvPr>
           <p:cNvCxnSpPr>
             <a:cxnSpLocks/>
-            <a:endCxn id="31" idx="1"/>
+            <a:endCxn id="10" idx="1"/>
           </p:cNvCxnSpPr>
           <p:nvPr/>
         </p:nvCxnSpPr>
         <p:spPr>
           <a:xfrm>
-            <a:off x="4857750" y="6213021"/>
-            <a:ext cx="809626" cy="127755"/>
+            <a:off x="4849570" y="6189858"/>
+            <a:ext cx="793312" cy="50564"/>
           </a:xfrm>
           <a:prstGeom prst="straightConnector1">
             <a:avLst/>
@@ -21783,107 +22240,6 @@
           </a:fontRef>
         </p:style>
       </p:cxnSp>
-      <p:cxnSp>
-        <p:nvCxnSpPr>
-          <p:cNvPr id="49" name="Straight Arrow Connector 48">
-            <a:extLst>
-              <a:ext uri="{FF2B5EF4-FFF2-40B4-BE49-F238E27FC236}">
-                <a16:creationId xmlns:a16="http://schemas.microsoft.com/office/drawing/2014/main" id="{ED6E6286-5C06-48CD-DCE4-58BE713DAD73}"/>
-              </a:ext>
-            </a:extLst>
-          </p:cNvPr>
-          <p:cNvCxnSpPr>
-            <a:cxnSpLocks/>
-            <a:endCxn id="50" idx="1"/>
-          </p:cNvCxnSpPr>
-          <p:nvPr/>
-        </p:nvCxnSpPr>
-        <p:spPr>
-          <a:xfrm flipV="1">
-            <a:off x="8417378" y="2309393"/>
-            <a:ext cx="1204233" cy="82743"/>
-          </a:xfrm>
-          <a:prstGeom prst="straightConnector1">
-            <a:avLst/>
-          </a:prstGeom>
-          <a:ln>
-            <a:solidFill>
-              <a:srgbClr val="00B050"/>
-            </a:solidFill>
-            <a:prstDash val="dash"/>
-            <a:tailEnd type="triangle"/>
-          </a:ln>
-        </p:spPr>
-        <p:style>
-          <a:lnRef idx="1">
-            <a:schemeClr val="accent1"/>
-          </a:lnRef>
-          <a:fillRef idx="0">
-            <a:schemeClr val="accent1"/>
-          </a:fillRef>
-          <a:effectRef idx="0">
-            <a:schemeClr val="accent1"/>
-          </a:effectRef>
-          <a:fontRef idx="minor">
-            <a:schemeClr val="tx1"/>
-          </a:fontRef>
-        </p:style>
-      </p:cxnSp>
-      <p:sp>
-        <p:nvSpPr>
-          <p:cNvPr id="50" name="Rectangle 49">
-            <a:extLst>
-              <a:ext uri="{FF2B5EF4-FFF2-40B4-BE49-F238E27FC236}">
-                <a16:creationId xmlns:a16="http://schemas.microsoft.com/office/drawing/2014/main" id="{C169EA0C-C1E4-EC9C-A7A7-ECB1933F5449}"/>
-              </a:ext>
-            </a:extLst>
-          </p:cNvPr>
-          <p:cNvSpPr/>
-          <p:nvPr/>
-        </p:nvSpPr>
-        <p:spPr>
-          <a:xfrm>
-            <a:off x="9621611" y="2084828"/>
-            <a:ext cx="1969052" cy="449129"/>
-          </a:xfrm>
-          <a:prstGeom prst="rect">
-            <a:avLst/>
-          </a:prstGeom>
-          <a:solidFill>
-            <a:srgbClr val="00B050"/>
-          </a:solidFill>
-          <a:ln>
-            <a:noFill/>
-          </a:ln>
-        </p:spPr>
-        <p:style>
-          <a:lnRef idx="2">
-            <a:schemeClr val="accent1">
-              <a:shade val="15000"/>
-            </a:schemeClr>
-          </a:lnRef>
-          <a:fillRef idx="1">
-            <a:schemeClr val="accent1"/>
-          </a:fillRef>
-          <a:effectRef idx="0">
-            <a:schemeClr val="accent1"/>
-          </a:effectRef>
-          <a:fontRef idx="minor">
-            <a:schemeClr val="lt1"/>
-          </a:fontRef>
-        </p:style>
-        <p:txBody>
-          <a:bodyPr rtlCol="0" anchor="ctr"/>
-          <a:lstStyle/>
-          <a:p>
-            <a:pPr algn="ctr"/>
-            <a:r>
-              <a:rPr lang="en-US" dirty="0"/>
-              <a:t>‘Green Box’ Term</a:t>
-            </a:r>
-          </a:p>
-        </p:txBody>
-      </p:sp>
     </p:spTree>
     <p:extLst>
       <p:ext uri="{BB962C8B-B14F-4D97-AF65-F5344CB8AC3E}">
@@ -22140,7 +22496,7 @@
           <a:p>
             <a:pPr algn="ctr"/>
             <a:r>
-              <a:rPr lang="en-US" kern="1200" dirty="0">
+              <a:rPr lang="en-US" sz="4000" kern="1200" dirty="0">
                 <a:solidFill>
                   <a:schemeClr val="tx1"/>
                 </a:solidFill>
@@ -22148,8 +22504,16 @@
                 <a:ea typeface="+mj-ea"/>
                 <a:cs typeface="+mj-cs"/>
               </a:rPr>
-              <a:t>Bounds and Values</a:t>
+              <a:t>Implementation Details</a:t>
             </a:r>
+            <a:endParaRPr lang="en-US" kern="1200" dirty="0">
+              <a:solidFill>
+                <a:schemeClr val="tx1"/>
+              </a:solidFill>
+              <a:latin typeface="+mj-lt"/>
+              <a:ea typeface="+mj-ea"/>
+              <a:cs typeface="+mj-cs"/>
+            </a:endParaRPr>
           </a:p>
         </p:txBody>
       </p:sp>
@@ -22247,8 +22611,2557 @@
           </a:p>
         </p:txBody>
       </p:sp>
-      <mc:AlternateContent xmlns:mc="http://schemas.openxmlformats.org/markup-compatibility/2006" xmlns:a14="http://schemas.microsoft.com/office/drawing/2010/main">
-        <mc:Choice Requires="a14">
+      <p:sp>
+        <p:nvSpPr>
+          <p:cNvPr id="5" name="Content Placeholder 4">
+            <a:extLst>
+              <a:ext uri="{FF2B5EF4-FFF2-40B4-BE49-F238E27FC236}">
+                <a16:creationId xmlns:a16="http://schemas.microsoft.com/office/drawing/2014/main" id="{AFE6C517-2645-3EDC-A4C5-C467913973FB}"/>
+              </a:ext>
+            </a:extLst>
+          </p:cNvPr>
+          <p:cNvSpPr>
+            <a:spLocks noGrp="1"/>
+          </p:cNvSpPr>
+          <p:nvPr>
+            <p:ph idx="1"/>
+          </p:nvPr>
+        </p:nvSpPr>
+        <p:spPr>
+          <a:xfrm>
+            <a:off x="2615738" y="1263807"/>
+            <a:ext cx="6960524" cy="598516"/>
+          </a:xfrm>
+        </p:spPr>
+        <p:txBody>
+          <a:bodyPr vert="horz" lIns="91440" tIns="45720" rIns="91440" bIns="45720" rtlCol="0" anchor="ctr">
+            <a:normAutofit/>
+          </a:bodyPr>
+          <a:lstStyle/>
+          <a:p>
+            <a:pPr marL="0" indent="0" algn="ctr">
+              <a:spcBef>
+                <a:spcPts val="1000"/>
+              </a:spcBef>
+              <a:buNone/>
+            </a:pPr>
+            <a:r>
+              <a:rPr lang="en-US" sz="2000" kern="1200" dirty="0">
+                <a:latin typeface="+mn-lt"/>
+                <a:ea typeface="+mn-ea"/>
+                <a:cs typeface="+mn-cs"/>
+              </a:rPr>
+              <a:t>Platfor</a:t>
+            </a:r>
+            <a:r>
+              <a:rPr lang="en-US" sz="2000" dirty="0"/>
+              <a:t>m, Input, Output</a:t>
+            </a:r>
+            <a:endParaRPr lang="en-US" sz="2000" kern="1200" dirty="0">
+              <a:latin typeface="+mn-lt"/>
+              <a:ea typeface="+mn-ea"/>
+              <a:cs typeface="+mn-cs"/>
+            </a:endParaRPr>
+          </a:p>
+        </p:txBody>
+      </p:sp>
+      <p:sp>
+        <p:nvSpPr>
+          <p:cNvPr id="3" name="Rectangle 2">
+            <a:extLst>
+              <a:ext uri="{FF2B5EF4-FFF2-40B4-BE49-F238E27FC236}">
+                <a16:creationId xmlns:a16="http://schemas.microsoft.com/office/drawing/2014/main" id="{182CC51B-D6FF-7BE8-4C0E-F2774C613156}"/>
+              </a:ext>
+            </a:extLst>
+          </p:cNvPr>
+          <p:cNvSpPr/>
+          <p:nvPr/>
+        </p:nvSpPr>
+        <p:spPr>
+          <a:xfrm>
+            <a:off x="225335" y="2081071"/>
+            <a:ext cx="3755571" cy="1763486"/>
+          </a:xfrm>
+          <a:prstGeom prst="rect">
+            <a:avLst/>
+          </a:prstGeom>
+          <a:solidFill>
+            <a:srgbClr val="00B050"/>
+          </a:solidFill>
+        </p:spPr>
+        <p:style>
+          <a:lnRef idx="1">
+            <a:schemeClr val="accent4"/>
+          </a:lnRef>
+          <a:fillRef idx="3">
+            <a:schemeClr val="accent4"/>
+          </a:fillRef>
+          <a:effectRef idx="2">
+            <a:schemeClr val="accent4"/>
+          </a:effectRef>
+          <a:fontRef idx="minor">
+            <a:schemeClr val="lt1"/>
+          </a:fontRef>
+        </p:style>
+        <p:txBody>
+          <a:bodyPr rtlCol="0" anchor="ctr"/>
+          <a:lstStyle/>
+          <a:p>
+            <a:pPr algn="ctr"/>
+            <a:r>
+              <a:rPr lang="en-US" sz="2000" dirty="0">
+                <a:solidFill>
+                  <a:schemeClr val="bg1"/>
+                </a:solidFill>
+              </a:rPr>
+              <a:t>Platform:</a:t>
+            </a:r>
+          </a:p>
+          <a:p>
+            <a:pPr algn="ctr"/>
+            <a:r>
+              <a:rPr lang="en-US" sz="1400" dirty="0">
+                <a:solidFill>
+                  <a:schemeClr val="bg1"/>
+                </a:solidFill>
+              </a:rPr>
+              <a:t>Current Implementation is in </a:t>
+            </a:r>
+            <a:r>
+              <a:rPr lang="en-US" sz="1400" b="1" dirty="0">
+                <a:solidFill>
+                  <a:schemeClr val="bg1"/>
+                </a:solidFill>
+              </a:rPr>
+              <a:t>MATLAB</a:t>
+            </a:r>
+            <a:r>
+              <a:rPr lang="en-US" sz="1400" dirty="0">
+                <a:solidFill>
+                  <a:schemeClr val="bg1"/>
+                </a:solidFill>
+              </a:rPr>
+              <a:t>. </a:t>
+            </a:r>
+          </a:p>
+          <a:p>
+            <a:pPr algn="ctr"/>
+            <a:endParaRPr lang="en-US" sz="1400" dirty="0">
+              <a:solidFill>
+                <a:schemeClr val="bg1"/>
+              </a:solidFill>
+            </a:endParaRPr>
+          </a:p>
+          <a:p>
+            <a:pPr algn="ctr"/>
+            <a:r>
+              <a:rPr lang="en-US" sz="1400" dirty="0">
+                <a:solidFill>
+                  <a:schemeClr val="bg1"/>
+                </a:solidFill>
+              </a:rPr>
+              <a:t>But </a:t>
+            </a:r>
+            <a:r>
+              <a:rPr lang="en-US" sz="1400" b="1" dirty="0">
+                <a:solidFill>
+                  <a:schemeClr val="bg1"/>
+                </a:solidFill>
+              </a:rPr>
+              <a:t>Python</a:t>
+            </a:r>
+            <a:r>
+              <a:rPr lang="en-US" sz="1400" dirty="0">
+                <a:solidFill>
+                  <a:schemeClr val="bg1"/>
+                </a:solidFill>
+              </a:rPr>
+              <a:t>/</a:t>
+            </a:r>
+            <a:r>
+              <a:rPr lang="en-US" sz="1400" b="1" dirty="0">
+                <a:solidFill>
+                  <a:schemeClr val="bg1"/>
+                </a:solidFill>
+              </a:rPr>
+              <a:t>Julia</a:t>
+            </a:r>
+            <a:r>
+              <a:rPr lang="en-US" sz="1400" dirty="0">
+                <a:solidFill>
+                  <a:schemeClr val="bg1"/>
+                </a:solidFill>
+              </a:rPr>
+              <a:t> can be used to implement the same.</a:t>
+            </a:r>
+          </a:p>
+        </p:txBody>
+      </p:sp>
+      <mc:AlternateContent xmlns:mc="http://schemas.openxmlformats.org/markup-compatibility/2006">
+        <mc:Choice xmlns:a14="http://schemas.microsoft.com/office/drawing/2010/main" Requires="a14">
+          <p:sp>
+            <p:nvSpPr>
+              <p:cNvPr id="8" name="Rectangle 7">
+                <a:extLst>
+                  <a:ext uri="{FF2B5EF4-FFF2-40B4-BE49-F238E27FC236}">
+                    <a16:creationId xmlns:a16="http://schemas.microsoft.com/office/drawing/2014/main" id="{EF27781D-23C5-20C2-9FD6-3039203BBD28}"/>
+                  </a:ext>
+                </a:extLst>
+              </p:cNvPr>
+              <p:cNvSpPr/>
+              <p:nvPr/>
+            </p:nvSpPr>
+            <p:spPr>
+              <a:xfrm>
+                <a:off x="4206241" y="2081071"/>
+                <a:ext cx="3676650" cy="4555256"/>
+              </a:xfrm>
+              <a:prstGeom prst="rect">
+                <a:avLst/>
+              </a:prstGeom>
+            </p:spPr>
+            <p:style>
+              <a:lnRef idx="1">
+                <a:schemeClr val="accent4"/>
+              </a:lnRef>
+              <a:fillRef idx="3">
+                <a:schemeClr val="accent4"/>
+              </a:fillRef>
+              <a:effectRef idx="2">
+                <a:schemeClr val="accent4"/>
+              </a:effectRef>
+              <a:fontRef idx="minor">
+                <a:schemeClr val="lt1"/>
+              </a:fontRef>
+            </p:style>
+            <p:txBody>
+              <a:bodyPr rtlCol="0" anchor="ctr"/>
+              <a:lstStyle/>
+              <a:p>
+                <a:pPr algn="ctr"/>
+                <a:r>
+                  <a:rPr lang="en-US" sz="2000" dirty="0"/>
+                  <a:t>Inputs:</a:t>
+                </a:r>
+              </a:p>
+              <a:p>
+                <a:pPr algn="ctr"/>
+                <a:r>
+                  <a:rPr lang="en-US" sz="1400" dirty="0"/>
+                  <a:t>Inputs are the same as Powerflow variables for a distribution system. That means:</a:t>
+                </a:r>
+                <a:br>
+                  <a:rPr lang="en-US" sz="1400" dirty="0"/>
+                </a:br>
+                <a:r>
+                  <a:rPr lang="en-US" sz="1400" dirty="0"/>
+                  <a:t>Topography:</a:t>
+                </a:r>
+              </a:p>
+              <a:p>
+                <a:r>
+                  <a:rPr lang="en-US" sz="1400" b="1" dirty="0" err="1"/>
+                  <a:t>busData</a:t>
+                </a:r>
+                <a:r>
+                  <a:rPr lang="en-US" sz="1400" dirty="0"/>
+                  <a:t>: </a:t>
+                </a:r>
+                <a14:m>
+                  <m:oMath xmlns:m="http://schemas.openxmlformats.org/officeDocument/2006/math">
+                    <m:d>
+                      <m:dPr>
+                        <m:ctrlPr>
+                          <a:rPr lang="en-US" sz="1400" b="0" i="0" smtClean="0">
+                            <a:latin typeface="Cambria Math" panose="02040503050406030204" pitchFamily="18" charset="0"/>
+                          </a:rPr>
+                        </m:ctrlPr>
+                      </m:dPr>
+                      <m:e>
+                        <m:r>
+                          <a:rPr lang="en-US" sz="1400" b="0" i="1" smtClean="0">
+                            <a:latin typeface="Cambria Math" panose="02040503050406030204" pitchFamily="18" charset="0"/>
+                          </a:rPr>
+                          <m:t>∀ </m:t>
+                        </m:r>
+                        <m:r>
+                          <a:rPr lang="en-US" sz="1400" b="0" i="1" smtClean="0">
+                            <a:latin typeface="Cambria Math" panose="02040503050406030204" pitchFamily="18" charset="0"/>
+                          </a:rPr>
+                          <m:t>𝑗</m:t>
+                        </m:r>
+                        <m:r>
+                          <a:rPr lang="en-US" sz="1400" b="0" i="1" smtClean="0">
+                            <a:latin typeface="Cambria Math" panose="02040503050406030204" pitchFamily="18" charset="0"/>
+                          </a:rPr>
+                          <m:t>∈</m:t>
+                        </m:r>
+                        <m:r>
+                          <a:rPr lang="en-US" sz="1400" b="0" i="1" smtClean="0">
+                            <a:latin typeface="Cambria Math" panose="02040503050406030204" pitchFamily="18" charset="0"/>
+                          </a:rPr>
+                          <m:t>𝑁</m:t>
+                        </m:r>
+                      </m:e>
+                    </m:d>
+                    <m:r>
+                      <a:rPr lang="en-US" sz="1400" b="0" i="1" smtClean="0">
+                        <a:latin typeface="Cambria Math" panose="02040503050406030204" pitchFamily="18" charset="0"/>
+                      </a:rPr>
+                      <m:t> </m:t>
+                    </m:r>
+                    <m:sSub>
+                      <m:sSubPr>
+                        <m:ctrlPr>
+                          <a:rPr lang="en-US" sz="1400" b="0" i="1" smtClean="0">
+                            <a:latin typeface="Cambria Math" panose="02040503050406030204" pitchFamily="18" charset="0"/>
+                          </a:rPr>
+                        </m:ctrlPr>
+                      </m:sSubPr>
+                      <m:e>
+                        <m:sSub>
+                          <m:sSubPr>
+                            <m:ctrlPr>
+                              <a:rPr lang="en-US" sz="1400" b="0" i="1" smtClean="0">
+                                <a:latin typeface="Cambria Math" panose="02040503050406030204" pitchFamily="18" charset="0"/>
+                              </a:rPr>
+                            </m:ctrlPr>
+                          </m:sSubPr>
+                          <m:e>
+                            <m:r>
+                              <a:rPr lang="en-US" sz="1400" b="0" i="1" smtClean="0">
+                                <a:latin typeface="Cambria Math" panose="02040503050406030204" pitchFamily="18" charset="0"/>
+                              </a:rPr>
+                              <m:t>𝑃</m:t>
+                            </m:r>
+                          </m:e>
+                          <m:sub>
+                            <m:r>
+                              <a:rPr lang="en-US" sz="1400" b="0" i="1" smtClean="0">
+                                <a:latin typeface="Cambria Math" panose="02040503050406030204" pitchFamily="18" charset="0"/>
+                              </a:rPr>
+                              <m:t>𝐺</m:t>
+                            </m:r>
+                          </m:sub>
+                        </m:sSub>
+                      </m:e>
+                      <m:sub>
+                        <m:r>
+                          <a:rPr lang="en-US" sz="1400" b="0" i="1" smtClean="0">
+                            <a:latin typeface="Cambria Math" panose="02040503050406030204" pitchFamily="18" charset="0"/>
+                          </a:rPr>
+                          <m:t>𝑗</m:t>
+                        </m:r>
+                      </m:sub>
+                    </m:sSub>
+                    <m:r>
+                      <a:rPr lang="en-US" sz="1400" b="0" i="1" smtClean="0">
+                        <a:latin typeface="Cambria Math" panose="02040503050406030204" pitchFamily="18" charset="0"/>
+                      </a:rPr>
+                      <m:t>, </m:t>
+                    </m:r>
+                    <m:sSub>
+                      <m:sSubPr>
+                        <m:ctrlPr>
+                          <a:rPr lang="en-US" sz="1400" b="0" i="1" smtClean="0">
+                            <a:latin typeface="Cambria Math" panose="02040503050406030204" pitchFamily="18" charset="0"/>
+                          </a:rPr>
+                        </m:ctrlPr>
+                      </m:sSubPr>
+                      <m:e>
+                        <m:r>
+                          <a:rPr lang="en-US" sz="1400" b="0" i="1" smtClean="0">
+                            <a:latin typeface="Cambria Math" panose="02040503050406030204" pitchFamily="18" charset="0"/>
+                          </a:rPr>
+                          <m:t>𝑄</m:t>
+                        </m:r>
+                      </m:e>
+                      <m:sub>
+                        <m:sSub>
+                          <m:sSubPr>
+                            <m:ctrlPr>
+                              <a:rPr lang="en-US" sz="1400" b="0" i="1" smtClean="0">
+                                <a:latin typeface="Cambria Math" panose="02040503050406030204" pitchFamily="18" charset="0"/>
+                              </a:rPr>
+                            </m:ctrlPr>
+                          </m:sSubPr>
+                          <m:e>
+                            <m:r>
+                              <a:rPr lang="en-US" sz="1400" b="0" i="1" smtClean="0">
+                                <a:latin typeface="Cambria Math" panose="02040503050406030204" pitchFamily="18" charset="0"/>
+                              </a:rPr>
+                              <m:t>𝐺</m:t>
+                            </m:r>
+                          </m:e>
+                          <m:sub>
+                            <m:r>
+                              <a:rPr lang="en-US" sz="1400" b="0" i="1" smtClean="0">
+                                <a:latin typeface="Cambria Math" panose="02040503050406030204" pitchFamily="18" charset="0"/>
+                              </a:rPr>
+                              <m:t>𝑗</m:t>
+                            </m:r>
+                          </m:sub>
+                        </m:sSub>
+                      </m:sub>
+                    </m:sSub>
+                  </m:oMath>
+                </a14:m>
+                <a:r>
+                  <a:rPr lang="en-US" sz="1400" dirty="0"/>
+                  <a:t>, </a:t>
+                </a:r>
+                <a14:m>
+                  <m:oMath xmlns:m="http://schemas.openxmlformats.org/officeDocument/2006/math">
+                    <m:sSub>
+                      <m:sSubPr>
+                        <m:ctrlPr>
+                          <a:rPr lang="en-US" sz="1400" b="0" i="1" smtClean="0">
+                            <a:latin typeface="Cambria Math" panose="02040503050406030204" pitchFamily="18" charset="0"/>
+                          </a:rPr>
+                        </m:ctrlPr>
+                      </m:sSubPr>
+                      <m:e>
+                        <m:r>
+                          <a:rPr lang="en-US" sz="1400" b="0" i="1" smtClean="0">
+                            <a:latin typeface="Cambria Math" panose="02040503050406030204" pitchFamily="18" charset="0"/>
+                          </a:rPr>
+                          <m:t>𝑃</m:t>
+                        </m:r>
+                      </m:e>
+                      <m:sub>
+                        <m:sSub>
+                          <m:sSubPr>
+                            <m:ctrlPr>
+                              <a:rPr lang="en-US" sz="1400" b="0" i="1" smtClean="0">
+                                <a:latin typeface="Cambria Math" panose="02040503050406030204" pitchFamily="18" charset="0"/>
+                              </a:rPr>
+                            </m:ctrlPr>
+                          </m:sSubPr>
+                          <m:e>
+                            <m:r>
+                              <a:rPr lang="en-US" sz="1400" b="0" i="1" smtClean="0">
+                                <a:latin typeface="Cambria Math" panose="02040503050406030204" pitchFamily="18" charset="0"/>
+                              </a:rPr>
+                              <m:t>𝐿</m:t>
+                            </m:r>
+                          </m:e>
+                          <m:sub>
+                            <m:r>
+                              <a:rPr lang="en-US" sz="1400" b="0" i="1" smtClean="0">
+                                <a:latin typeface="Cambria Math" panose="02040503050406030204" pitchFamily="18" charset="0"/>
+                              </a:rPr>
+                              <m:t>𝑗</m:t>
+                            </m:r>
+                          </m:sub>
+                        </m:sSub>
+                      </m:sub>
+                    </m:sSub>
+                    <m:r>
+                      <a:rPr lang="en-US" sz="1400" b="0" i="1" smtClean="0">
+                        <a:latin typeface="Cambria Math" panose="02040503050406030204" pitchFamily="18" charset="0"/>
+                      </a:rPr>
+                      <m:t>, </m:t>
+                    </m:r>
+                    <m:sSub>
+                      <m:sSubPr>
+                        <m:ctrlPr>
+                          <a:rPr lang="en-US" sz="1400" b="0" i="1" smtClean="0">
+                            <a:latin typeface="Cambria Math" panose="02040503050406030204" pitchFamily="18" charset="0"/>
+                          </a:rPr>
+                        </m:ctrlPr>
+                      </m:sSubPr>
+                      <m:e>
+                        <m:r>
+                          <a:rPr lang="en-US" sz="1400" b="0" i="1" smtClean="0">
+                            <a:latin typeface="Cambria Math" panose="02040503050406030204" pitchFamily="18" charset="0"/>
+                          </a:rPr>
+                          <m:t>𝑄</m:t>
+                        </m:r>
+                      </m:e>
+                      <m:sub>
+                        <m:sSub>
+                          <m:sSubPr>
+                            <m:ctrlPr>
+                              <a:rPr lang="en-US" sz="1400" b="0" i="1" smtClean="0">
+                                <a:latin typeface="Cambria Math" panose="02040503050406030204" pitchFamily="18" charset="0"/>
+                              </a:rPr>
+                            </m:ctrlPr>
+                          </m:sSubPr>
+                          <m:e>
+                            <m:r>
+                              <a:rPr lang="en-US" sz="1400" b="0" i="1" smtClean="0">
+                                <a:latin typeface="Cambria Math" panose="02040503050406030204" pitchFamily="18" charset="0"/>
+                              </a:rPr>
+                              <m:t>𝐿</m:t>
+                            </m:r>
+                          </m:e>
+                          <m:sub>
+                            <m:r>
+                              <a:rPr lang="en-US" sz="1400" b="0" i="1" smtClean="0">
+                                <a:latin typeface="Cambria Math" panose="02040503050406030204" pitchFamily="18" charset="0"/>
+                              </a:rPr>
+                              <m:t>𝑗</m:t>
+                            </m:r>
+                          </m:sub>
+                        </m:sSub>
+                      </m:sub>
+                    </m:sSub>
+                    <m:r>
+                      <a:rPr lang="en-US" sz="1400" b="0" i="1" smtClean="0">
+                        <a:latin typeface="Cambria Math" panose="02040503050406030204" pitchFamily="18" charset="0"/>
+                      </a:rPr>
+                      <m:t>, </m:t>
+                    </m:r>
+                    <m:sSub>
+                      <m:sSubPr>
+                        <m:ctrlPr>
+                          <a:rPr lang="en-US" sz="1400" b="0" i="1" smtClean="0">
+                            <a:latin typeface="Cambria Math" panose="02040503050406030204" pitchFamily="18" charset="0"/>
+                          </a:rPr>
+                        </m:ctrlPr>
+                      </m:sSubPr>
+                      <m:e>
+                        <m:r>
+                          <a:rPr lang="en-US" sz="1400" b="0" i="1" smtClean="0">
+                            <a:latin typeface="Cambria Math" panose="02040503050406030204" pitchFamily="18" charset="0"/>
+                          </a:rPr>
+                          <m:t>|</m:t>
+                        </m:r>
+                        <m:r>
+                          <a:rPr lang="en-US" sz="1400" b="0" i="1" smtClean="0">
+                            <a:latin typeface="Cambria Math" panose="02040503050406030204" pitchFamily="18" charset="0"/>
+                          </a:rPr>
+                          <m:t>𝑉</m:t>
+                        </m:r>
+                      </m:e>
+                      <m:sub>
+                        <m:r>
+                          <a:rPr lang="en-US" sz="1400" b="0" i="1" smtClean="0">
+                            <a:latin typeface="Cambria Math" panose="02040503050406030204" pitchFamily="18" charset="0"/>
+                          </a:rPr>
+                          <m:t>𝑗</m:t>
+                        </m:r>
+                      </m:sub>
+                    </m:sSub>
+                    <m:r>
+                      <a:rPr lang="en-US" sz="1400" b="0" i="1" smtClean="0">
+                        <a:latin typeface="Cambria Math" panose="02040503050406030204" pitchFamily="18" charset="0"/>
+                      </a:rPr>
+                      <m:t>|</m:t>
+                    </m:r>
+                  </m:oMath>
+                </a14:m>
+                <a:r>
+                  <a:rPr lang="en-US" sz="1400" dirty="0"/>
+                  <a:t> </a:t>
+                </a:r>
+                <a14:m>
+                  <m:oMath xmlns:m="http://schemas.openxmlformats.org/officeDocument/2006/math">
+                    <m:r>
+                      <a:rPr lang="en-US" sz="1400" b="0" i="1" dirty="0" smtClean="0">
+                        <a:latin typeface="Cambria Math" panose="02040503050406030204" pitchFamily="18" charset="0"/>
+                      </a:rPr>
+                      <m:t>[</m:t>
+                    </m:r>
+                    <m:r>
+                      <a:rPr lang="en-US" sz="1400" b="0" i="1" dirty="0" smtClean="0">
+                        <a:latin typeface="Cambria Math" panose="02040503050406030204" pitchFamily="18" charset="0"/>
+                      </a:rPr>
+                      <m:t>𝑘𝑊</m:t>
+                    </m:r>
+                    <m:r>
+                      <a:rPr lang="en-US" sz="1400" b="0" i="1" dirty="0" smtClean="0">
+                        <a:latin typeface="Cambria Math" panose="02040503050406030204" pitchFamily="18" charset="0"/>
+                      </a:rPr>
+                      <m:t>, </m:t>
+                    </m:r>
+                    <m:r>
+                      <a:rPr lang="en-US" sz="1400" b="0" i="1" dirty="0" smtClean="0">
+                        <a:latin typeface="Cambria Math" panose="02040503050406030204" pitchFamily="18" charset="0"/>
+                      </a:rPr>
+                      <m:t>𝑘𝑉𝐴𝑟</m:t>
+                    </m:r>
+                    <m:r>
+                      <a:rPr lang="en-US" sz="1400" b="0" i="1" dirty="0" smtClean="0">
+                        <a:latin typeface="Cambria Math" panose="02040503050406030204" pitchFamily="18" charset="0"/>
+                      </a:rPr>
+                      <m:t>, </m:t>
+                    </m:r>
+                    <m:r>
+                      <a:rPr lang="en-US" sz="1400" b="0" i="1" dirty="0" smtClean="0">
+                        <a:latin typeface="Cambria Math" panose="02040503050406030204" pitchFamily="18" charset="0"/>
+                      </a:rPr>
+                      <m:t>𝑘𝑉</m:t>
+                    </m:r>
+                    <m:r>
+                      <a:rPr lang="en-US" sz="1400" b="0" i="1" dirty="0" smtClean="0">
+                        <a:latin typeface="Cambria Math" panose="02040503050406030204" pitchFamily="18" charset="0"/>
+                      </a:rPr>
+                      <m:t> </m:t>
+                    </m:r>
+                    <m:r>
+                      <a:rPr lang="en-US" sz="1400" b="0" i="1" dirty="0" smtClean="0">
+                        <a:latin typeface="Cambria Math" panose="02040503050406030204" pitchFamily="18" charset="0"/>
+                      </a:rPr>
+                      <m:t>𝑜𝑟</m:t>
+                    </m:r>
+                    <m:r>
+                      <a:rPr lang="en-US" sz="1400" b="0" i="1" dirty="0" smtClean="0">
+                        <a:latin typeface="Cambria Math" panose="02040503050406030204" pitchFamily="18" charset="0"/>
+                      </a:rPr>
+                      <m:t> </m:t>
+                    </m:r>
+                    <m:r>
+                      <a:rPr lang="en-US" sz="1400" b="0" i="1" dirty="0" smtClean="0">
+                        <a:latin typeface="Cambria Math" panose="02040503050406030204" pitchFamily="18" charset="0"/>
+                      </a:rPr>
+                      <m:t>𝑝𝑢</m:t>
+                    </m:r>
+                    <m:r>
+                      <a:rPr lang="en-US" sz="1400" b="0" i="1" dirty="0" smtClean="0">
+                        <a:latin typeface="Cambria Math" panose="02040503050406030204" pitchFamily="18" charset="0"/>
+                      </a:rPr>
+                      <m:t>]</m:t>
+                    </m:r>
+                  </m:oMath>
+                </a14:m>
+                <a:endParaRPr lang="en-US" sz="1400" dirty="0"/>
+              </a:p>
+              <a:p>
+                <a:r>
+                  <a:rPr lang="en-US" sz="1400" b="1" dirty="0" err="1"/>
+                  <a:t>branchData</a:t>
+                </a:r>
+                <a:r>
+                  <a:rPr lang="en-US" sz="1400" dirty="0"/>
+                  <a:t>: </a:t>
+                </a:r>
+                <a14:m>
+                  <m:oMath xmlns:m="http://schemas.openxmlformats.org/officeDocument/2006/math">
+                    <m:d>
+                      <m:dPr>
+                        <m:ctrlPr>
+                          <a:rPr lang="en-US" sz="1400" b="0" i="0" smtClean="0">
+                            <a:latin typeface="Cambria Math" panose="02040503050406030204" pitchFamily="18" charset="0"/>
+                          </a:rPr>
+                        </m:ctrlPr>
+                      </m:dPr>
+                      <m:e>
+                        <m:r>
+                          <a:rPr lang="en-US" sz="1400" b="0" i="1" smtClean="0">
+                            <a:latin typeface="Cambria Math" panose="02040503050406030204" pitchFamily="18" charset="0"/>
+                          </a:rPr>
+                          <m:t>∀ </m:t>
+                        </m:r>
+                        <m:r>
+                          <m:rPr>
+                            <m:sty m:val="p"/>
+                          </m:rPr>
+                          <a:rPr lang="en-US" sz="1400" b="0" i="0" smtClean="0">
+                            <a:latin typeface="Cambria Math" panose="02040503050406030204" pitchFamily="18" charset="0"/>
+                          </a:rPr>
+                          <m:t>i</m:t>
+                        </m:r>
+                        <m:r>
+                          <a:rPr lang="en-US" sz="1400" b="0" i="1" smtClean="0">
+                            <a:latin typeface="Cambria Math" panose="02040503050406030204" pitchFamily="18" charset="0"/>
+                          </a:rPr>
+                          <m:t>→</m:t>
+                        </m:r>
+                        <m:r>
+                          <a:rPr lang="en-US" sz="1400" b="0" i="1" smtClean="0">
+                            <a:latin typeface="Cambria Math" panose="02040503050406030204" pitchFamily="18" charset="0"/>
+                          </a:rPr>
+                          <m:t>𝑗</m:t>
+                        </m:r>
+                        <m:r>
+                          <a:rPr lang="en-US" sz="1400" b="0" i="1" smtClean="0">
+                            <a:latin typeface="Cambria Math" panose="02040503050406030204" pitchFamily="18" charset="0"/>
+                          </a:rPr>
+                          <m:t>∈</m:t>
+                        </m:r>
+                        <m:r>
+                          <a:rPr lang="en-US" sz="1400" b="0" i="1" smtClean="0">
+                            <a:latin typeface="Cambria Math" panose="02040503050406030204" pitchFamily="18" charset="0"/>
+                          </a:rPr>
+                          <m:t>𝐿</m:t>
+                        </m:r>
+                      </m:e>
+                    </m:d>
+                    <m:r>
+                      <a:rPr lang="en-US" sz="1400" b="0" i="1" smtClean="0">
+                        <a:latin typeface="Cambria Math" panose="02040503050406030204" pitchFamily="18" charset="0"/>
+                      </a:rPr>
+                      <m:t> </m:t>
+                    </m:r>
+                    <m:sSub>
+                      <m:sSubPr>
+                        <m:ctrlPr>
+                          <a:rPr lang="en-US" sz="1400" b="0" i="1" smtClean="0">
+                            <a:latin typeface="Cambria Math" panose="02040503050406030204" pitchFamily="18" charset="0"/>
+                          </a:rPr>
+                        </m:ctrlPr>
+                      </m:sSubPr>
+                      <m:e>
+                        <m:r>
+                          <a:rPr lang="en-US" sz="1400" b="0" i="1" smtClean="0">
+                            <a:latin typeface="Cambria Math" panose="02040503050406030204" pitchFamily="18" charset="0"/>
+                          </a:rPr>
+                          <m:t>𝑍</m:t>
+                        </m:r>
+                      </m:e>
+                      <m:sub>
+                        <m:r>
+                          <a:rPr lang="en-US" sz="1400" b="0" i="1" smtClean="0">
+                            <a:latin typeface="Cambria Math" panose="02040503050406030204" pitchFamily="18" charset="0"/>
+                          </a:rPr>
+                          <m:t>𝑖𝑗</m:t>
+                        </m:r>
+                      </m:sub>
+                    </m:sSub>
+                    <m:r>
+                      <a:rPr lang="en-US" sz="1400" b="0" i="1" smtClean="0">
+                        <a:latin typeface="Cambria Math" panose="02040503050406030204" pitchFamily="18" charset="0"/>
+                      </a:rPr>
+                      <m:t>=</m:t>
+                    </m:r>
+                    <m:sSub>
+                      <m:sSubPr>
+                        <m:ctrlPr>
+                          <a:rPr lang="en-US" sz="1400" b="0" i="1" smtClean="0">
+                            <a:latin typeface="Cambria Math" panose="02040503050406030204" pitchFamily="18" charset="0"/>
+                          </a:rPr>
+                        </m:ctrlPr>
+                      </m:sSubPr>
+                      <m:e>
+                        <m:r>
+                          <a:rPr lang="en-US" sz="1400" b="0" i="1" smtClean="0">
+                            <a:latin typeface="Cambria Math" panose="02040503050406030204" pitchFamily="18" charset="0"/>
+                          </a:rPr>
+                          <m:t>𝑅</m:t>
+                        </m:r>
+                      </m:e>
+                      <m:sub>
+                        <m:r>
+                          <a:rPr lang="en-US" sz="1400" b="0" i="1" smtClean="0">
+                            <a:latin typeface="Cambria Math" panose="02040503050406030204" pitchFamily="18" charset="0"/>
+                          </a:rPr>
+                          <m:t>𝑖𝑗</m:t>
+                        </m:r>
+                      </m:sub>
+                    </m:sSub>
+                    <m:r>
+                      <a:rPr lang="en-US" sz="1400" b="0" i="1" smtClean="0">
+                        <a:latin typeface="Cambria Math" panose="02040503050406030204" pitchFamily="18" charset="0"/>
+                      </a:rPr>
+                      <m:t>+</m:t>
+                    </m:r>
+                    <m:r>
+                      <a:rPr lang="en-US" sz="1400" b="0" i="1" smtClean="0">
+                        <a:latin typeface="Cambria Math" panose="02040503050406030204" pitchFamily="18" charset="0"/>
+                      </a:rPr>
+                      <m:t>𝑗</m:t>
+                    </m:r>
+                    <m:sSub>
+                      <m:sSubPr>
+                        <m:ctrlPr>
+                          <a:rPr lang="en-US" sz="1400" b="0" i="1" smtClean="0">
+                            <a:latin typeface="Cambria Math" panose="02040503050406030204" pitchFamily="18" charset="0"/>
+                          </a:rPr>
+                        </m:ctrlPr>
+                      </m:sSubPr>
+                      <m:e>
+                        <m:r>
+                          <a:rPr lang="en-US" sz="1400" b="0" i="1" smtClean="0">
+                            <a:latin typeface="Cambria Math" panose="02040503050406030204" pitchFamily="18" charset="0"/>
+                          </a:rPr>
+                          <m:t>𝑋</m:t>
+                        </m:r>
+                      </m:e>
+                      <m:sub>
+                        <m:r>
+                          <a:rPr lang="en-US" sz="1400" b="0" i="1" smtClean="0">
+                            <a:latin typeface="Cambria Math" panose="02040503050406030204" pitchFamily="18" charset="0"/>
+                          </a:rPr>
+                          <m:t>𝑖𝑗</m:t>
+                        </m:r>
+                      </m:sub>
+                    </m:sSub>
+                  </m:oMath>
+                </a14:m>
+                <a:r>
+                  <a:rPr lang="en-US" sz="1400" dirty="0"/>
+                  <a:t> </a:t>
+                </a:r>
+                <a14:m>
+                  <m:oMath xmlns:m="http://schemas.openxmlformats.org/officeDocument/2006/math">
+                    <m:r>
+                      <a:rPr lang="en-US" sz="1400" b="0" i="1" dirty="0" smtClean="0">
+                        <a:latin typeface="Cambria Math" panose="02040503050406030204" pitchFamily="18" charset="0"/>
+                      </a:rPr>
+                      <m:t>[</m:t>
+                    </m:r>
+                    <m:r>
+                      <m:rPr>
+                        <m:sty m:val="p"/>
+                      </m:rPr>
+                      <a:rPr lang="en-US" sz="1400" b="0" i="0" dirty="0" smtClean="0">
+                        <a:latin typeface="Cambria Math" panose="02040503050406030204" pitchFamily="18" charset="0"/>
+                      </a:rPr>
+                      <m:t>Ω</m:t>
+                    </m:r>
+                    <m:r>
+                      <a:rPr lang="en-US" sz="1400" b="0" i="1" dirty="0" smtClean="0">
+                        <a:latin typeface="Cambria Math" panose="02040503050406030204" pitchFamily="18" charset="0"/>
+                      </a:rPr>
+                      <m:t> </m:t>
+                    </m:r>
+                    <m:r>
+                      <a:rPr lang="en-US" sz="1400" b="0" i="1" dirty="0" smtClean="0">
+                        <a:latin typeface="Cambria Math" panose="02040503050406030204" pitchFamily="18" charset="0"/>
+                      </a:rPr>
+                      <m:t>𝑜𝑟</m:t>
+                    </m:r>
+                    <m:r>
+                      <a:rPr lang="en-US" sz="1400" b="0" i="1" dirty="0" smtClean="0">
+                        <a:latin typeface="Cambria Math" panose="02040503050406030204" pitchFamily="18" charset="0"/>
+                      </a:rPr>
+                      <m:t> </m:t>
+                    </m:r>
+                    <m:r>
+                      <a:rPr lang="en-US" sz="1400" b="0" i="1" dirty="0" smtClean="0">
+                        <a:latin typeface="Cambria Math" panose="02040503050406030204" pitchFamily="18" charset="0"/>
+                      </a:rPr>
+                      <m:t>𝑝𝑢</m:t>
+                    </m:r>
+                    <m:r>
+                      <a:rPr lang="en-US" sz="1400" b="0" i="1" dirty="0" smtClean="0">
+                        <a:latin typeface="Cambria Math" panose="02040503050406030204" pitchFamily="18" charset="0"/>
+                      </a:rPr>
+                      <m:t>]</m:t>
+                    </m:r>
+                  </m:oMath>
+                </a14:m>
+                <a:endParaRPr lang="en-US" sz="1400" dirty="0"/>
+              </a:p>
+              <a:p>
+                <a:r>
+                  <a:rPr lang="en-US" sz="1400" b="1" dirty="0"/>
+                  <a:t>Power Demand </a:t>
+                </a:r>
+                <a:r>
+                  <a:rPr lang="en-US" sz="1400" dirty="0"/>
+                  <a:t>Forecast Profile </a:t>
+                </a:r>
+                <a14:m>
+                  <m:oMath xmlns:m="http://schemas.openxmlformats.org/officeDocument/2006/math">
+                    <m:r>
+                      <a:rPr lang="en-US" sz="1400" b="0" i="1" smtClean="0">
+                        <a:latin typeface="Cambria Math" panose="02040503050406030204" pitchFamily="18" charset="0"/>
+                      </a:rPr>
+                      <m:t>[</m:t>
+                    </m:r>
+                    <m:r>
+                      <a:rPr lang="en-US" sz="1400" b="0" i="1" smtClean="0">
+                        <a:latin typeface="Cambria Math" panose="02040503050406030204" pitchFamily="18" charset="0"/>
+                      </a:rPr>
+                      <m:t>𝑘𝑊</m:t>
+                    </m:r>
+                    <m:r>
+                      <a:rPr lang="en-US" sz="1400" b="0" i="1" smtClean="0">
+                        <a:latin typeface="Cambria Math" panose="02040503050406030204" pitchFamily="18" charset="0"/>
+                      </a:rPr>
+                      <m:t>]</m:t>
+                    </m:r>
+                  </m:oMath>
+                </a14:m>
+                <a:endParaRPr lang="en-US" sz="1400" dirty="0"/>
+              </a:p>
+              <a:p>
+                <a:r>
+                  <a:rPr lang="en-US" sz="1400" b="1" dirty="0"/>
+                  <a:t>PV</a:t>
+                </a:r>
+                <a:r>
+                  <a:rPr lang="en-US" sz="1400" dirty="0"/>
+                  <a:t> Forecast Profile </a:t>
+                </a:r>
+                <a14:m>
+                  <m:oMath xmlns:m="http://schemas.openxmlformats.org/officeDocument/2006/math">
+                    <m:d>
+                      <m:dPr>
+                        <m:begChr m:val="["/>
+                        <m:endChr m:val="]"/>
+                        <m:ctrlPr>
+                          <a:rPr lang="en-US" sz="1400" b="0" i="1" smtClean="0">
+                            <a:latin typeface="Cambria Math" panose="02040503050406030204" pitchFamily="18" charset="0"/>
+                          </a:rPr>
+                        </m:ctrlPr>
+                      </m:dPr>
+                      <m:e>
+                        <m:r>
+                          <a:rPr lang="en-US" sz="1400" b="0" i="1" smtClean="0">
+                            <a:latin typeface="Cambria Math" panose="02040503050406030204" pitchFamily="18" charset="0"/>
+                          </a:rPr>
+                          <m:t>𝑘𝑊</m:t>
+                        </m:r>
+                      </m:e>
+                    </m:d>
+                    <m:r>
+                      <a:rPr lang="en-US" sz="1400" b="0" i="1" smtClean="0">
+                        <a:latin typeface="Cambria Math" panose="02040503050406030204" pitchFamily="18" charset="0"/>
+                      </a:rPr>
+                      <m:t>𝑜𝑟</m:t>
+                    </m:r>
+                    <m:r>
+                      <a:rPr lang="en-US" sz="1400" b="0" i="1" smtClean="0">
+                        <a:latin typeface="Cambria Math" panose="02040503050406030204" pitchFamily="18" charset="0"/>
+                      </a:rPr>
+                      <m:t> </m:t>
+                    </m:r>
+                    <m:r>
+                      <a:rPr lang="en-US" sz="1400" b="0" i="1" smtClean="0">
+                        <a:latin typeface="Cambria Math" panose="02040503050406030204" pitchFamily="18" charset="0"/>
+                      </a:rPr>
+                      <m:t>𝜆</m:t>
+                    </m:r>
+                  </m:oMath>
+                </a14:m>
+                <a:endParaRPr lang="en-US" sz="1400" dirty="0"/>
+              </a:p>
+              <a:p>
+                <a:r>
+                  <a:rPr lang="en-US" sz="1400" dirty="0"/>
+                  <a:t>PV Real Power/Reactive Power Limits </a:t>
+                </a:r>
+                <a14:m>
+                  <m:oMath xmlns:m="http://schemas.openxmlformats.org/officeDocument/2006/math">
+                    <m:r>
+                      <a:rPr lang="en-US" sz="1400" b="0" i="1" smtClean="0">
+                        <a:latin typeface="Cambria Math" panose="02040503050406030204" pitchFamily="18" charset="0"/>
+                      </a:rPr>
+                      <m:t>[</m:t>
+                    </m:r>
+                    <m:r>
+                      <a:rPr lang="en-US" sz="1400" b="0" i="1" smtClean="0">
+                        <a:latin typeface="Cambria Math" panose="02040503050406030204" pitchFamily="18" charset="0"/>
+                      </a:rPr>
+                      <m:t>𝑘𝑊</m:t>
+                    </m:r>
+                    <m:r>
+                      <a:rPr lang="en-US" sz="1400" b="0" i="1" smtClean="0">
+                        <a:latin typeface="Cambria Math" panose="02040503050406030204" pitchFamily="18" charset="0"/>
+                      </a:rPr>
+                      <m:t>]</m:t>
+                    </m:r>
+                  </m:oMath>
+                </a14:m>
+                <a:endParaRPr lang="en-US" sz="1400" dirty="0"/>
+              </a:p>
+              <a:p>
+                <a:r>
+                  <a:rPr lang="en-US" sz="1400" b="1" dirty="0"/>
+                  <a:t>Battery Charging/Discharging Limits </a:t>
+                </a:r>
+                <a14:m>
+                  <m:oMath xmlns:m="http://schemas.openxmlformats.org/officeDocument/2006/math">
+                    <m:r>
+                      <a:rPr lang="en-US" sz="1400" b="1" i="1" smtClean="0">
+                        <a:latin typeface="Cambria Math" panose="02040503050406030204" pitchFamily="18" charset="0"/>
+                      </a:rPr>
+                      <m:t>[</m:t>
+                    </m:r>
+                    <m:r>
+                      <a:rPr lang="en-US" sz="1400" b="1" i="1" smtClean="0">
+                        <a:latin typeface="Cambria Math" panose="02040503050406030204" pitchFamily="18" charset="0"/>
+                      </a:rPr>
+                      <m:t>𝒌𝑾</m:t>
+                    </m:r>
+                    <m:r>
+                      <a:rPr lang="en-US" sz="1400" b="1" i="1" smtClean="0">
+                        <a:latin typeface="Cambria Math" panose="02040503050406030204" pitchFamily="18" charset="0"/>
+                      </a:rPr>
+                      <m:t>]</m:t>
+                    </m:r>
+                  </m:oMath>
+                </a14:m>
+                <a:endParaRPr lang="en-US" sz="1400" b="1" dirty="0"/>
+              </a:p>
+              <a:p>
+                <a:r>
+                  <a:rPr lang="en-US" sz="1400" b="1" dirty="0"/>
+                  <a:t>Battery SOC Limits </a:t>
+                </a:r>
+                <a14:m>
+                  <m:oMath xmlns:m="http://schemas.openxmlformats.org/officeDocument/2006/math">
+                    <m:r>
+                      <a:rPr lang="en-US" sz="1400" b="1" i="1" smtClean="0">
+                        <a:latin typeface="Cambria Math" panose="02040503050406030204" pitchFamily="18" charset="0"/>
+                      </a:rPr>
+                      <m:t>[</m:t>
+                    </m:r>
+                    <m:r>
+                      <a:rPr lang="en-US" sz="1400" b="1" i="1" smtClean="0">
+                        <a:latin typeface="Cambria Math" panose="02040503050406030204" pitchFamily="18" charset="0"/>
+                      </a:rPr>
+                      <m:t>𝒌𝑾𝒉</m:t>
+                    </m:r>
+                    <m:r>
+                      <a:rPr lang="en-US" sz="1400" b="1" i="1" smtClean="0">
+                        <a:latin typeface="Cambria Math" panose="02040503050406030204" pitchFamily="18" charset="0"/>
+                      </a:rPr>
+                      <m:t>]</m:t>
+                    </m:r>
+                  </m:oMath>
+                </a14:m>
+                <a:endParaRPr lang="en-US" sz="1400" b="1" dirty="0"/>
+              </a:p>
+              <a:p>
+                <a:r>
+                  <a:rPr lang="en-US" sz="1400" dirty="0"/>
+                  <a:t>What kind of objective function? Cost of Generation? Then give an estimate of Cost of substation power, cost of battery charging and cost of discharging power </a:t>
+                </a:r>
+                <a14:m>
+                  <m:oMath xmlns:m="http://schemas.openxmlformats.org/officeDocument/2006/math">
+                    <m:r>
+                      <a:rPr lang="en-US" sz="1400" b="0" i="1" smtClean="0">
+                        <a:latin typeface="Cambria Math" panose="02040503050406030204" pitchFamily="18" charset="0"/>
+                      </a:rPr>
+                      <m:t>[$/</m:t>
+                    </m:r>
+                    <m:r>
+                      <a:rPr lang="en-US" sz="1400" b="0" i="1" smtClean="0">
+                        <a:latin typeface="Cambria Math" panose="02040503050406030204" pitchFamily="18" charset="0"/>
+                      </a:rPr>
+                      <m:t>𝑘𝑊</m:t>
+                    </m:r>
+                    <m:r>
+                      <a:rPr lang="en-US" sz="1400" b="0" i="1" smtClean="0">
+                        <a:latin typeface="Cambria Math" panose="02040503050406030204" pitchFamily="18" charset="0"/>
+                      </a:rPr>
+                      <m:t>]</m:t>
+                    </m:r>
+                  </m:oMath>
+                </a14:m>
+                <a:r>
+                  <a:rPr lang="en-US" sz="1400" dirty="0"/>
+                  <a:t>.</a:t>
+                </a:r>
+              </a:p>
+              <a:p>
+                <a:pPr algn="ctr"/>
+                <a:endParaRPr lang="en-US" sz="1400" dirty="0"/>
+              </a:p>
+              <a:p>
+                <a:pPr algn="ctr"/>
+                <a:endParaRPr lang="en-US" sz="1400" dirty="0"/>
+              </a:p>
+            </p:txBody>
+          </p:sp>
+        </mc:Choice>
+        <mc:Fallback>
+          <p:sp>
+            <p:nvSpPr>
+              <p:cNvPr id="8" name="Rectangle 7">
+                <a:extLst>
+                  <a:ext uri="{FF2B5EF4-FFF2-40B4-BE49-F238E27FC236}">
+                    <a16:creationId xmlns:a16="http://schemas.microsoft.com/office/drawing/2014/main" id="{EF27781D-23C5-20C2-9FD6-3039203BBD28}"/>
+                  </a:ext>
+                </a:extLst>
+              </p:cNvPr>
+              <p:cNvSpPr>
+                <a:spLocks noRot="1" noChangeAspect="1" noMove="1" noResize="1" noEditPoints="1" noAdjustHandles="1" noChangeArrowheads="1" noChangeShapeType="1" noTextEdit="1"/>
+              </p:cNvSpPr>
+              <p:nvPr/>
+            </p:nvSpPr>
+            <p:spPr>
+              <a:xfrm>
+                <a:off x="4206241" y="2081071"/>
+                <a:ext cx="3676650" cy="4555256"/>
+              </a:xfrm>
+              <a:prstGeom prst="rect">
+                <a:avLst/>
+              </a:prstGeom>
+              <a:blipFill>
+                <a:blip r:embed="rId2"/>
+                <a:stretch>
+                  <a:fillRect l="-497"/>
+                </a:stretch>
+              </a:blipFill>
+            </p:spPr>
+            <p:txBody>
+              <a:bodyPr/>
+              <a:lstStyle/>
+              <a:p>
+                <a:r>
+                  <a:rPr lang="en-US">
+                    <a:noFill/>
+                  </a:rPr>
+                  <a:t> </a:t>
+                </a:r>
+              </a:p>
+            </p:txBody>
+          </p:sp>
+        </mc:Fallback>
+      </mc:AlternateContent>
+      <mc:AlternateContent xmlns:mc="http://schemas.openxmlformats.org/markup-compatibility/2006">
+        <mc:Choice xmlns:a14="http://schemas.microsoft.com/office/drawing/2010/main" Requires="a14">
+          <p:sp>
+            <p:nvSpPr>
+              <p:cNvPr id="13" name="Rectangle 12">
+                <a:extLst>
+                  <a:ext uri="{FF2B5EF4-FFF2-40B4-BE49-F238E27FC236}">
+                    <a16:creationId xmlns:a16="http://schemas.microsoft.com/office/drawing/2014/main" id="{4FC54133-8CE4-1C01-F7F1-49E060D7D2C1}"/>
+                  </a:ext>
+                </a:extLst>
+              </p:cNvPr>
+              <p:cNvSpPr/>
+              <p:nvPr/>
+            </p:nvSpPr>
+            <p:spPr>
+              <a:xfrm>
+                <a:off x="8108226" y="2081071"/>
+                <a:ext cx="3676650" cy="4555256"/>
+              </a:xfrm>
+              <a:prstGeom prst="rect">
+                <a:avLst/>
+              </a:prstGeom>
+              <a:solidFill>
+                <a:srgbClr val="00B0F0"/>
+              </a:solidFill>
+              <a:ln>
+                <a:solidFill>
+                  <a:schemeClr val="accent3"/>
+                </a:solidFill>
+              </a:ln>
+            </p:spPr>
+            <p:style>
+              <a:lnRef idx="1">
+                <a:schemeClr val="accent4"/>
+              </a:lnRef>
+              <a:fillRef idx="3">
+                <a:schemeClr val="accent4"/>
+              </a:fillRef>
+              <a:effectRef idx="2">
+                <a:schemeClr val="accent4"/>
+              </a:effectRef>
+              <a:fontRef idx="minor">
+                <a:schemeClr val="lt1"/>
+              </a:fontRef>
+            </p:style>
+            <p:txBody>
+              <a:bodyPr rtlCol="0" anchor="ctr"/>
+              <a:lstStyle/>
+              <a:p>
+                <a:pPr algn="ctr"/>
+                <a:r>
+                  <a:rPr lang="en-US" sz="2000" dirty="0">
+                    <a:solidFill>
+                      <a:schemeClr val="bg1"/>
+                    </a:solidFill>
+                  </a:rPr>
+                  <a:t>Outputs:</a:t>
+                </a:r>
+              </a:p>
+              <a:p>
+                <a:r>
+                  <a:rPr lang="en-US" sz="1400" b="1" dirty="0">
+                    <a:solidFill>
+                      <a:schemeClr val="bg1"/>
+                    </a:solidFill>
+                  </a:rPr>
+                  <a:t>Optimal value of the objective function (say, line losses </a:t>
+                </a:r>
+                <a14:m>
+                  <m:oMath xmlns:m="http://schemas.openxmlformats.org/officeDocument/2006/math">
+                    <m:sSub>
+                      <m:sSubPr>
+                        <m:ctrlPr>
+                          <a:rPr lang="en-US" sz="1400" b="1" i="1" smtClean="0">
+                            <a:solidFill>
+                              <a:schemeClr val="bg1"/>
+                            </a:solidFill>
+                            <a:latin typeface="Cambria Math" panose="02040503050406030204" pitchFamily="18" charset="0"/>
+                          </a:rPr>
+                        </m:ctrlPr>
+                      </m:sSubPr>
+                      <m:e>
+                        <m:r>
+                          <a:rPr lang="en-US" sz="1400" b="1" i="1" smtClean="0">
+                            <a:solidFill>
+                              <a:schemeClr val="bg1"/>
+                            </a:solidFill>
+                            <a:latin typeface="Cambria Math" panose="02040503050406030204" pitchFamily="18" charset="0"/>
+                          </a:rPr>
+                          <m:t>𝑷</m:t>
+                        </m:r>
+                      </m:e>
+                      <m:sub>
+                        <m:r>
+                          <a:rPr lang="en-US" sz="1400" b="1" i="1" smtClean="0">
+                            <a:solidFill>
+                              <a:schemeClr val="bg1"/>
+                            </a:solidFill>
+                            <a:latin typeface="Cambria Math" panose="02040503050406030204" pitchFamily="18" charset="0"/>
+                          </a:rPr>
+                          <m:t>𝑳𝒐𝒔𝒔</m:t>
+                        </m:r>
+                      </m:sub>
+                    </m:sSub>
+                  </m:oMath>
+                </a14:m>
+                <a:r>
+                  <a:rPr lang="en-US" sz="1400" b="1" dirty="0">
+                    <a:solidFill>
+                      <a:schemeClr val="bg1"/>
+                    </a:solidFill>
+                  </a:rPr>
+                  <a:t> in </a:t>
+                </a:r>
+                <a14:m>
+                  <m:oMath xmlns:m="http://schemas.openxmlformats.org/officeDocument/2006/math">
+                    <m:r>
+                      <a:rPr lang="en-US" sz="1400" b="1" i="1" smtClean="0">
+                        <a:solidFill>
+                          <a:schemeClr val="bg1"/>
+                        </a:solidFill>
+                        <a:latin typeface="Cambria Math" panose="02040503050406030204" pitchFamily="18" charset="0"/>
+                      </a:rPr>
+                      <m:t>𝒌𝑾</m:t>
+                    </m:r>
+                  </m:oMath>
+                </a14:m>
+                <a:r>
+                  <a:rPr lang="en-US" sz="1400" dirty="0">
+                    <a:solidFill>
+                      <a:schemeClr val="bg1"/>
+                    </a:solidFill>
+                  </a:rPr>
+                  <a:t> or Cost of generation in </a:t>
+                </a:r>
+                <a14:m>
+                  <m:oMath xmlns:m="http://schemas.openxmlformats.org/officeDocument/2006/math">
+                    <m:r>
+                      <a:rPr lang="en-US" sz="1400" b="0" i="1" smtClean="0">
+                        <a:solidFill>
+                          <a:schemeClr val="bg1"/>
+                        </a:solidFill>
+                        <a:latin typeface="Cambria Math" panose="02040503050406030204" pitchFamily="18" charset="0"/>
+                      </a:rPr>
+                      <m:t>$</m:t>
+                    </m:r>
+                  </m:oMath>
+                </a14:m>
+                <a:r>
+                  <a:rPr lang="en-US" sz="1400" dirty="0">
+                    <a:solidFill>
+                      <a:schemeClr val="bg1"/>
+                    </a:solidFill>
+                  </a:rPr>
+                  <a:t>).</a:t>
+                </a:r>
+              </a:p>
+              <a:p>
+                <a:endParaRPr lang="en-US" sz="1400" dirty="0">
+                  <a:solidFill>
+                    <a:schemeClr val="bg1"/>
+                  </a:solidFill>
+                </a:endParaRPr>
+              </a:p>
+              <a:p>
+                <a:r>
+                  <a:rPr lang="en-US" sz="1400" dirty="0">
+                    <a:solidFill>
+                      <a:schemeClr val="bg1"/>
+                    </a:solidFill>
+                  </a:rPr>
+                  <a:t>All state/control/output optimal variables. Such as:</a:t>
+                </a:r>
+                <a:br>
+                  <a:rPr lang="en-US" sz="1400" dirty="0">
+                    <a:solidFill>
+                      <a:schemeClr val="bg1"/>
+                    </a:solidFill>
+                  </a:rPr>
+                </a:br>
+                <a:r>
+                  <a:rPr lang="en-US" sz="1400" dirty="0">
+                    <a:solidFill>
+                      <a:schemeClr val="bg1"/>
+                    </a:solidFill>
+                  </a:rPr>
+                  <a:t>The nine optimization variables for all time instances across the horizon: </a:t>
+                </a:r>
+                <a14:m>
+                  <m:oMath xmlns:m="http://schemas.openxmlformats.org/officeDocument/2006/math">
+                    <m:sSubSup>
+                      <m:sSubSupPr>
+                        <m:ctrlPr>
+                          <a:rPr lang="en-US" sz="1400" b="0" i="1" smtClean="0">
+                            <a:solidFill>
+                              <a:schemeClr val="bg1"/>
+                            </a:solidFill>
+                            <a:latin typeface="Cambria Math" panose="02040503050406030204" pitchFamily="18" charset="0"/>
+                          </a:rPr>
+                        </m:ctrlPr>
+                      </m:sSubSupPr>
+                      <m:e>
+                        <m:r>
+                          <a:rPr lang="en-US" sz="1400" b="0" i="1" smtClean="0">
+                            <a:solidFill>
+                              <a:schemeClr val="bg1"/>
+                            </a:solidFill>
+                            <a:latin typeface="Cambria Math" panose="02040503050406030204" pitchFamily="18" charset="0"/>
+                          </a:rPr>
+                          <m:t>𝑃</m:t>
+                        </m:r>
+                      </m:e>
+                      <m:sub>
+                        <m:r>
+                          <a:rPr lang="en-US" sz="1400" b="0" i="1" smtClean="0">
+                            <a:solidFill>
+                              <a:schemeClr val="bg1"/>
+                            </a:solidFill>
+                            <a:latin typeface="Cambria Math" panose="02040503050406030204" pitchFamily="18" charset="0"/>
+                          </a:rPr>
+                          <m:t>𝑖𝑗</m:t>
+                        </m:r>
+                      </m:sub>
+                      <m:sup>
+                        <m:r>
+                          <a:rPr lang="en-US" sz="1400" b="0" i="1" smtClean="0">
+                            <a:solidFill>
+                              <a:schemeClr val="bg1"/>
+                            </a:solidFill>
+                            <a:latin typeface="Cambria Math" panose="02040503050406030204" pitchFamily="18" charset="0"/>
+                          </a:rPr>
+                          <m:t>𝑡</m:t>
+                        </m:r>
+                      </m:sup>
+                    </m:sSubSup>
+                    <m:r>
+                      <a:rPr lang="en-US" sz="1400" b="0" i="1" smtClean="0">
+                        <a:solidFill>
+                          <a:schemeClr val="bg1"/>
+                        </a:solidFill>
+                        <a:latin typeface="Cambria Math" panose="02040503050406030204" pitchFamily="18" charset="0"/>
+                      </a:rPr>
+                      <m:t>, </m:t>
+                    </m:r>
+                    <m:sSubSup>
+                      <m:sSubSupPr>
+                        <m:ctrlPr>
+                          <a:rPr lang="en-US" sz="1400" b="0" i="1" smtClean="0">
+                            <a:solidFill>
+                              <a:schemeClr val="bg1"/>
+                            </a:solidFill>
+                            <a:latin typeface="Cambria Math" panose="02040503050406030204" pitchFamily="18" charset="0"/>
+                          </a:rPr>
+                        </m:ctrlPr>
+                      </m:sSubSupPr>
+                      <m:e>
+                        <m:r>
+                          <a:rPr lang="en-US" sz="1400" b="0" i="1" smtClean="0">
+                            <a:solidFill>
+                              <a:schemeClr val="bg1"/>
+                            </a:solidFill>
+                            <a:latin typeface="Cambria Math" panose="02040503050406030204" pitchFamily="18" charset="0"/>
+                          </a:rPr>
+                          <m:t>𝑄</m:t>
+                        </m:r>
+                      </m:e>
+                      <m:sub>
+                        <m:r>
+                          <a:rPr lang="en-US" sz="1400" b="0" i="1" smtClean="0">
+                            <a:solidFill>
+                              <a:schemeClr val="bg1"/>
+                            </a:solidFill>
+                            <a:latin typeface="Cambria Math" panose="02040503050406030204" pitchFamily="18" charset="0"/>
+                          </a:rPr>
+                          <m:t>𝑖𝑗</m:t>
+                        </m:r>
+                      </m:sub>
+                      <m:sup>
+                        <m:r>
+                          <a:rPr lang="en-US" sz="1400" b="0" i="1" smtClean="0">
+                            <a:solidFill>
+                              <a:schemeClr val="bg1"/>
+                            </a:solidFill>
+                            <a:latin typeface="Cambria Math" panose="02040503050406030204" pitchFamily="18" charset="0"/>
+                          </a:rPr>
+                          <m:t>𝑡</m:t>
+                        </m:r>
+                      </m:sup>
+                    </m:sSubSup>
+                    <m:r>
+                      <a:rPr lang="en-US" sz="1400" b="0" i="1" smtClean="0">
+                        <a:solidFill>
+                          <a:schemeClr val="bg1"/>
+                        </a:solidFill>
+                        <a:latin typeface="Cambria Math" panose="02040503050406030204" pitchFamily="18" charset="0"/>
+                      </a:rPr>
+                      <m:t>, </m:t>
+                    </m:r>
+                    <m:sSubSup>
+                      <m:sSubSupPr>
+                        <m:ctrlPr>
+                          <a:rPr lang="en-US" sz="1400" b="0" i="1" smtClean="0">
+                            <a:solidFill>
+                              <a:schemeClr val="bg1"/>
+                            </a:solidFill>
+                            <a:latin typeface="Cambria Math" panose="02040503050406030204" pitchFamily="18" charset="0"/>
+                          </a:rPr>
+                        </m:ctrlPr>
+                      </m:sSubSupPr>
+                      <m:e>
+                        <m:r>
+                          <a:rPr lang="en-US" sz="1400" b="0" i="1" smtClean="0">
+                            <a:solidFill>
+                              <a:schemeClr val="bg1"/>
+                            </a:solidFill>
+                            <a:latin typeface="Cambria Math" panose="02040503050406030204" pitchFamily="18" charset="0"/>
+                          </a:rPr>
+                          <m:t>𝑙</m:t>
+                        </m:r>
+                      </m:e>
+                      <m:sub>
+                        <m:r>
+                          <a:rPr lang="en-US" sz="1400" b="0" i="1" smtClean="0">
+                            <a:solidFill>
+                              <a:schemeClr val="bg1"/>
+                            </a:solidFill>
+                            <a:latin typeface="Cambria Math" panose="02040503050406030204" pitchFamily="18" charset="0"/>
+                          </a:rPr>
+                          <m:t>𝑖𝑗</m:t>
+                        </m:r>
+                      </m:sub>
+                      <m:sup>
+                        <m:r>
+                          <a:rPr lang="en-US" sz="1400" b="0" i="1" smtClean="0">
+                            <a:solidFill>
+                              <a:schemeClr val="bg1"/>
+                            </a:solidFill>
+                            <a:latin typeface="Cambria Math" panose="02040503050406030204" pitchFamily="18" charset="0"/>
+                          </a:rPr>
+                          <m:t>𝑡</m:t>
+                        </m:r>
+                      </m:sup>
+                    </m:sSubSup>
+                    <m:r>
+                      <a:rPr lang="en-US" sz="1400" b="0" i="1" smtClean="0">
+                        <a:solidFill>
+                          <a:schemeClr val="bg1"/>
+                        </a:solidFill>
+                        <a:latin typeface="Cambria Math" panose="02040503050406030204" pitchFamily="18" charset="0"/>
+                      </a:rPr>
+                      <m:t>, </m:t>
+                    </m:r>
+                    <m:sSubSup>
+                      <m:sSubSupPr>
+                        <m:ctrlPr>
+                          <a:rPr lang="en-US" sz="1400" b="0" i="1" smtClean="0">
+                            <a:solidFill>
+                              <a:schemeClr val="bg1"/>
+                            </a:solidFill>
+                            <a:latin typeface="Cambria Math" panose="02040503050406030204" pitchFamily="18" charset="0"/>
+                          </a:rPr>
+                        </m:ctrlPr>
+                      </m:sSubSupPr>
+                      <m:e>
+                        <m:r>
+                          <a:rPr lang="en-US" sz="1400" b="0" i="1" smtClean="0">
+                            <a:solidFill>
+                              <a:schemeClr val="bg1"/>
+                            </a:solidFill>
+                            <a:latin typeface="Cambria Math" panose="02040503050406030204" pitchFamily="18" charset="0"/>
+                          </a:rPr>
+                          <m:t>𝑣</m:t>
+                        </m:r>
+                      </m:e>
+                      <m:sub>
+                        <m:r>
+                          <a:rPr lang="en-US" sz="1400" b="0" i="1" smtClean="0">
+                            <a:solidFill>
+                              <a:schemeClr val="bg1"/>
+                            </a:solidFill>
+                            <a:latin typeface="Cambria Math" panose="02040503050406030204" pitchFamily="18" charset="0"/>
+                          </a:rPr>
+                          <m:t>𝑗</m:t>
+                        </m:r>
+                      </m:sub>
+                      <m:sup>
+                        <m:r>
+                          <a:rPr lang="en-US" sz="1400" b="0" i="1" smtClean="0">
+                            <a:solidFill>
+                              <a:schemeClr val="bg1"/>
+                            </a:solidFill>
+                            <a:latin typeface="Cambria Math" panose="02040503050406030204" pitchFamily="18" charset="0"/>
+                          </a:rPr>
+                          <m:t>𝑡</m:t>
+                        </m:r>
+                      </m:sup>
+                    </m:sSubSup>
+                    <m:r>
+                      <a:rPr lang="en-US" sz="1400" b="0" i="1" smtClean="0">
+                        <a:solidFill>
+                          <a:schemeClr val="bg1"/>
+                        </a:solidFill>
+                        <a:latin typeface="Cambria Math" panose="02040503050406030204" pitchFamily="18" charset="0"/>
+                      </a:rPr>
+                      <m:t>, </m:t>
+                    </m:r>
+                    <m:sSubSup>
+                      <m:sSubSupPr>
+                        <m:ctrlPr>
+                          <a:rPr lang="en-US" sz="1400" b="0" i="1" smtClean="0">
+                            <a:solidFill>
+                              <a:schemeClr val="bg1"/>
+                            </a:solidFill>
+                            <a:latin typeface="Cambria Math" panose="02040503050406030204" pitchFamily="18" charset="0"/>
+                          </a:rPr>
+                        </m:ctrlPr>
+                      </m:sSubSupPr>
+                      <m:e>
+                        <m:r>
+                          <a:rPr lang="en-US" sz="1400" b="0" i="1" smtClean="0">
+                            <a:solidFill>
+                              <a:schemeClr val="bg1"/>
+                            </a:solidFill>
+                            <a:latin typeface="Cambria Math" panose="02040503050406030204" pitchFamily="18" charset="0"/>
+                          </a:rPr>
+                          <m:t>𝑞</m:t>
+                        </m:r>
+                      </m:e>
+                      <m:sub>
+                        <m:sSub>
+                          <m:sSubPr>
+                            <m:ctrlPr>
+                              <a:rPr lang="en-US" sz="1400" b="0" i="1" smtClean="0">
+                                <a:solidFill>
+                                  <a:schemeClr val="bg1"/>
+                                </a:solidFill>
+                                <a:latin typeface="Cambria Math" panose="02040503050406030204" pitchFamily="18" charset="0"/>
+                              </a:rPr>
+                            </m:ctrlPr>
+                          </m:sSubPr>
+                          <m:e>
+                            <m:r>
+                              <a:rPr lang="en-US" sz="1400" b="0" i="1" smtClean="0">
+                                <a:solidFill>
+                                  <a:schemeClr val="bg1"/>
+                                </a:solidFill>
+                                <a:latin typeface="Cambria Math" panose="02040503050406030204" pitchFamily="18" charset="0"/>
+                              </a:rPr>
+                              <m:t>𝐷</m:t>
+                            </m:r>
+                          </m:e>
+                          <m:sub>
+                            <m:r>
+                              <a:rPr lang="en-US" sz="1400" b="0" i="1" smtClean="0">
+                                <a:solidFill>
+                                  <a:schemeClr val="bg1"/>
+                                </a:solidFill>
+                                <a:latin typeface="Cambria Math" panose="02040503050406030204" pitchFamily="18" charset="0"/>
+                              </a:rPr>
+                              <m:t>𝑗</m:t>
+                            </m:r>
+                          </m:sub>
+                        </m:sSub>
+                      </m:sub>
+                      <m:sup>
+                        <m:r>
+                          <a:rPr lang="en-US" sz="1400" b="0" i="1" smtClean="0">
+                            <a:solidFill>
+                              <a:schemeClr val="bg1"/>
+                            </a:solidFill>
+                            <a:latin typeface="Cambria Math" panose="02040503050406030204" pitchFamily="18" charset="0"/>
+                          </a:rPr>
+                          <m:t>𝑡</m:t>
+                        </m:r>
+                      </m:sup>
+                    </m:sSubSup>
+                    <m:r>
+                      <a:rPr lang="en-US" sz="1400" b="0" i="1" smtClean="0">
+                        <a:solidFill>
+                          <a:schemeClr val="bg1"/>
+                        </a:solidFill>
+                        <a:latin typeface="Cambria Math" panose="02040503050406030204" pitchFamily="18" charset="0"/>
+                      </a:rPr>
+                      <m:t>, </m:t>
+                    </m:r>
+                    <m:sSubSup>
+                      <m:sSubSupPr>
+                        <m:ctrlPr>
+                          <a:rPr lang="en-US" sz="1400" b="0" i="1" smtClean="0">
+                            <a:solidFill>
+                              <a:schemeClr val="bg1"/>
+                            </a:solidFill>
+                            <a:latin typeface="Cambria Math" panose="02040503050406030204" pitchFamily="18" charset="0"/>
+                          </a:rPr>
+                        </m:ctrlPr>
+                      </m:sSubSupPr>
+                      <m:e>
+                        <m:r>
+                          <a:rPr lang="en-US" sz="1400" b="0" i="1" smtClean="0">
+                            <a:solidFill>
+                              <a:schemeClr val="bg1"/>
+                            </a:solidFill>
+                            <a:latin typeface="Cambria Math" panose="02040503050406030204" pitchFamily="18" charset="0"/>
+                          </a:rPr>
+                          <m:t>𝐵</m:t>
+                        </m:r>
+                      </m:e>
+                      <m:sub>
+                        <m:r>
+                          <a:rPr lang="en-US" sz="1400" b="0" i="1" smtClean="0">
+                            <a:solidFill>
+                              <a:schemeClr val="bg1"/>
+                            </a:solidFill>
+                            <a:latin typeface="Cambria Math" panose="02040503050406030204" pitchFamily="18" charset="0"/>
+                          </a:rPr>
+                          <m:t>𝑗</m:t>
+                        </m:r>
+                      </m:sub>
+                      <m:sup>
+                        <m:r>
+                          <a:rPr lang="en-US" sz="1400" b="0" i="1" smtClean="0">
+                            <a:solidFill>
+                              <a:schemeClr val="bg1"/>
+                            </a:solidFill>
+                            <a:latin typeface="Cambria Math" panose="02040503050406030204" pitchFamily="18" charset="0"/>
+                          </a:rPr>
+                          <m:t>𝑡</m:t>
+                        </m:r>
+                      </m:sup>
+                    </m:sSubSup>
+                    <m:r>
+                      <a:rPr lang="en-US" sz="1400" b="0" i="1" smtClean="0">
+                        <a:solidFill>
+                          <a:schemeClr val="bg1"/>
+                        </a:solidFill>
+                        <a:latin typeface="Cambria Math" panose="02040503050406030204" pitchFamily="18" charset="0"/>
+                      </a:rPr>
+                      <m:t>, </m:t>
+                    </m:r>
+                    <m:sSubSup>
+                      <m:sSubSupPr>
+                        <m:ctrlPr>
+                          <a:rPr lang="en-US" sz="1400" b="0" i="1" smtClean="0">
+                            <a:solidFill>
+                              <a:schemeClr val="bg1"/>
+                            </a:solidFill>
+                            <a:latin typeface="Cambria Math" panose="02040503050406030204" pitchFamily="18" charset="0"/>
+                          </a:rPr>
+                        </m:ctrlPr>
+                      </m:sSubSupPr>
+                      <m:e>
+                        <m:r>
+                          <a:rPr lang="en-US" sz="1400" b="0" i="1" smtClean="0">
+                            <a:solidFill>
+                              <a:schemeClr val="bg1"/>
+                            </a:solidFill>
+                            <a:latin typeface="Cambria Math" panose="02040503050406030204" pitchFamily="18" charset="0"/>
+                          </a:rPr>
+                          <m:t>𝑃</m:t>
+                        </m:r>
+                      </m:e>
+                      <m:sub>
+                        <m:sSub>
+                          <m:sSubPr>
+                            <m:ctrlPr>
+                              <a:rPr lang="en-US" sz="1400" b="0" i="1" smtClean="0">
+                                <a:solidFill>
+                                  <a:schemeClr val="bg1"/>
+                                </a:solidFill>
+                                <a:latin typeface="Cambria Math" panose="02040503050406030204" pitchFamily="18" charset="0"/>
+                              </a:rPr>
+                            </m:ctrlPr>
+                          </m:sSubPr>
+                          <m:e>
+                            <m:r>
+                              <a:rPr lang="en-US" sz="1400" b="0" i="1" smtClean="0">
+                                <a:solidFill>
+                                  <a:schemeClr val="bg1"/>
+                                </a:solidFill>
+                                <a:latin typeface="Cambria Math" panose="02040503050406030204" pitchFamily="18" charset="0"/>
+                              </a:rPr>
+                              <m:t>𝑐</m:t>
+                            </m:r>
+                          </m:e>
+                          <m:sub>
+                            <m:r>
+                              <a:rPr lang="en-US" sz="1400" b="0" i="1" smtClean="0">
+                                <a:solidFill>
+                                  <a:schemeClr val="bg1"/>
+                                </a:solidFill>
+                                <a:latin typeface="Cambria Math" panose="02040503050406030204" pitchFamily="18" charset="0"/>
+                              </a:rPr>
+                              <m:t>𝑗</m:t>
+                            </m:r>
+                          </m:sub>
+                        </m:sSub>
+                      </m:sub>
+                      <m:sup>
+                        <m:r>
+                          <a:rPr lang="en-US" sz="1400" b="0" i="1" smtClean="0">
+                            <a:solidFill>
+                              <a:schemeClr val="bg1"/>
+                            </a:solidFill>
+                            <a:latin typeface="Cambria Math" panose="02040503050406030204" pitchFamily="18" charset="0"/>
+                          </a:rPr>
+                          <m:t>𝑡</m:t>
+                        </m:r>
+                      </m:sup>
+                    </m:sSubSup>
+                    <m:r>
+                      <a:rPr lang="en-US" sz="1400" b="0" i="1" smtClean="0">
+                        <a:solidFill>
+                          <a:schemeClr val="bg1"/>
+                        </a:solidFill>
+                        <a:latin typeface="Cambria Math" panose="02040503050406030204" pitchFamily="18" charset="0"/>
+                      </a:rPr>
+                      <m:t>, </m:t>
+                    </m:r>
+                    <m:sSubSup>
+                      <m:sSubSupPr>
+                        <m:ctrlPr>
+                          <a:rPr lang="en-US" sz="1400" b="0" i="1" smtClean="0">
+                            <a:solidFill>
+                              <a:schemeClr val="bg1"/>
+                            </a:solidFill>
+                            <a:latin typeface="Cambria Math" panose="02040503050406030204" pitchFamily="18" charset="0"/>
+                          </a:rPr>
+                        </m:ctrlPr>
+                      </m:sSubSupPr>
+                      <m:e>
+                        <m:r>
+                          <a:rPr lang="en-US" sz="1400" b="0" i="1" smtClean="0">
+                            <a:solidFill>
+                              <a:schemeClr val="bg1"/>
+                            </a:solidFill>
+                            <a:latin typeface="Cambria Math" panose="02040503050406030204" pitchFamily="18" charset="0"/>
+                          </a:rPr>
+                          <m:t>𝑃</m:t>
+                        </m:r>
+                      </m:e>
+                      <m:sub>
+                        <m:sSub>
+                          <m:sSubPr>
+                            <m:ctrlPr>
+                              <a:rPr lang="en-US" sz="1400" b="0" i="1" smtClean="0">
+                                <a:solidFill>
+                                  <a:schemeClr val="bg1"/>
+                                </a:solidFill>
+                                <a:latin typeface="Cambria Math" panose="02040503050406030204" pitchFamily="18" charset="0"/>
+                              </a:rPr>
+                            </m:ctrlPr>
+                          </m:sSubPr>
+                          <m:e>
+                            <m:r>
+                              <a:rPr lang="en-US" sz="1400" b="0" i="1" smtClean="0">
+                                <a:solidFill>
+                                  <a:schemeClr val="bg1"/>
+                                </a:solidFill>
+                                <a:latin typeface="Cambria Math" panose="02040503050406030204" pitchFamily="18" charset="0"/>
+                              </a:rPr>
+                              <m:t>𝑑</m:t>
+                            </m:r>
+                          </m:e>
+                          <m:sub>
+                            <m:r>
+                              <a:rPr lang="en-US" sz="1400" b="0" i="1" smtClean="0">
+                                <a:solidFill>
+                                  <a:schemeClr val="bg1"/>
+                                </a:solidFill>
+                                <a:latin typeface="Cambria Math" panose="02040503050406030204" pitchFamily="18" charset="0"/>
+                              </a:rPr>
+                              <m:t>𝑗</m:t>
+                            </m:r>
+                          </m:sub>
+                        </m:sSub>
+                      </m:sub>
+                      <m:sup>
+                        <m:r>
+                          <a:rPr lang="en-US" sz="1400" b="0" i="1" smtClean="0">
+                            <a:solidFill>
+                              <a:schemeClr val="bg1"/>
+                            </a:solidFill>
+                            <a:latin typeface="Cambria Math" panose="02040503050406030204" pitchFamily="18" charset="0"/>
+                          </a:rPr>
+                          <m:t>𝑡</m:t>
+                        </m:r>
+                      </m:sup>
+                    </m:sSubSup>
+                    <m:r>
+                      <a:rPr lang="en-US" sz="1400" b="0" i="1" smtClean="0">
+                        <a:solidFill>
+                          <a:schemeClr val="bg1"/>
+                        </a:solidFill>
+                        <a:latin typeface="Cambria Math" panose="02040503050406030204" pitchFamily="18" charset="0"/>
+                      </a:rPr>
+                      <m:t>, </m:t>
+                    </m:r>
+                    <m:sSubSup>
+                      <m:sSubSupPr>
+                        <m:ctrlPr>
+                          <a:rPr lang="en-US" sz="1400" b="0" i="1" smtClean="0">
+                            <a:solidFill>
+                              <a:schemeClr val="bg1"/>
+                            </a:solidFill>
+                            <a:latin typeface="Cambria Math" panose="02040503050406030204" pitchFamily="18" charset="0"/>
+                          </a:rPr>
+                        </m:ctrlPr>
+                      </m:sSubSupPr>
+                      <m:e>
+                        <m:r>
+                          <a:rPr lang="en-US" sz="1400" b="0" i="1" smtClean="0">
+                            <a:solidFill>
+                              <a:schemeClr val="bg1"/>
+                            </a:solidFill>
+                            <a:latin typeface="Cambria Math" panose="02040503050406030204" pitchFamily="18" charset="0"/>
+                          </a:rPr>
+                          <m:t>𝑞</m:t>
+                        </m:r>
+                      </m:e>
+                      <m:sub>
+                        <m:sSub>
+                          <m:sSubPr>
+                            <m:ctrlPr>
+                              <a:rPr lang="en-US" sz="1400" b="0" i="1" smtClean="0">
+                                <a:solidFill>
+                                  <a:schemeClr val="bg1"/>
+                                </a:solidFill>
+                                <a:latin typeface="Cambria Math" panose="02040503050406030204" pitchFamily="18" charset="0"/>
+                              </a:rPr>
+                            </m:ctrlPr>
+                          </m:sSubPr>
+                          <m:e>
+                            <m:r>
+                              <a:rPr lang="en-US" sz="1400" b="0" i="1" smtClean="0">
+                                <a:solidFill>
+                                  <a:schemeClr val="bg1"/>
+                                </a:solidFill>
+                                <a:latin typeface="Cambria Math" panose="02040503050406030204" pitchFamily="18" charset="0"/>
+                              </a:rPr>
+                              <m:t>𝐵</m:t>
+                            </m:r>
+                          </m:e>
+                          <m:sub>
+                            <m:r>
+                              <a:rPr lang="en-US" sz="1400" b="0" i="1" smtClean="0">
+                                <a:solidFill>
+                                  <a:schemeClr val="bg1"/>
+                                </a:solidFill>
+                                <a:latin typeface="Cambria Math" panose="02040503050406030204" pitchFamily="18" charset="0"/>
+                              </a:rPr>
+                              <m:t>𝑗</m:t>
+                            </m:r>
+                          </m:sub>
+                        </m:sSub>
+                      </m:sub>
+                      <m:sup>
+                        <m:r>
+                          <a:rPr lang="en-US" sz="1400" b="0" i="1" smtClean="0">
+                            <a:solidFill>
+                              <a:schemeClr val="bg1"/>
+                            </a:solidFill>
+                            <a:latin typeface="Cambria Math" panose="02040503050406030204" pitchFamily="18" charset="0"/>
+                          </a:rPr>
+                          <m:t>𝑡</m:t>
+                        </m:r>
+                      </m:sup>
+                    </m:sSubSup>
+                    <m:r>
+                      <a:rPr lang="en-US" sz="1400" b="0" i="1" smtClean="0">
+                        <a:solidFill>
+                          <a:schemeClr val="bg1"/>
+                        </a:solidFill>
+                        <a:latin typeface="Cambria Math" panose="02040503050406030204" pitchFamily="18" charset="0"/>
+                      </a:rPr>
+                      <m:t> ∀ </m:t>
+                    </m:r>
+                    <m:r>
+                      <a:rPr lang="en-US" sz="1400" b="0" i="1" smtClean="0">
+                        <a:solidFill>
+                          <a:schemeClr val="bg1"/>
+                        </a:solidFill>
+                        <a:latin typeface="Cambria Math" panose="02040503050406030204" pitchFamily="18" charset="0"/>
+                      </a:rPr>
+                      <m:t>𝑡</m:t>
+                    </m:r>
+                    <m:r>
+                      <a:rPr lang="en-US" sz="1400" b="0" i="1" smtClean="0">
+                        <a:solidFill>
+                          <a:schemeClr val="bg1"/>
+                        </a:solidFill>
+                        <a:latin typeface="Cambria Math" panose="02040503050406030204" pitchFamily="18" charset="0"/>
+                      </a:rPr>
+                      <m:t>∈</m:t>
+                    </m:r>
+                    <m:d>
+                      <m:dPr>
+                        <m:begChr m:val="["/>
+                        <m:endChr m:val="]"/>
+                        <m:ctrlPr>
+                          <a:rPr lang="en-US" sz="1400" b="0" i="1" smtClean="0">
+                            <a:solidFill>
+                              <a:schemeClr val="bg1"/>
+                            </a:solidFill>
+                            <a:latin typeface="Cambria Math" panose="02040503050406030204" pitchFamily="18" charset="0"/>
+                          </a:rPr>
+                        </m:ctrlPr>
+                      </m:dPr>
+                      <m:e>
+                        <m:r>
+                          <a:rPr lang="en-US" sz="1400" b="0" i="1" smtClean="0">
+                            <a:solidFill>
+                              <a:schemeClr val="bg1"/>
+                            </a:solidFill>
+                            <a:latin typeface="Cambria Math" panose="02040503050406030204" pitchFamily="18" charset="0"/>
+                          </a:rPr>
+                          <m:t>0, </m:t>
+                        </m:r>
+                        <m:r>
+                          <a:rPr lang="en-US" sz="1400" b="0" i="1" smtClean="0">
+                            <a:solidFill>
+                              <a:schemeClr val="bg1"/>
+                            </a:solidFill>
+                            <a:latin typeface="Cambria Math" panose="02040503050406030204" pitchFamily="18" charset="0"/>
+                          </a:rPr>
+                          <m:t>𝑇</m:t>
+                        </m:r>
+                      </m:e>
+                    </m:d>
+                    <m:r>
+                      <a:rPr lang="en-US" sz="1400" b="0" i="1" smtClean="0">
+                        <a:solidFill>
+                          <a:schemeClr val="bg1"/>
+                        </a:solidFill>
+                        <a:latin typeface="Cambria Math" panose="02040503050406030204" pitchFamily="18" charset="0"/>
+                      </a:rPr>
+                      <m:t>, </m:t>
+                    </m:r>
+                    <m:r>
+                      <a:rPr lang="en-US" sz="1400" b="0" i="1" smtClean="0">
+                        <a:solidFill>
+                          <a:schemeClr val="bg1"/>
+                        </a:solidFill>
+                        <a:latin typeface="Cambria Math" panose="02040503050406030204" pitchFamily="18" charset="0"/>
+                      </a:rPr>
+                      <m:t>𝑗</m:t>
+                    </m:r>
+                    <m:r>
+                      <a:rPr lang="en-US" sz="1400" b="0" i="1" smtClean="0">
+                        <a:solidFill>
+                          <a:schemeClr val="bg1"/>
+                        </a:solidFill>
+                        <a:latin typeface="Cambria Math" panose="02040503050406030204" pitchFamily="18" charset="0"/>
+                      </a:rPr>
+                      <m:t>∈</m:t>
+                    </m:r>
+                    <m:r>
+                      <a:rPr lang="en-US" sz="1400" b="0" i="1" smtClean="0">
+                        <a:solidFill>
+                          <a:schemeClr val="bg1"/>
+                        </a:solidFill>
+                        <a:latin typeface="Cambria Math" panose="02040503050406030204" pitchFamily="18" charset="0"/>
+                      </a:rPr>
+                      <m:t>𝑁</m:t>
+                    </m:r>
+                    <m:r>
+                      <a:rPr lang="en-US" sz="1400" b="0" i="1" smtClean="0">
+                        <a:solidFill>
+                          <a:schemeClr val="bg1"/>
+                        </a:solidFill>
+                        <a:latin typeface="Cambria Math" panose="02040503050406030204" pitchFamily="18" charset="0"/>
+                      </a:rPr>
+                      <m:t>, </m:t>
+                    </m:r>
+                    <m:d>
+                      <m:dPr>
+                        <m:ctrlPr>
+                          <a:rPr lang="en-US" sz="1400" b="0" i="1" smtClean="0">
+                            <a:solidFill>
+                              <a:schemeClr val="bg1"/>
+                            </a:solidFill>
+                            <a:latin typeface="Cambria Math" panose="02040503050406030204" pitchFamily="18" charset="0"/>
+                          </a:rPr>
+                        </m:ctrlPr>
+                      </m:dPr>
+                      <m:e>
+                        <m:r>
+                          <a:rPr lang="en-US" sz="1400" b="0" i="1" smtClean="0">
+                            <a:solidFill>
+                              <a:schemeClr val="bg1"/>
+                            </a:solidFill>
+                            <a:latin typeface="Cambria Math" panose="02040503050406030204" pitchFamily="18" charset="0"/>
+                          </a:rPr>
+                          <m:t>𝑖</m:t>
+                        </m:r>
+                        <m:r>
+                          <a:rPr lang="en-US" sz="1400" b="0" i="1" smtClean="0">
+                            <a:solidFill>
+                              <a:schemeClr val="bg1"/>
+                            </a:solidFill>
+                            <a:latin typeface="Cambria Math" panose="02040503050406030204" pitchFamily="18" charset="0"/>
+                          </a:rPr>
+                          <m:t>→</m:t>
+                        </m:r>
+                        <m:r>
+                          <a:rPr lang="en-US" sz="1400" b="0" i="1" smtClean="0">
+                            <a:solidFill>
+                              <a:schemeClr val="bg1"/>
+                            </a:solidFill>
+                            <a:latin typeface="Cambria Math" panose="02040503050406030204" pitchFamily="18" charset="0"/>
+                          </a:rPr>
+                          <m:t>𝑗</m:t>
+                        </m:r>
+                      </m:e>
+                    </m:d>
+                    <m:r>
+                      <a:rPr lang="en-US" sz="1400" b="0" i="1" smtClean="0">
+                        <a:solidFill>
+                          <a:schemeClr val="bg1"/>
+                        </a:solidFill>
+                        <a:latin typeface="Cambria Math" panose="02040503050406030204" pitchFamily="18" charset="0"/>
+                      </a:rPr>
+                      <m:t>∈</m:t>
+                    </m:r>
+                    <m:r>
+                      <a:rPr lang="en-US" sz="1400" b="0" i="1" smtClean="0">
+                        <a:solidFill>
+                          <a:schemeClr val="bg1"/>
+                        </a:solidFill>
+                        <a:latin typeface="Cambria Math" panose="02040503050406030204" pitchFamily="18" charset="0"/>
+                      </a:rPr>
+                      <m:t>𝐿</m:t>
+                    </m:r>
+                  </m:oMath>
+                </a14:m>
+                <a:endParaRPr lang="en-US" sz="1400" dirty="0">
+                  <a:solidFill>
+                    <a:schemeClr val="bg1"/>
+                  </a:solidFill>
+                </a:endParaRPr>
+              </a:p>
+              <a:p>
+                <a:endParaRPr lang="en-US" sz="1400" dirty="0">
+                  <a:solidFill>
+                    <a:schemeClr val="bg1"/>
+                  </a:solidFill>
+                </a:endParaRPr>
+              </a:p>
+              <a:p>
+                <a:r>
+                  <a:rPr lang="en-US" sz="1400" dirty="0">
+                    <a:solidFill>
+                      <a:schemeClr val="bg1"/>
+                    </a:solidFill>
+                  </a:rPr>
+                  <a:t>Output variables such as Substation Power </a:t>
+                </a:r>
+                <a14:m>
+                  <m:oMath xmlns:m="http://schemas.openxmlformats.org/officeDocument/2006/math">
+                    <m:sSub>
+                      <m:sSubPr>
+                        <m:ctrlPr>
+                          <a:rPr lang="en-US" sz="1400" b="0" i="1" smtClean="0">
+                            <a:solidFill>
+                              <a:schemeClr val="bg1"/>
+                            </a:solidFill>
+                            <a:latin typeface="Cambria Math" panose="02040503050406030204" pitchFamily="18" charset="0"/>
+                          </a:rPr>
+                        </m:ctrlPr>
+                      </m:sSubPr>
+                      <m:e>
+                        <m:r>
+                          <a:rPr lang="en-US" sz="1400" b="0" i="1" smtClean="0">
+                            <a:solidFill>
+                              <a:schemeClr val="bg1"/>
+                            </a:solidFill>
+                            <a:latin typeface="Cambria Math" panose="02040503050406030204" pitchFamily="18" charset="0"/>
+                          </a:rPr>
+                          <m:t>𝑃</m:t>
+                        </m:r>
+                      </m:e>
+                      <m:sub>
+                        <m:r>
+                          <a:rPr lang="en-US" sz="1400" b="0" i="1" smtClean="0">
+                            <a:solidFill>
+                              <a:schemeClr val="bg1"/>
+                            </a:solidFill>
+                            <a:latin typeface="Cambria Math" panose="02040503050406030204" pitchFamily="18" charset="0"/>
+                          </a:rPr>
+                          <m:t>𝑆𝑢𝑏𝑠</m:t>
+                        </m:r>
+                      </m:sub>
+                    </m:sSub>
+                  </m:oMath>
+                </a14:m>
+                <a:r>
+                  <a:rPr lang="en-US" sz="1400" dirty="0">
+                    <a:solidFill>
+                      <a:schemeClr val="bg1"/>
+                    </a:solidFill>
+                  </a:rPr>
+                  <a:t>.</a:t>
+                </a:r>
+              </a:p>
+              <a:p>
+                <a:endParaRPr lang="en-US" sz="1400" dirty="0">
+                  <a:solidFill>
+                    <a:schemeClr val="bg1"/>
+                  </a:solidFill>
+                </a:endParaRPr>
+              </a:p>
+              <a:p>
+                <a:r>
+                  <a:rPr lang="en-US" sz="1400" dirty="0">
+                    <a:solidFill>
+                      <a:schemeClr val="bg1"/>
+                    </a:solidFill>
+                  </a:rPr>
+                  <a:t>Any other relevant variables.</a:t>
+                </a:r>
+              </a:p>
+              <a:p>
+                <a:pPr algn="ctr"/>
+                <a:endParaRPr lang="en-US" sz="1400" dirty="0"/>
+              </a:p>
+              <a:p>
+                <a:pPr algn="ctr"/>
+                <a:endParaRPr lang="en-US" sz="1400" dirty="0"/>
+              </a:p>
+              <a:p>
+                <a:pPr algn="ctr"/>
+                <a:endParaRPr lang="en-US" sz="1400" dirty="0"/>
+              </a:p>
+            </p:txBody>
+          </p:sp>
+        </mc:Choice>
+        <mc:Fallback>
+          <p:sp>
+            <p:nvSpPr>
+              <p:cNvPr id="13" name="Rectangle 12">
+                <a:extLst>
+                  <a:ext uri="{FF2B5EF4-FFF2-40B4-BE49-F238E27FC236}">
+                    <a16:creationId xmlns:a16="http://schemas.microsoft.com/office/drawing/2014/main" id="{4FC54133-8CE4-1C01-F7F1-49E060D7D2C1}"/>
+                  </a:ext>
+                </a:extLst>
+              </p:cNvPr>
+              <p:cNvSpPr>
+                <a:spLocks noRot="1" noChangeAspect="1" noMove="1" noResize="1" noEditPoints="1" noAdjustHandles="1" noChangeArrowheads="1" noChangeShapeType="1" noTextEdit="1"/>
+              </p:cNvSpPr>
+              <p:nvPr/>
+            </p:nvSpPr>
+            <p:spPr>
+              <a:xfrm>
+                <a:off x="8108226" y="2081071"/>
+                <a:ext cx="3676650" cy="4555256"/>
+              </a:xfrm>
+              <a:prstGeom prst="rect">
+                <a:avLst/>
+              </a:prstGeom>
+              <a:blipFill>
+                <a:blip r:embed="rId3"/>
+                <a:stretch>
+                  <a:fillRect l="-497" r="-662"/>
+                </a:stretch>
+              </a:blipFill>
+              <a:ln>
+                <a:solidFill>
+                  <a:schemeClr val="accent3"/>
+                </a:solidFill>
+              </a:ln>
+            </p:spPr>
+            <p:txBody>
+              <a:bodyPr/>
+              <a:lstStyle/>
+              <a:p>
+                <a:r>
+                  <a:rPr lang="en-US">
+                    <a:noFill/>
+                  </a:rPr>
+                  <a:t> </a:t>
+                </a:r>
+              </a:p>
+            </p:txBody>
+          </p:sp>
+        </mc:Fallback>
+      </mc:AlternateContent>
+    </p:spTree>
+    <p:extLst>
+      <p:ext uri="{BB962C8B-B14F-4D97-AF65-F5344CB8AC3E}">
+        <p14:creationId xmlns:p14="http://schemas.microsoft.com/office/powerpoint/2010/main" val="195686194"/>
+      </p:ext>
+    </p:extLst>
+  </p:cSld>
+  <p:clrMapOvr>
+    <a:masterClrMapping/>
+  </p:clrMapOvr>
+</p:sld>
+</file>
+
+<file path=ppt/slides/slide16.xml><?xml version="1.0" encoding="utf-8"?>
+<p:sld xmlns:a="http://schemas.openxmlformats.org/drawingml/2006/main" xmlns:r="http://schemas.openxmlformats.org/officeDocument/2006/relationships" xmlns:p="http://schemas.openxmlformats.org/presentationml/2006/main">
+  <p:cSld>
+    <p:bg>
+      <p:bgPr>
+        <a:solidFill>
+          <a:schemeClr val="bg1"/>
+        </a:solidFill>
+        <a:effectLst/>
+      </p:bgPr>
+    </p:bg>
+    <p:spTree>
+      <p:nvGrpSpPr>
+        <p:cNvPr id="1" name=""/>
+        <p:cNvGrpSpPr/>
+        <p:nvPr/>
+      </p:nvGrpSpPr>
+      <p:grpSpPr>
+        <a:xfrm>
+          <a:off x="0" y="0"/>
+          <a:ext cx="0" cy="0"/>
+          <a:chOff x="0" y="0"/>
+          <a:chExt cx="0" cy="0"/>
+        </a:xfrm>
+      </p:grpSpPr>
+      <p:sp useBgFill="1">
+        <p:nvSpPr>
+          <p:cNvPr id="88" name="Rectangle 87">
+            <a:extLst>
+              <a:ext uri="{FF2B5EF4-FFF2-40B4-BE49-F238E27FC236}">
+                <a16:creationId xmlns:a16="http://schemas.microsoft.com/office/drawing/2014/main" id="{C1A1C5D3-C053-4EE9-BE1A-419B6E27CCAE}"/>
+              </a:ext>
+              <a:ext uri="{C183D7F6-B498-43B3-948B-1728B52AA6E4}">
+                <adec:decorative xmlns:adec="http://schemas.microsoft.com/office/drawing/2017/decorative" val="1"/>
+              </a:ext>
+            </a:extLst>
+          </p:cNvPr>
+          <p:cNvSpPr>
+            <a:spLocks noGrp="1" noRot="1" noChangeAspect="1" noMove="1" noResize="1" noEditPoints="1" noAdjustHandles="1" noChangeArrowheads="1" noChangeShapeType="1" noTextEdit="1"/>
+          </p:cNvSpPr>
+          <p:nvPr>
+            <p:extLst>
+              <p:ext uri="{386F3935-93C4-4BCD-93E2-E3B085C9AB24}">
+                <p16:designElem xmlns:p16="http://schemas.microsoft.com/office/powerpoint/2015/main" val="1"/>
+              </p:ext>
+            </p:extLst>
+          </p:nvPr>
+        </p:nvSpPr>
+        <p:spPr>
+          <a:xfrm>
+            <a:off x="0" y="0"/>
+            <a:ext cx="12192000" cy="6858000"/>
+          </a:xfrm>
+          <a:prstGeom prst="rect">
+            <a:avLst/>
+          </a:prstGeom>
+          <a:ln>
+            <a:noFill/>
+          </a:ln>
+        </p:spPr>
+        <p:style>
+          <a:lnRef idx="2">
+            <a:schemeClr val="accent1">
+              <a:shade val="50000"/>
+            </a:schemeClr>
+          </a:lnRef>
+          <a:fillRef idx="1">
+            <a:schemeClr val="accent1"/>
+          </a:fillRef>
+          <a:effectRef idx="0">
+            <a:schemeClr val="accent1"/>
+          </a:effectRef>
+          <a:fontRef idx="minor">
+            <a:schemeClr val="lt1"/>
+          </a:fontRef>
+        </p:style>
+        <p:txBody>
+          <a:bodyPr rtlCol="0" anchor="ctr"/>
+          <a:lstStyle/>
+          <a:p>
+            <a:pPr marL="0" marR="0" lvl="0" indent="0" algn="ctr" defTabSz="457200" rtl="0" eaLnBrk="1" fontAlgn="auto" latinLnBrk="0" hangingPunct="1">
+              <a:lnSpc>
+                <a:spcPct val="100000"/>
+              </a:lnSpc>
+              <a:spcBef>
+                <a:spcPts val="0"/>
+              </a:spcBef>
+              <a:spcAft>
+                <a:spcPts val="0"/>
+              </a:spcAft>
+              <a:buClrTx/>
+              <a:buSzTx/>
+              <a:buFontTx/>
+              <a:buNone/>
+              <a:tabLst/>
+              <a:defRPr/>
+            </a:pPr>
+            <a:endParaRPr kumimoji="0" lang="en-US" sz="1800" b="0" i="0" u="none" strike="noStrike" kern="1200" cap="none" spc="0" normalizeH="0" baseline="0" noProof="0">
+              <a:ln>
+                <a:noFill/>
+              </a:ln>
+              <a:solidFill>
+                <a:srgbClr val="FFFFFF"/>
+              </a:solidFill>
+              <a:effectLst/>
+              <a:uLnTx/>
+              <a:uFillTx/>
+              <a:latin typeface="Corbel"/>
+              <a:ea typeface="+mn-ea"/>
+              <a:cs typeface="+mn-cs"/>
+            </a:endParaRPr>
+          </a:p>
+        </p:txBody>
+      </p:sp>
+      <p:sp useBgFill="1">
+        <p:nvSpPr>
+          <p:cNvPr id="90" name="Rectangle 89">
+            <a:extLst>
+              <a:ext uri="{FF2B5EF4-FFF2-40B4-BE49-F238E27FC236}">
+                <a16:creationId xmlns:a16="http://schemas.microsoft.com/office/drawing/2014/main" id="{A3473CF9-37EB-43E7-89EF-D2D1C53D1DAC}"/>
+              </a:ext>
+              <a:ext uri="{C183D7F6-B498-43B3-948B-1728B52AA6E4}">
+                <adec:decorative xmlns:adec="http://schemas.microsoft.com/office/drawing/2017/decorative" val="1"/>
+              </a:ext>
+            </a:extLst>
+          </p:cNvPr>
+          <p:cNvSpPr>
+            <a:spLocks noGrp="1" noRot="1" noChangeAspect="1" noMove="1" noResize="1" noEditPoints="1" noAdjustHandles="1" noChangeArrowheads="1" noChangeShapeType="1" noTextEdit="1"/>
+          </p:cNvSpPr>
+          <p:nvPr>
+            <p:extLst>
+              <p:ext uri="{386F3935-93C4-4BCD-93E2-E3B085C9AB24}">
+                <p16:designElem xmlns:p16="http://schemas.microsoft.com/office/powerpoint/2015/main" val="1"/>
+              </p:ext>
+            </p:extLst>
+          </p:nvPr>
+        </p:nvSpPr>
+        <p:spPr>
+          <a:xfrm>
+            <a:off x="1903615" y="221673"/>
+            <a:ext cx="8384770" cy="1332634"/>
+          </a:xfrm>
+          <a:prstGeom prst="rect">
+            <a:avLst/>
+          </a:prstGeom>
+          <a:ln w="12700">
+            <a:solidFill>
+              <a:srgbClr val="E1E1E1"/>
+            </a:solidFill>
+          </a:ln>
+          <a:effectLst>
+            <a:outerShdw blurRad="50800" dist="38100" dir="2700000" algn="tl" rotWithShape="0">
+              <a:schemeClr val="bg2">
+                <a:lumMod val="85000"/>
+                <a:alpha val="50000"/>
+              </a:schemeClr>
+            </a:outerShdw>
+          </a:effectLst>
+        </p:spPr>
+        <p:style>
+          <a:lnRef idx="2">
+            <a:schemeClr val="accent1">
+              <a:shade val="50000"/>
+            </a:schemeClr>
+          </a:lnRef>
+          <a:fillRef idx="1">
+            <a:schemeClr val="accent1"/>
+          </a:fillRef>
+          <a:effectRef idx="0">
+            <a:schemeClr val="accent1"/>
+          </a:effectRef>
+          <a:fontRef idx="minor">
+            <a:schemeClr val="lt1"/>
+          </a:fontRef>
+        </p:style>
+        <p:txBody>
+          <a:bodyPr rtlCol="0" anchor="ctr"/>
+          <a:lstStyle/>
+          <a:p>
+            <a:pPr marL="0" marR="0" lvl="0" indent="0" algn="ctr" defTabSz="914400" rtl="0" eaLnBrk="1" fontAlgn="auto" latinLnBrk="0" hangingPunct="1">
+              <a:lnSpc>
+                <a:spcPct val="100000"/>
+              </a:lnSpc>
+              <a:spcBef>
+                <a:spcPts val="0"/>
+              </a:spcBef>
+              <a:spcAft>
+                <a:spcPts val="0"/>
+              </a:spcAft>
+              <a:buClrTx/>
+              <a:buSzTx/>
+              <a:buFontTx/>
+              <a:buNone/>
+              <a:tabLst/>
+              <a:defRPr/>
+            </a:pPr>
+            <a:endParaRPr kumimoji="0" lang="en-US" sz="1800" b="0" i="0" u="none" strike="noStrike" kern="1200" cap="none" spc="0" normalizeH="0" baseline="0" noProof="0">
+              <a:ln>
+                <a:noFill/>
+              </a:ln>
+              <a:solidFill>
+                <a:prstClr val="white"/>
+              </a:solidFill>
+              <a:effectLst/>
+              <a:uLnTx/>
+              <a:uFillTx/>
+              <a:latin typeface="Calibri" panose="020F0502020204030204"/>
+              <a:ea typeface="+mn-ea"/>
+              <a:cs typeface="+mn-cs"/>
+            </a:endParaRPr>
+          </a:p>
+        </p:txBody>
+      </p:sp>
+      <p:sp>
+        <p:nvSpPr>
+          <p:cNvPr id="2" name="Title 1">
+            <a:extLst>
+              <a:ext uri="{FF2B5EF4-FFF2-40B4-BE49-F238E27FC236}">
+                <a16:creationId xmlns:a16="http://schemas.microsoft.com/office/drawing/2014/main" id="{59C9094E-A462-4868-E7DB-78E440507414}"/>
+              </a:ext>
+            </a:extLst>
+          </p:cNvPr>
+          <p:cNvSpPr>
+            <a:spLocks noGrp="1"/>
+          </p:cNvSpPr>
+          <p:nvPr>
+            <p:ph type="title"/>
+          </p:nvPr>
+        </p:nvSpPr>
+        <p:spPr>
+          <a:xfrm>
+            <a:off x="2103121" y="310343"/>
+            <a:ext cx="7985759" cy="868823"/>
+          </a:xfrm>
+        </p:spPr>
+        <p:txBody>
+          <a:bodyPr vert="horz" lIns="91440" tIns="45720" rIns="91440" bIns="45720" rtlCol="0" anchor="ctr">
+            <a:normAutofit/>
+          </a:bodyPr>
+          <a:lstStyle/>
+          <a:p>
+            <a:pPr algn="ctr"/>
+            <a:r>
+              <a:rPr lang="en-US" sz="4000" kern="1200" dirty="0">
+                <a:solidFill>
+                  <a:schemeClr val="tx1"/>
+                </a:solidFill>
+                <a:latin typeface="+mj-lt"/>
+                <a:ea typeface="+mj-ea"/>
+                <a:cs typeface="+mj-cs"/>
+              </a:rPr>
+              <a:t>Implementation</a:t>
+            </a:r>
+            <a:endParaRPr lang="en-US" kern="1200" dirty="0">
+              <a:solidFill>
+                <a:schemeClr val="tx1"/>
+              </a:solidFill>
+              <a:latin typeface="+mj-lt"/>
+              <a:ea typeface="+mj-ea"/>
+              <a:cs typeface="+mj-cs"/>
+            </a:endParaRPr>
+          </a:p>
+        </p:txBody>
+      </p:sp>
+      <p:sp>
+        <p:nvSpPr>
+          <p:cNvPr id="92" name="Rectangle: Rounded Corners 91">
+            <a:extLst>
+              <a:ext uri="{FF2B5EF4-FFF2-40B4-BE49-F238E27FC236}">
+                <a16:creationId xmlns:a16="http://schemas.microsoft.com/office/drawing/2014/main" id="{586B4EF9-43BA-4655-A6FF-1D8E21574C95}"/>
+              </a:ext>
+              <a:ext uri="{C183D7F6-B498-43B3-948B-1728B52AA6E4}">
+                <adec:decorative xmlns:adec="http://schemas.microsoft.com/office/drawing/2017/decorative" val="1"/>
+              </a:ext>
+            </a:extLst>
+          </p:cNvPr>
+          <p:cNvSpPr>
+            <a:spLocks noGrp="1" noRot="1" noChangeAspect="1" noMove="1" noResize="1" noEditPoints="1" noAdjustHandles="1" noChangeArrowheads="1" noChangeShapeType="1" noTextEdit="1"/>
+          </p:cNvSpPr>
+          <p:nvPr>
+            <p:extLst>
+              <p:ext uri="{386F3935-93C4-4BCD-93E2-E3B085C9AB24}">
+                <p16:designElem xmlns:p16="http://schemas.microsoft.com/office/powerpoint/2015/main" val="1"/>
+              </p:ext>
+            </p:extLst>
+          </p:nvPr>
+        </p:nvSpPr>
+        <p:spPr>
+          <a:xfrm>
+            <a:off x="2483110" y="1211407"/>
+            <a:ext cx="7225780" cy="685800"/>
+          </a:xfrm>
+          <a:prstGeom prst="roundRect">
+            <a:avLst>
+              <a:gd name="adj" fmla="val 0"/>
+            </a:avLst>
+          </a:prstGeom>
+          <a:solidFill>
+            <a:schemeClr val="accent2"/>
+          </a:solidFill>
+          <a:ln>
+            <a:noFill/>
+          </a:ln>
+        </p:spPr>
+        <p:style>
+          <a:lnRef idx="2">
+            <a:schemeClr val="accent1">
+              <a:shade val="50000"/>
+            </a:schemeClr>
+          </a:lnRef>
+          <a:fillRef idx="1">
+            <a:schemeClr val="accent1"/>
+          </a:fillRef>
+          <a:effectRef idx="0">
+            <a:schemeClr val="accent1"/>
+          </a:effectRef>
+          <a:fontRef idx="minor">
+            <a:schemeClr val="lt1"/>
+          </a:fontRef>
+        </p:style>
+        <p:txBody>
+          <a:bodyPr rtlCol="0" anchor="ctr"/>
+          <a:lstStyle/>
+          <a:p>
+            <a:pPr marL="0" marR="0" lvl="0" indent="0" algn="ctr" defTabSz="457200" rtl="0" eaLnBrk="1" fontAlgn="auto" latinLnBrk="0" hangingPunct="1">
+              <a:lnSpc>
+                <a:spcPct val="100000"/>
+              </a:lnSpc>
+              <a:spcBef>
+                <a:spcPts val="0"/>
+              </a:spcBef>
+              <a:spcAft>
+                <a:spcPts val="0"/>
+              </a:spcAft>
+              <a:buClrTx/>
+              <a:buSzTx/>
+              <a:buFontTx/>
+              <a:buNone/>
+              <a:tabLst/>
+              <a:defRPr/>
+            </a:pPr>
+            <a:endParaRPr kumimoji="0" lang="en-US" sz="1800" b="0" i="0" u="none" strike="noStrike" kern="1200" cap="none" spc="0" normalizeH="0" baseline="0" noProof="0">
+              <a:ln>
+                <a:noFill/>
+              </a:ln>
+              <a:solidFill>
+                <a:prstClr val="white"/>
+              </a:solidFill>
+              <a:effectLst/>
+              <a:uLnTx/>
+              <a:uFillTx/>
+              <a:latin typeface="Calibri" panose="020F0502020204030204"/>
+              <a:ea typeface="+mn-ea"/>
+              <a:cs typeface="+mn-cs"/>
+            </a:endParaRPr>
+          </a:p>
+        </p:txBody>
+      </p:sp>
+      <mc:AlternateContent xmlns:mc="http://schemas.openxmlformats.org/markup-compatibility/2006">
+        <mc:Choice xmlns:a14="http://schemas.microsoft.com/office/drawing/2010/main" Requires="a14">
           <p:sp>
             <p:nvSpPr>
               <p:cNvPr id="5" name="Content Placeholder 4">
@@ -22331,7 +25244,7 @@
             </p:txBody>
           </p:sp>
         </mc:Choice>
-        <mc:Fallback xmlns="">
+        <mc:Fallback>
           <p:sp>
             <p:nvSpPr>
               <p:cNvPr id="5" name="Content Placeholder 4">
@@ -23349,7 +26262,7 @@
     </p:spTree>
     <p:extLst>
       <p:ext uri="{BB962C8B-B14F-4D97-AF65-F5344CB8AC3E}">
-        <p14:creationId xmlns:p14="http://schemas.microsoft.com/office/powerpoint/2010/main" val="195686194"/>
+        <p14:creationId xmlns:p14="http://schemas.microsoft.com/office/powerpoint/2010/main" val="3092941440"/>
       </p:ext>
     </p:extLst>
   </p:cSld>
@@ -23359,7 +26272,7 @@
 </p:sld>
 </file>
 
-<file path=ppt/slides/slide16.xml><?xml version="1.0" encoding="utf-8"?>
+<file path=ppt/slides/slide17.xml><?xml version="1.0" encoding="utf-8"?>
 <p:sld xmlns:a="http://schemas.openxmlformats.org/drawingml/2006/main" xmlns:r="http://schemas.openxmlformats.org/officeDocument/2006/relationships" xmlns:p="http://schemas.openxmlformats.org/presentationml/2006/main">
   <p:cSld>
     <p:bg>
@@ -23709,8 +26622,8 @@
           </a:p>
         </p:txBody>
       </p:sp>
-      <mc:AlternateContent xmlns:mc="http://schemas.openxmlformats.org/markup-compatibility/2006">
-        <mc:Choice xmlns:a14="http://schemas.microsoft.com/office/drawing/2010/main" Requires="a14">
+      <mc:AlternateContent xmlns:mc="http://schemas.openxmlformats.org/markup-compatibility/2006" xmlns:a14="http://schemas.microsoft.com/office/drawing/2010/main">
+        <mc:Choice Requires="a14">
           <p:sp>
             <p:nvSpPr>
               <p:cNvPr id="4" name="Content Placeholder 3">
@@ -23991,7 +26904,7 @@
             </p:txBody>
           </p:sp>
         </mc:Choice>
-        <mc:Fallback>
+        <mc:Fallback xmlns="">
           <p:sp>
             <p:nvSpPr>
               <p:cNvPr id="4" name="Content Placeholder 3">
@@ -24969,1535 +27882,6 @@
     <p:extLst>
       <p:ext uri="{BB962C8B-B14F-4D97-AF65-F5344CB8AC3E}">
         <p14:creationId xmlns:p14="http://schemas.microsoft.com/office/powerpoint/2010/main" val="1919255212"/>
-      </p:ext>
-    </p:extLst>
-  </p:cSld>
-  <p:clrMapOvr>
-    <a:masterClrMapping/>
-  </p:clrMapOvr>
-</p:sld>
-</file>
-
-<file path=ppt/slides/slide17.xml><?xml version="1.0" encoding="utf-8"?>
-<p:sld xmlns:a="http://schemas.openxmlformats.org/drawingml/2006/main" xmlns:r="http://schemas.openxmlformats.org/officeDocument/2006/relationships" xmlns:p="http://schemas.openxmlformats.org/presentationml/2006/main">
-  <p:cSld>
-    <p:bg>
-      <p:bgPr>
-        <a:solidFill>
-          <a:schemeClr val="bg1"/>
-        </a:solidFill>
-        <a:effectLst/>
-      </p:bgPr>
-    </p:bg>
-    <p:spTree>
-      <p:nvGrpSpPr>
-        <p:cNvPr id="1" name=""/>
-        <p:cNvGrpSpPr/>
-        <p:nvPr/>
-      </p:nvGrpSpPr>
-      <p:grpSpPr>
-        <a:xfrm>
-          <a:off x="0" y="0"/>
-          <a:ext cx="0" cy="0"/>
-          <a:chOff x="0" y="0"/>
-          <a:chExt cx="0" cy="0"/>
-        </a:xfrm>
-      </p:grpSpPr>
-      <p:sp useBgFill="1">
-        <p:nvSpPr>
-          <p:cNvPr id="88" name="Rectangle 87">
-            <a:extLst>
-              <a:ext uri="{FF2B5EF4-FFF2-40B4-BE49-F238E27FC236}">
-                <a16:creationId xmlns:a16="http://schemas.microsoft.com/office/drawing/2014/main" id="{C1A1C5D3-C053-4EE9-BE1A-419B6E27CCAE}"/>
-              </a:ext>
-              <a:ext uri="{C183D7F6-B498-43B3-948B-1728B52AA6E4}">
-                <adec:decorative xmlns:adec="http://schemas.microsoft.com/office/drawing/2017/decorative" val="1"/>
-              </a:ext>
-            </a:extLst>
-          </p:cNvPr>
-          <p:cNvSpPr>
-            <a:spLocks noGrp="1" noRot="1" noChangeAspect="1" noMove="1" noResize="1" noEditPoints="1" noAdjustHandles="1" noChangeArrowheads="1" noChangeShapeType="1" noTextEdit="1"/>
-          </p:cNvSpPr>
-          <p:nvPr>
-            <p:extLst>
-              <p:ext uri="{386F3935-93C4-4BCD-93E2-E3B085C9AB24}">
-                <p16:designElem xmlns:p16="http://schemas.microsoft.com/office/powerpoint/2015/main" val="1"/>
-              </p:ext>
-            </p:extLst>
-          </p:nvPr>
-        </p:nvSpPr>
-        <p:spPr>
-          <a:xfrm>
-            <a:off x="0" y="0"/>
-            <a:ext cx="12192000" cy="6858000"/>
-          </a:xfrm>
-          <a:prstGeom prst="rect">
-            <a:avLst/>
-          </a:prstGeom>
-          <a:ln>
-            <a:noFill/>
-          </a:ln>
-        </p:spPr>
-        <p:style>
-          <a:lnRef idx="2">
-            <a:schemeClr val="accent1">
-              <a:shade val="50000"/>
-            </a:schemeClr>
-          </a:lnRef>
-          <a:fillRef idx="1">
-            <a:schemeClr val="accent1"/>
-          </a:fillRef>
-          <a:effectRef idx="0">
-            <a:schemeClr val="accent1"/>
-          </a:effectRef>
-          <a:fontRef idx="minor">
-            <a:schemeClr val="lt1"/>
-          </a:fontRef>
-        </p:style>
-        <p:txBody>
-          <a:bodyPr rtlCol="0" anchor="ctr"/>
-          <a:lstStyle/>
-          <a:p>
-            <a:pPr marL="0" marR="0" lvl="0" indent="0" algn="ctr" defTabSz="457200" rtl="0" eaLnBrk="1" fontAlgn="auto" latinLnBrk="0" hangingPunct="1">
-              <a:lnSpc>
-                <a:spcPct val="100000"/>
-              </a:lnSpc>
-              <a:spcBef>
-                <a:spcPts val="0"/>
-              </a:spcBef>
-              <a:spcAft>
-                <a:spcPts val="0"/>
-              </a:spcAft>
-              <a:buClrTx/>
-              <a:buSzTx/>
-              <a:buFontTx/>
-              <a:buNone/>
-              <a:tabLst/>
-              <a:defRPr/>
-            </a:pPr>
-            <a:endParaRPr kumimoji="0" lang="en-US" sz="1800" b="0" i="0" u="none" strike="noStrike" kern="1200" cap="none" spc="0" normalizeH="0" baseline="0" noProof="0">
-              <a:ln>
-                <a:noFill/>
-              </a:ln>
-              <a:solidFill>
-                <a:srgbClr val="FFFFFF"/>
-              </a:solidFill>
-              <a:effectLst/>
-              <a:uLnTx/>
-              <a:uFillTx/>
-              <a:latin typeface="Corbel"/>
-              <a:ea typeface="+mn-ea"/>
-              <a:cs typeface="+mn-cs"/>
-            </a:endParaRPr>
-          </a:p>
-        </p:txBody>
-      </p:sp>
-      <p:sp useBgFill="1">
-        <p:nvSpPr>
-          <p:cNvPr id="90" name="Rectangle 89">
-            <a:extLst>
-              <a:ext uri="{FF2B5EF4-FFF2-40B4-BE49-F238E27FC236}">
-                <a16:creationId xmlns:a16="http://schemas.microsoft.com/office/drawing/2014/main" id="{A3473CF9-37EB-43E7-89EF-D2D1C53D1DAC}"/>
-              </a:ext>
-              <a:ext uri="{C183D7F6-B498-43B3-948B-1728B52AA6E4}">
-                <adec:decorative xmlns:adec="http://schemas.microsoft.com/office/drawing/2017/decorative" val="1"/>
-              </a:ext>
-            </a:extLst>
-          </p:cNvPr>
-          <p:cNvSpPr>
-            <a:spLocks noGrp="1" noRot="1" noChangeAspect="1" noMove="1" noResize="1" noEditPoints="1" noAdjustHandles="1" noChangeArrowheads="1" noChangeShapeType="1" noTextEdit="1"/>
-          </p:cNvSpPr>
-          <p:nvPr>
-            <p:extLst>
-              <p:ext uri="{386F3935-93C4-4BCD-93E2-E3B085C9AB24}">
-                <p16:designElem xmlns:p16="http://schemas.microsoft.com/office/powerpoint/2015/main" val="1"/>
-              </p:ext>
-            </p:extLst>
-          </p:nvPr>
-        </p:nvSpPr>
-        <p:spPr>
-          <a:xfrm>
-            <a:off x="1903615" y="221673"/>
-            <a:ext cx="8384770" cy="1332634"/>
-          </a:xfrm>
-          <a:prstGeom prst="rect">
-            <a:avLst/>
-          </a:prstGeom>
-          <a:ln w="12700">
-            <a:solidFill>
-              <a:srgbClr val="E1E1E1"/>
-            </a:solidFill>
-          </a:ln>
-          <a:effectLst>
-            <a:outerShdw blurRad="50800" dist="38100" dir="2700000" algn="tl" rotWithShape="0">
-              <a:schemeClr val="bg2">
-                <a:lumMod val="85000"/>
-                <a:alpha val="50000"/>
-              </a:schemeClr>
-            </a:outerShdw>
-          </a:effectLst>
-        </p:spPr>
-        <p:style>
-          <a:lnRef idx="2">
-            <a:schemeClr val="accent1">
-              <a:shade val="50000"/>
-            </a:schemeClr>
-          </a:lnRef>
-          <a:fillRef idx="1">
-            <a:schemeClr val="accent1"/>
-          </a:fillRef>
-          <a:effectRef idx="0">
-            <a:schemeClr val="accent1"/>
-          </a:effectRef>
-          <a:fontRef idx="minor">
-            <a:schemeClr val="lt1"/>
-          </a:fontRef>
-        </p:style>
-        <p:txBody>
-          <a:bodyPr rtlCol="0" anchor="ctr"/>
-          <a:lstStyle/>
-          <a:p>
-            <a:pPr marL="0" marR="0" lvl="0" indent="0" algn="ctr" defTabSz="914400" rtl="0" eaLnBrk="1" fontAlgn="auto" latinLnBrk="0" hangingPunct="1">
-              <a:lnSpc>
-                <a:spcPct val="100000"/>
-              </a:lnSpc>
-              <a:spcBef>
-                <a:spcPts val="0"/>
-              </a:spcBef>
-              <a:spcAft>
-                <a:spcPts val="0"/>
-              </a:spcAft>
-              <a:buClrTx/>
-              <a:buSzTx/>
-              <a:buFontTx/>
-              <a:buNone/>
-              <a:tabLst/>
-              <a:defRPr/>
-            </a:pPr>
-            <a:endParaRPr kumimoji="0" lang="en-US" sz="1800" b="0" i="0" u="none" strike="noStrike" kern="1200" cap="none" spc="0" normalizeH="0" baseline="0" noProof="0">
-              <a:ln>
-                <a:noFill/>
-              </a:ln>
-              <a:solidFill>
-                <a:prstClr val="white"/>
-              </a:solidFill>
-              <a:effectLst/>
-              <a:uLnTx/>
-              <a:uFillTx/>
-              <a:latin typeface="Calibri" panose="020F0502020204030204"/>
-              <a:ea typeface="+mn-ea"/>
-              <a:cs typeface="+mn-cs"/>
-            </a:endParaRPr>
-          </a:p>
-        </p:txBody>
-      </p:sp>
-      <p:sp>
-        <p:nvSpPr>
-          <p:cNvPr id="2" name="Title 1">
-            <a:extLst>
-              <a:ext uri="{FF2B5EF4-FFF2-40B4-BE49-F238E27FC236}">
-                <a16:creationId xmlns:a16="http://schemas.microsoft.com/office/drawing/2014/main" id="{59C9094E-A462-4868-E7DB-78E440507414}"/>
-              </a:ext>
-            </a:extLst>
-          </p:cNvPr>
-          <p:cNvSpPr>
-            <a:spLocks noGrp="1"/>
-          </p:cNvSpPr>
-          <p:nvPr>
-            <p:ph type="title"/>
-          </p:nvPr>
-        </p:nvSpPr>
-        <p:spPr>
-          <a:xfrm>
-            <a:off x="2103121" y="310343"/>
-            <a:ext cx="7985759" cy="868823"/>
-          </a:xfrm>
-        </p:spPr>
-        <p:txBody>
-          <a:bodyPr vert="horz" lIns="91440" tIns="45720" rIns="91440" bIns="45720" rtlCol="0" anchor="ctr">
-            <a:noAutofit/>
-          </a:bodyPr>
-          <a:lstStyle/>
-          <a:p>
-            <a:pPr algn="ctr"/>
-            <a:r>
-              <a:rPr lang="en-US" sz="3200" kern="1200">
-                <a:solidFill>
-                  <a:schemeClr val="tx1"/>
-                </a:solidFill>
-                <a:latin typeface="+mj-lt"/>
-                <a:ea typeface="+mj-ea"/>
-                <a:cs typeface="+mj-cs"/>
-              </a:rPr>
-              <a:t>Implementation Note</a:t>
-            </a:r>
-            <a:endParaRPr lang="en-US" sz="3200" kern="1200" dirty="0">
-              <a:solidFill>
-                <a:schemeClr val="tx1"/>
-              </a:solidFill>
-              <a:latin typeface="+mj-lt"/>
-              <a:ea typeface="+mj-ea"/>
-              <a:cs typeface="+mj-cs"/>
-            </a:endParaRPr>
-          </a:p>
-        </p:txBody>
-      </p:sp>
-      <p:sp>
-        <p:nvSpPr>
-          <p:cNvPr id="92" name="Rectangle: Rounded Corners 91">
-            <a:extLst>
-              <a:ext uri="{FF2B5EF4-FFF2-40B4-BE49-F238E27FC236}">
-                <a16:creationId xmlns:a16="http://schemas.microsoft.com/office/drawing/2014/main" id="{586B4EF9-43BA-4655-A6FF-1D8E21574C95}"/>
-              </a:ext>
-              <a:ext uri="{C183D7F6-B498-43B3-948B-1728B52AA6E4}">
-                <adec:decorative xmlns:adec="http://schemas.microsoft.com/office/drawing/2017/decorative" val="1"/>
-              </a:ext>
-            </a:extLst>
-          </p:cNvPr>
-          <p:cNvSpPr>
-            <a:spLocks noGrp="1" noRot="1" noChangeAspect="1" noMove="1" noResize="1" noEditPoints="1" noAdjustHandles="1" noChangeArrowheads="1" noChangeShapeType="1" noTextEdit="1"/>
-          </p:cNvSpPr>
-          <p:nvPr>
-            <p:extLst>
-              <p:ext uri="{386F3935-93C4-4BCD-93E2-E3B085C9AB24}">
-                <p16:designElem xmlns:p16="http://schemas.microsoft.com/office/powerpoint/2015/main" val="1"/>
-              </p:ext>
-            </p:extLst>
-          </p:nvPr>
-        </p:nvSpPr>
-        <p:spPr>
-          <a:xfrm>
-            <a:off x="2483110" y="1211407"/>
-            <a:ext cx="7225780" cy="685800"/>
-          </a:xfrm>
-          <a:prstGeom prst="roundRect">
-            <a:avLst>
-              <a:gd name="adj" fmla="val 0"/>
-            </a:avLst>
-          </a:prstGeom>
-          <a:solidFill>
-            <a:schemeClr val="accent2"/>
-          </a:solidFill>
-          <a:ln>
-            <a:noFill/>
-          </a:ln>
-        </p:spPr>
-        <p:style>
-          <a:lnRef idx="2">
-            <a:schemeClr val="accent1">
-              <a:shade val="50000"/>
-            </a:schemeClr>
-          </a:lnRef>
-          <a:fillRef idx="1">
-            <a:schemeClr val="accent1"/>
-          </a:fillRef>
-          <a:effectRef idx="0">
-            <a:schemeClr val="accent1"/>
-          </a:effectRef>
-          <a:fontRef idx="minor">
-            <a:schemeClr val="lt1"/>
-          </a:fontRef>
-        </p:style>
-        <p:txBody>
-          <a:bodyPr rtlCol="0" anchor="ctr"/>
-          <a:lstStyle/>
-          <a:p>
-            <a:pPr marL="0" marR="0" lvl="0" indent="0" algn="ctr" defTabSz="457200" rtl="0" eaLnBrk="1" fontAlgn="auto" latinLnBrk="0" hangingPunct="1">
-              <a:lnSpc>
-                <a:spcPct val="100000"/>
-              </a:lnSpc>
-              <a:spcBef>
-                <a:spcPts val="0"/>
-              </a:spcBef>
-              <a:spcAft>
-                <a:spcPts val="0"/>
-              </a:spcAft>
-              <a:buClrTx/>
-              <a:buSzTx/>
-              <a:buFontTx/>
-              <a:buNone/>
-              <a:tabLst/>
-              <a:defRPr/>
-            </a:pPr>
-            <a:endParaRPr kumimoji="0" lang="en-US" sz="1800" b="0" i="0" u="none" strike="noStrike" kern="1200" cap="none" spc="0" normalizeH="0" baseline="0" noProof="0">
-              <a:ln>
-                <a:noFill/>
-              </a:ln>
-              <a:solidFill>
-                <a:prstClr val="white"/>
-              </a:solidFill>
-              <a:effectLst/>
-              <a:uLnTx/>
-              <a:uFillTx/>
-              <a:latin typeface="Calibri" panose="020F0502020204030204"/>
-              <a:ea typeface="+mn-ea"/>
-              <a:cs typeface="+mn-cs"/>
-            </a:endParaRPr>
-          </a:p>
-        </p:txBody>
-      </p:sp>
-      <mc:AlternateContent xmlns:mc="http://schemas.openxmlformats.org/markup-compatibility/2006" xmlns:a14="http://schemas.microsoft.com/office/drawing/2010/main">
-        <mc:Choice Requires="a14">
-          <p:sp>
-            <p:nvSpPr>
-              <p:cNvPr id="4" name="Content Placeholder 3">
-                <a:extLst>
-                  <a:ext uri="{FF2B5EF4-FFF2-40B4-BE49-F238E27FC236}">
-                    <a16:creationId xmlns:a16="http://schemas.microsoft.com/office/drawing/2014/main" id="{0E82F69F-9CE8-1B2E-8E7C-997C7681D347}"/>
-                  </a:ext>
-                </a:extLst>
-              </p:cNvPr>
-              <p:cNvSpPr>
-                <a:spLocks noGrp="1"/>
-              </p:cNvSpPr>
-              <p:nvPr>
-                <p:ph idx="1"/>
-              </p:nvPr>
-            </p:nvSpPr>
-            <p:spPr/>
-            <p:txBody>
-              <a:bodyPr/>
-              <a:lstStyle/>
-              <a:p>
-                <a:pPr marL="0" indent="0">
-                  <a:buNone/>
-                </a:pPr>
-                <a:r>
-                  <a:rPr lang="en-US" dirty="0">
-                    <a:solidFill>
-                      <a:schemeClr val="tx1"/>
-                    </a:solidFill>
-                  </a:rPr>
-                  <a:t>However, if we use an economic based model, which assigns a cost to substation power and battery charging/discharging, then the number of optimization steps can be reduced to just two, with one initialization with no line losses, as</a:t>
-                </a:r>
-                <a14:m>
-                  <m:oMath xmlns:m="http://schemas.openxmlformats.org/officeDocument/2006/math">
-                    <m:r>
-                      <a:rPr lang="en-US" b="0" i="1" smtClean="0">
-                        <a:solidFill>
-                          <a:schemeClr val="tx1"/>
-                        </a:solidFill>
-                        <a:latin typeface="Cambria Math" panose="02040503050406030204" pitchFamily="18" charset="0"/>
-                      </a:rPr>
-                      <m:t> </m:t>
-                    </m:r>
-                    <m:sSub>
-                      <m:sSubPr>
-                        <m:ctrlPr>
-                          <a:rPr lang="en-US" b="0" i="1" smtClean="0">
-                            <a:solidFill>
-                              <a:schemeClr val="tx1"/>
-                            </a:solidFill>
-                            <a:latin typeface="Cambria Math" panose="02040503050406030204" pitchFamily="18" charset="0"/>
-                          </a:rPr>
-                        </m:ctrlPr>
-                      </m:sSubPr>
-                      <m:e>
-                        <m:r>
-                          <a:rPr lang="en-US" b="0" i="1" smtClean="0">
-                            <a:solidFill>
-                              <a:schemeClr val="tx1"/>
-                            </a:solidFill>
-                            <a:latin typeface="Cambria Math" panose="02040503050406030204" pitchFamily="18" charset="0"/>
-                          </a:rPr>
-                          <m:t>𝑃</m:t>
-                        </m:r>
-                      </m:e>
-                      <m:sub>
-                        <m:r>
-                          <a:rPr lang="en-US" b="0" i="1" smtClean="0">
-                            <a:solidFill>
-                              <a:schemeClr val="tx1"/>
-                            </a:solidFill>
-                            <a:latin typeface="Cambria Math" panose="02040503050406030204" pitchFamily="18" charset="0"/>
-                          </a:rPr>
-                          <m:t>12</m:t>
-                        </m:r>
-                      </m:sub>
-                    </m:sSub>
-                  </m:oMath>
-                </a14:m>
-                <a:r>
-                  <a:rPr lang="en-US" dirty="0">
-                    <a:solidFill>
-                      <a:schemeClr val="tx1"/>
-                    </a:solidFill>
-                  </a:rPr>
-                  <a:t> is a state variable itself which does not require any other non-linear equality constraint term like </a:t>
-                </a:r>
-                <a14:m>
-                  <m:oMath xmlns:m="http://schemas.openxmlformats.org/officeDocument/2006/math">
-                    <m:sSub>
-                      <m:sSubPr>
-                        <m:ctrlPr>
-                          <a:rPr lang="en-US" b="0" i="1" smtClean="0">
-                            <a:solidFill>
-                              <a:schemeClr val="tx1"/>
-                            </a:solidFill>
-                            <a:latin typeface="Cambria Math" panose="02040503050406030204" pitchFamily="18" charset="0"/>
-                          </a:rPr>
-                        </m:ctrlPr>
-                      </m:sSubPr>
-                      <m:e>
-                        <m:r>
-                          <a:rPr lang="en-US" b="0" i="1" smtClean="0">
-                            <a:solidFill>
-                              <a:schemeClr val="tx1"/>
-                            </a:solidFill>
-                            <a:latin typeface="Cambria Math" panose="02040503050406030204" pitchFamily="18" charset="0"/>
-                          </a:rPr>
-                          <m:t>𝑙</m:t>
-                        </m:r>
-                      </m:e>
-                      <m:sub>
-                        <m:r>
-                          <a:rPr lang="en-US" b="0" i="1" smtClean="0">
-                            <a:solidFill>
-                              <a:schemeClr val="tx1"/>
-                            </a:solidFill>
-                            <a:latin typeface="Cambria Math" panose="02040503050406030204" pitchFamily="18" charset="0"/>
-                          </a:rPr>
-                          <m:t>𝑖𝑗</m:t>
-                        </m:r>
-                      </m:sub>
-                    </m:sSub>
-                  </m:oMath>
-                </a14:m>
-                <a:r>
-                  <a:rPr lang="en-US" dirty="0">
-                    <a:solidFill>
-                      <a:schemeClr val="tx1"/>
-                    </a:solidFill>
-                  </a:rPr>
-                  <a:t>.</a:t>
-                </a:r>
-              </a:p>
-              <a:p>
-                <a:pPr marL="0" indent="0">
-                  <a:buNone/>
-                </a:pPr>
-                <a:r>
-                  <a:rPr lang="en-US" dirty="0">
-                    <a:solidFill>
-                      <a:schemeClr val="tx1"/>
-                    </a:solidFill>
-                  </a:rPr>
-                  <a:t>But in that case, we need to clarify who owns the storage (</a:t>
-                </a:r>
-                <a:r>
-                  <a:rPr lang="en-US" i="1" dirty="0">
-                    <a:solidFill>
-                      <a:schemeClr val="tx1"/>
-                    </a:solidFill>
-                  </a:rPr>
-                  <a:t>cite that paper</a:t>
-                </a:r>
-                <a:r>
-                  <a:rPr lang="en-US" dirty="0">
-                    <a:solidFill>
-                      <a:schemeClr val="tx1"/>
-                    </a:solidFill>
-                  </a:rPr>
-                  <a:t>), as the coefficient for cost function of battery charging/discharging could then be either positive or negative </a:t>
-                </a:r>
-                <a:r>
-                  <a:rPr lang="en-US" i="1" dirty="0">
-                    <a:solidFill>
-                      <a:schemeClr val="tx1"/>
-                    </a:solidFill>
-                  </a:rPr>
-                  <a:t>(how?)</a:t>
-                </a:r>
-                <a:r>
-                  <a:rPr lang="en-US" dirty="0">
-                    <a:solidFill>
-                      <a:schemeClr val="tx1"/>
-                    </a:solidFill>
-                  </a:rPr>
-                  <a:t>.</a:t>
-                </a:r>
-              </a:p>
-            </p:txBody>
-          </p:sp>
-        </mc:Choice>
-        <mc:Fallback xmlns="">
-          <p:sp>
-            <p:nvSpPr>
-              <p:cNvPr id="4" name="Content Placeholder 3">
-                <a:extLst>
-                  <a:ext uri="{FF2B5EF4-FFF2-40B4-BE49-F238E27FC236}">
-                    <a16:creationId xmlns:a16="http://schemas.microsoft.com/office/drawing/2014/main" id="{0E82F69F-9CE8-1B2E-8E7C-997C7681D347}"/>
-                  </a:ext>
-                </a:extLst>
-              </p:cNvPr>
-              <p:cNvSpPr>
-                <a:spLocks noGrp="1" noRot="1" noChangeAspect="1" noMove="1" noResize="1" noEditPoints="1" noAdjustHandles="1" noChangeArrowheads="1" noChangeShapeType="1" noTextEdit="1"/>
-              </p:cNvSpPr>
-              <p:nvPr>
-                <p:ph idx="1"/>
-              </p:nvPr>
-            </p:nvSpPr>
-            <p:spPr>
-              <a:blipFill>
-                <a:blip r:embed="rId2"/>
-                <a:stretch>
-                  <a:fillRect l="-1878" t="-3129" r="-2302"/>
-                </a:stretch>
-              </a:blipFill>
-            </p:spPr>
-            <p:txBody>
-              <a:bodyPr/>
-              <a:lstStyle/>
-              <a:p>
-                <a:r>
-                  <a:rPr lang="en-US">
-                    <a:noFill/>
-                  </a:rPr>
-                  <a:t> </a:t>
-                </a:r>
-              </a:p>
-            </p:txBody>
-          </p:sp>
-        </mc:Fallback>
-      </mc:AlternateContent>
-      <p:grpSp>
-        <p:nvGrpSpPr>
-          <p:cNvPr id="10" name="Group 9">
-            <a:extLst>
-              <a:ext uri="{FF2B5EF4-FFF2-40B4-BE49-F238E27FC236}">
-                <a16:creationId xmlns:a16="http://schemas.microsoft.com/office/drawing/2014/main" id="{4DCD3058-AC75-7734-DA88-C10C438DFED4}"/>
-              </a:ext>
-            </a:extLst>
-          </p:cNvPr>
-          <p:cNvGrpSpPr/>
-          <p:nvPr/>
-        </p:nvGrpSpPr>
-        <p:grpSpPr>
-          <a:xfrm>
-            <a:off x="2032908" y="5646593"/>
-            <a:ext cx="5492831" cy="694764"/>
-            <a:chOff x="2483110" y="4392805"/>
-            <a:chExt cx="9051606" cy="1101263"/>
-          </a:xfrm>
-        </p:grpSpPr>
-        <p:pic>
-          <p:nvPicPr>
-            <p:cNvPr id="7" name="Picture 6">
-              <a:extLst>
-                <a:ext uri="{FF2B5EF4-FFF2-40B4-BE49-F238E27FC236}">
-                  <a16:creationId xmlns:a16="http://schemas.microsoft.com/office/drawing/2014/main" id="{1ABE699E-63EB-DC59-3A99-048CC0BA2EA7}"/>
-                </a:ext>
-              </a:extLst>
-            </p:cNvPr>
-            <p:cNvPicPr>
-              <a:picLocks noChangeAspect="1"/>
-            </p:cNvPicPr>
-            <p:nvPr/>
-          </p:nvPicPr>
-          <p:blipFill>
-            <a:blip r:embed="rId3"/>
-            <a:stretch>
-              <a:fillRect/>
-            </a:stretch>
-          </p:blipFill>
-          <p:spPr>
-            <a:xfrm>
-              <a:off x="2483110" y="4392805"/>
-              <a:ext cx="9051606" cy="1101263"/>
-            </a:xfrm>
-            <a:custGeom>
-              <a:avLst/>
-              <a:gdLst>
-                <a:gd name="connsiteX0" fmla="*/ 0 w 9051606"/>
-                <a:gd name="connsiteY0" fmla="*/ 0 h 1101263"/>
-                <a:gd name="connsiteX1" fmla="*/ 384693 w 9051606"/>
-                <a:gd name="connsiteY1" fmla="*/ 0 h 1101263"/>
-                <a:gd name="connsiteX2" fmla="*/ 678870 w 9051606"/>
-                <a:gd name="connsiteY2" fmla="*/ 0 h 1101263"/>
-                <a:gd name="connsiteX3" fmla="*/ 973048 w 9051606"/>
-                <a:gd name="connsiteY3" fmla="*/ 0 h 1101263"/>
-                <a:gd name="connsiteX4" fmla="*/ 1448257 w 9051606"/>
-                <a:gd name="connsiteY4" fmla="*/ 0 h 1101263"/>
-                <a:gd name="connsiteX5" fmla="*/ 2104498 w 9051606"/>
-                <a:gd name="connsiteY5" fmla="*/ 0 h 1101263"/>
-                <a:gd name="connsiteX6" fmla="*/ 2670224 w 9051606"/>
-                <a:gd name="connsiteY6" fmla="*/ 0 h 1101263"/>
-                <a:gd name="connsiteX7" fmla="*/ 2964401 w 9051606"/>
-                <a:gd name="connsiteY7" fmla="*/ 0 h 1101263"/>
-                <a:gd name="connsiteX8" fmla="*/ 3439610 w 9051606"/>
-                <a:gd name="connsiteY8" fmla="*/ 0 h 1101263"/>
-                <a:gd name="connsiteX9" fmla="*/ 3824304 w 9051606"/>
-                <a:gd name="connsiteY9" fmla="*/ 0 h 1101263"/>
-                <a:gd name="connsiteX10" fmla="*/ 4118481 w 9051606"/>
-                <a:gd name="connsiteY10" fmla="*/ 0 h 1101263"/>
-                <a:gd name="connsiteX11" fmla="*/ 4684206 w 9051606"/>
-                <a:gd name="connsiteY11" fmla="*/ 0 h 1101263"/>
-                <a:gd name="connsiteX12" fmla="*/ 5068899 w 9051606"/>
-                <a:gd name="connsiteY12" fmla="*/ 0 h 1101263"/>
-                <a:gd name="connsiteX13" fmla="*/ 5363077 w 9051606"/>
-                <a:gd name="connsiteY13" fmla="*/ 0 h 1101263"/>
-                <a:gd name="connsiteX14" fmla="*/ 5747770 w 9051606"/>
-                <a:gd name="connsiteY14" fmla="*/ 0 h 1101263"/>
-                <a:gd name="connsiteX15" fmla="*/ 6313495 w 9051606"/>
-                <a:gd name="connsiteY15" fmla="*/ 0 h 1101263"/>
-                <a:gd name="connsiteX16" fmla="*/ 6788704 w 9051606"/>
-                <a:gd name="connsiteY16" fmla="*/ 0 h 1101263"/>
-                <a:gd name="connsiteX17" fmla="*/ 7354430 w 9051606"/>
-                <a:gd name="connsiteY17" fmla="*/ 0 h 1101263"/>
-                <a:gd name="connsiteX18" fmla="*/ 7648607 w 9051606"/>
-                <a:gd name="connsiteY18" fmla="*/ 0 h 1101263"/>
-                <a:gd name="connsiteX19" fmla="*/ 8304849 w 9051606"/>
-                <a:gd name="connsiteY19" fmla="*/ 0 h 1101263"/>
-                <a:gd name="connsiteX20" fmla="*/ 9051606 w 9051606"/>
-                <a:gd name="connsiteY20" fmla="*/ 0 h 1101263"/>
-                <a:gd name="connsiteX21" fmla="*/ 9051606 w 9051606"/>
-                <a:gd name="connsiteY21" fmla="*/ 550632 h 1101263"/>
-                <a:gd name="connsiteX22" fmla="*/ 9051606 w 9051606"/>
-                <a:gd name="connsiteY22" fmla="*/ 1101263 h 1101263"/>
-                <a:gd name="connsiteX23" fmla="*/ 8304849 w 9051606"/>
-                <a:gd name="connsiteY23" fmla="*/ 1101263 h 1101263"/>
-                <a:gd name="connsiteX24" fmla="*/ 7739123 w 9051606"/>
-                <a:gd name="connsiteY24" fmla="*/ 1101263 h 1101263"/>
-                <a:gd name="connsiteX25" fmla="*/ 7082882 w 9051606"/>
-                <a:gd name="connsiteY25" fmla="*/ 1101263 h 1101263"/>
-                <a:gd name="connsiteX26" fmla="*/ 6426640 w 9051606"/>
-                <a:gd name="connsiteY26" fmla="*/ 1101263 h 1101263"/>
-                <a:gd name="connsiteX27" fmla="*/ 5679883 w 9051606"/>
-                <a:gd name="connsiteY27" fmla="*/ 1101263 h 1101263"/>
-                <a:gd name="connsiteX28" fmla="*/ 5114157 w 9051606"/>
-                <a:gd name="connsiteY28" fmla="*/ 1101263 h 1101263"/>
-                <a:gd name="connsiteX29" fmla="*/ 4638948 w 9051606"/>
-                <a:gd name="connsiteY29" fmla="*/ 1101263 h 1101263"/>
-                <a:gd name="connsiteX30" fmla="*/ 4163739 w 9051606"/>
-                <a:gd name="connsiteY30" fmla="*/ 1101263 h 1101263"/>
-                <a:gd name="connsiteX31" fmla="*/ 3416981 w 9051606"/>
-                <a:gd name="connsiteY31" fmla="*/ 1101263 h 1101263"/>
-                <a:gd name="connsiteX32" fmla="*/ 3122804 w 9051606"/>
-                <a:gd name="connsiteY32" fmla="*/ 1101263 h 1101263"/>
-                <a:gd name="connsiteX33" fmla="*/ 2647595 w 9051606"/>
-                <a:gd name="connsiteY33" fmla="*/ 1101263 h 1101263"/>
-                <a:gd name="connsiteX34" fmla="*/ 1900837 w 9051606"/>
-                <a:gd name="connsiteY34" fmla="*/ 1101263 h 1101263"/>
-                <a:gd name="connsiteX35" fmla="*/ 1425628 w 9051606"/>
-                <a:gd name="connsiteY35" fmla="*/ 1101263 h 1101263"/>
-                <a:gd name="connsiteX36" fmla="*/ 950419 w 9051606"/>
-                <a:gd name="connsiteY36" fmla="*/ 1101263 h 1101263"/>
-                <a:gd name="connsiteX37" fmla="*/ 565725 w 9051606"/>
-                <a:gd name="connsiteY37" fmla="*/ 1101263 h 1101263"/>
-                <a:gd name="connsiteX38" fmla="*/ 0 w 9051606"/>
-                <a:gd name="connsiteY38" fmla="*/ 1101263 h 1101263"/>
-                <a:gd name="connsiteX39" fmla="*/ 0 w 9051606"/>
-                <a:gd name="connsiteY39" fmla="*/ 561644 h 1101263"/>
-                <a:gd name="connsiteX40" fmla="*/ 0 w 9051606"/>
-                <a:gd name="connsiteY40" fmla="*/ 0 h 1101263"/>
-              </a:gdLst>
-              <a:ahLst/>
-              <a:cxnLst>
-                <a:cxn ang="0">
-                  <a:pos x="connsiteX0" y="connsiteY0"/>
-                </a:cxn>
-                <a:cxn ang="0">
-                  <a:pos x="connsiteX1" y="connsiteY1"/>
-                </a:cxn>
-                <a:cxn ang="0">
-                  <a:pos x="connsiteX2" y="connsiteY2"/>
-                </a:cxn>
-                <a:cxn ang="0">
-                  <a:pos x="connsiteX3" y="connsiteY3"/>
-                </a:cxn>
-                <a:cxn ang="0">
-                  <a:pos x="connsiteX4" y="connsiteY4"/>
-                </a:cxn>
-                <a:cxn ang="0">
-                  <a:pos x="connsiteX5" y="connsiteY5"/>
-                </a:cxn>
-                <a:cxn ang="0">
-                  <a:pos x="connsiteX6" y="connsiteY6"/>
-                </a:cxn>
-                <a:cxn ang="0">
-                  <a:pos x="connsiteX7" y="connsiteY7"/>
-                </a:cxn>
-                <a:cxn ang="0">
-                  <a:pos x="connsiteX8" y="connsiteY8"/>
-                </a:cxn>
-                <a:cxn ang="0">
-                  <a:pos x="connsiteX9" y="connsiteY9"/>
-                </a:cxn>
-                <a:cxn ang="0">
-                  <a:pos x="connsiteX10" y="connsiteY10"/>
-                </a:cxn>
-                <a:cxn ang="0">
-                  <a:pos x="connsiteX11" y="connsiteY11"/>
-                </a:cxn>
-                <a:cxn ang="0">
-                  <a:pos x="connsiteX12" y="connsiteY12"/>
-                </a:cxn>
-                <a:cxn ang="0">
-                  <a:pos x="connsiteX13" y="connsiteY13"/>
-                </a:cxn>
-                <a:cxn ang="0">
-                  <a:pos x="connsiteX14" y="connsiteY14"/>
-                </a:cxn>
-                <a:cxn ang="0">
-                  <a:pos x="connsiteX15" y="connsiteY15"/>
-                </a:cxn>
-                <a:cxn ang="0">
-                  <a:pos x="connsiteX16" y="connsiteY16"/>
-                </a:cxn>
-                <a:cxn ang="0">
-                  <a:pos x="connsiteX17" y="connsiteY17"/>
-                </a:cxn>
-                <a:cxn ang="0">
-                  <a:pos x="connsiteX18" y="connsiteY18"/>
-                </a:cxn>
-                <a:cxn ang="0">
-                  <a:pos x="connsiteX19" y="connsiteY19"/>
-                </a:cxn>
-                <a:cxn ang="0">
-                  <a:pos x="connsiteX20" y="connsiteY20"/>
-                </a:cxn>
-                <a:cxn ang="0">
-                  <a:pos x="connsiteX21" y="connsiteY21"/>
-                </a:cxn>
-                <a:cxn ang="0">
-                  <a:pos x="connsiteX22" y="connsiteY22"/>
-                </a:cxn>
-                <a:cxn ang="0">
-                  <a:pos x="connsiteX23" y="connsiteY23"/>
-                </a:cxn>
-                <a:cxn ang="0">
-                  <a:pos x="connsiteX24" y="connsiteY24"/>
-                </a:cxn>
-                <a:cxn ang="0">
-                  <a:pos x="connsiteX25" y="connsiteY25"/>
-                </a:cxn>
-                <a:cxn ang="0">
-                  <a:pos x="connsiteX26" y="connsiteY26"/>
-                </a:cxn>
-                <a:cxn ang="0">
-                  <a:pos x="connsiteX27" y="connsiteY27"/>
-                </a:cxn>
-                <a:cxn ang="0">
-                  <a:pos x="connsiteX28" y="connsiteY28"/>
-                </a:cxn>
-                <a:cxn ang="0">
-                  <a:pos x="connsiteX29" y="connsiteY29"/>
-                </a:cxn>
-                <a:cxn ang="0">
-                  <a:pos x="connsiteX30" y="connsiteY30"/>
-                </a:cxn>
-                <a:cxn ang="0">
-                  <a:pos x="connsiteX31" y="connsiteY31"/>
-                </a:cxn>
-                <a:cxn ang="0">
-                  <a:pos x="connsiteX32" y="connsiteY32"/>
-                </a:cxn>
-                <a:cxn ang="0">
-                  <a:pos x="connsiteX33" y="connsiteY33"/>
-                </a:cxn>
-                <a:cxn ang="0">
-                  <a:pos x="connsiteX34" y="connsiteY34"/>
-                </a:cxn>
-                <a:cxn ang="0">
-                  <a:pos x="connsiteX35" y="connsiteY35"/>
-                </a:cxn>
-                <a:cxn ang="0">
-                  <a:pos x="connsiteX36" y="connsiteY36"/>
-                </a:cxn>
-                <a:cxn ang="0">
-                  <a:pos x="connsiteX37" y="connsiteY37"/>
-                </a:cxn>
-                <a:cxn ang="0">
-                  <a:pos x="connsiteX38" y="connsiteY38"/>
-                </a:cxn>
-                <a:cxn ang="0">
-                  <a:pos x="connsiteX39" y="connsiteY39"/>
-                </a:cxn>
-                <a:cxn ang="0">
-                  <a:pos x="connsiteX40" y="connsiteY40"/>
-                </a:cxn>
-              </a:cxnLst>
-              <a:rect l="l" t="t" r="r" b="b"/>
-              <a:pathLst>
-                <a:path w="9051606" h="1101263" fill="none" extrusionOk="0">
-                  <a:moveTo>
-                    <a:pt x="0" y="0"/>
-                  </a:moveTo>
-                  <a:cubicBezTo>
-                    <a:pt x="140978" y="-31375"/>
-                    <a:pt x="240869" y="26140"/>
-                    <a:pt x="384693" y="0"/>
-                  </a:cubicBezTo>
-                  <a:cubicBezTo>
-                    <a:pt x="528517" y="-26140"/>
-                    <a:pt x="593466" y="1346"/>
-                    <a:pt x="678870" y="0"/>
-                  </a:cubicBezTo>
-                  <a:cubicBezTo>
-                    <a:pt x="764274" y="-1346"/>
-                    <a:pt x="867120" y="14672"/>
-                    <a:pt x="973048" y="0"/>
-                  </a:cubicBezTo>
-                  <a:cubicBezTo>
-                    <a:pt x="1078976" y="-14672"/>
-                    <a:pt x="1231867" y="13736"/>
-                    <a:pt x="1448257" y="0"/>
-                  </a:cubicBezTo>
-                  <a:cubicBezTo>
-                    <a:pt x="1664647" y="-13736"/>
-                    <a:pt x="1924811" y="21693"/>
-                    <a:pt x="2104498" y="0"/>
-                  </a:cubicBezTo>
-                  <a:cubicBezTo>
-                    <a:pt x="2284185" y="-21693"/>
-                    <a:pt x="2393676" y="5635"/>
-                    <a:pt x="2670224" y="0"/>
-                  </a:cubicBezTo>
-                  <a:cubicBezTo>
-                    <a:pt x="2946772" y="-5635"/>
-                    <a:pt x="2874217" y="25928"/>
-                    <a:pt x="2964401" y="0"/>
-                  </a:cubicBezTo>
-                  <a:cubicBezTo>
-                    <a:pt x="3054585" y="-25928"/>
-                    <a:pt x="3218343" y="43843"/>
-                    <a:pt x="3439610" y="0"/>
-                  </a:cubicBezTo>
-                  <a:cubicBezTo>
-                    <a:pt x="3660877" y="-43843"/>
-                    <a:pt x="3635178" y="19978"/>
-                    <a:pt x="3824304" y="0"/>
-                  </a:cubicBezTo>
-                  <a:cubicBezTo>
-                    <a:pt x="4013430" y="-19978"/>
-                    <a:pt x="4056733" y="24109"/>
-                    <a:pt x="4118481" y="0"/>
-                  </a:cubicBezTo>
-                  <a:cubicBezTo>
-                    <a:pt x="4180229" y="-24109"/>
-                    <a:pt x="4484824" y="5518"/>
-                    <a:pt x="4684206" y="0"/>
-                  </a:cubicBezTo>
-                  <a:cubicBezTo>
-                    <a:pt x="4883588" y="-5518"/>
-                    <a:pt x="4891395" y="942"/>
-                    <a:pt x="5068899" y="0"/>
-                  </a:cubicBezTo>
-                  <a:cubicBezTo>
-                    <a:pt x="5246403" y="-942"/>
-                    <a:pt x="5257176" y="21310"/>
-                    <a:pt x="5363077" y="0"/>
-                  </a:cubicBezTo>
-                  <a:cubicBezTo>
-                    <a:pt x="5468978" y="-21310"/>
-                    <a:pt x="5667115" y="3730"/>
-                    <a:pt x="5747770" y="0"/>
-                  </a:cubicBezTo>
-                  <a:cubicBezTo>
-                    <a:pt x="5828425" y="-3730"/>
-                    <a:pt x="6070391" y="4017"/>
-                    <a:pt x="6313495" y="0"/>
-                  </a:cubicBezTo>
-                  <a:cubicBezTo>
-                    <a:pt x="6556600" y="-4017"/>
-                    <a:pt x="6621678" y="14546"/>
-                    <a:pt x="6788704" y="0"/>
-                  </a:cubicBezTo>
-                  <a:cubicBezTo>
-                    <a:pt x="6955730" y="-14546"/>
-                    <a:pt x="7105381" y="14814"/>
-                    <a:pt x="7354430" y="0"/>
-                  </a:cubicBezTo>
-                  <a:cubicBezTo>
-                    <a:pt x="7603479" y="-14814"/>
-                    <a:pt x="7523794" y="22416"/>
-                    <a:pt x="7648607" y="0"/>
-                  </a:cubicBezTo>
-                  <a:cubicBezTo>
-                    <a:pt x="7773420" y="-22416"/>
-                    <a:pt x="8138243" y="64193"/>
-                    <a:pt x="8304849" y="0"/>
-                  </a:cubicBezTo>
-                  <a:cubicBezTo>
-                    <a:pt x="8471455" y="-64193"/>
-                    <a:pt x="8880333" y="57774"/>
-                    <a:pt x="9051606" y="0"/>
-                  </a:cubicBezTo>
-                  <a:cubicBezTo>
-                    <a:pt x="9053698" y="225148"/>
-                    <a:pt x="9010629" y="392247"/>
-                    <a:pt x="9051606" y="550632"/>
-                  </a:cubicBezTo>
-                  <a:cubicBezTo>
-                    <a:pt x="9092583" y="709017"/>
-                    <a:pt x="9005458" y="971974"/>
-                    <a:pt x="9051606" y="1101263"/>
-                  </a:cubicBezTo>
-                  <a:cubicBezTo>
-                    <a:pt x="8813690" y="1131169"/>
-                    <a:pt x="8660988" y="1090845"/>
-                    <a:pt x="8304849" y="1101263"/>
-                  </a:cubicBezTo>
-                  <a:cubicBezTo>
-                    <a:pt x="7948710" y="1111681"/>
-                    <a:pt x="7894802" y="1081421"/>
-                    <a:pt x="7739123" y="1101263"/>
-                  </a:cubicBezTo>
-                  <a:cubicBezTo>
-                    <a:pt x="7583444" y="1121105"/>
-                    <a:pt x="7373530" y="1058883"/>
-                    <a:pt x="7082882" y="1101263"/>
-                  </a:cubicBezTo>
-                  <a:cubicBezTo>
-                    <a:pt x="6792234" y="1143643"/>
-                    <a:pt x="6741315" y="1035719"/>
-                    <a:pt x="6426640" y="1101263"/>
-                  </a:cubicBezTo>
-                  <a:cubicBezTo>
-                    <a:pt x="6111965" y="1166807"/>
-                    <a:pt x="6012760" y="1036443"/>
-                    <a:pt x="5679883" y="1101263"/>
-                  </a:cubicBezTo>
-                  <a:cubicBezTo>
-                    <a:pt x="5347006" y="1166083"/>
-                    <a:pt x="5390339" y="1098589"/>
-                    <a:pt x="5114157" y="1101263"/>
-                  </a:cubicBezTo>
-                  <a:cubicBezTo>
-                    <a:pt x="4837975" y="1103937"/>
-                    <a:pt x="4862765" y="1064374"/>
-                    <a:pt x="4638948" y="1101263"/>
-                  </a:cubicBezTo>
-                  <a:cubicBezTo>
-                    <a:pt x="4415131" y="1138152"/>
-                    <a:pt x="4328614" y="1092853"/>
-                    <a:pt x="4163739" y="1101263"/>
-                  </a:cubicBezTo>
-                  <a:cubicBezTo>
-                    <a:pt x="3998864" y="1109673"/>
-                    <a:pt x="3719480" y="1054214"/>
-                    <a:pt x="3416981" y="1101263"/>
-                  </a:cubicBezTo>
-                  <a:cubicBezTo>
-                    <a:pt x="3114482" y="1148312"/>
-                    <a:pt x="3227834" y="1093043"/>
-                    <a:pt x="3122804" y="1101263"/>
-                  </a:cubicBezTo>
-                  <a:cubicBezTo>
-                    <a:pt x="3017774" y="1109483"/>
-                    <a:pt x="2880780" y="1097627"/>
-                    <a:pt x="2647595" y="1101263"/>
-                  </a:cubicBezTo>
-                  <a:cubicBezTo>
-                    <a:pt x="2414410" y="1104899"/>
-                    <a:pt x="2214156" y="1033821"/>
-                    <a:pt x="1900837" y="1101263"/>
-                  </a:cubicBezTo>
-                  <a:cubicBezTo>
-                    <a:pt x="1587518" y="1168705"/>
-                    <a:pt x="1564401" y="1047016"/>
-                    <a:pt x="1425628" y="1101263"/>
-                  </a:cubicBezTo>
-                  <a:cubicBezTo>
-                    <a:pt x="1286855" y="1155510"/>
-                    <a:pt x="1067418" y="1088287"/>
-                    <a:pt x="950419" y="1101263"/>
-                  </a:cubicBezTo>
-                  <a:cubicBezTo>
-                    <a:pt x="833420" y="1114239"/>
-                    <a:pt x="715439" y="1098108"/>
-                    <a:pt x="565725" y="1101263"/>
-                  </a:cubicBezTo>
-                  <a:cubicBezTo>
-                    <a:pt x="416011" y="1104418"/>
-                    <a:pt x="165579" y="1056969"/>
-                    <a:pt x="0" y="1101263"/>
-                  </a:cubicBezTo>
-                  <a:cubicBezTo>
-                    <a:pt x="-50095" y="917732"/>
-                    <a:pt x="53185" y="802197"/>
-                    <a:pt x="0" y="561644"/>
-                  </a:cubicBezTo>
-                  <a:cubicBezTo>
-                    <a:pt x="-53185" y="321091"/>
-                    <a:pt x="18725" y="279749"/>
-                    <a:pt x="0" y="0"/>
-                  </a:cubicBezTo>
-                  <a:close/>
-                </a:path>
-                <a:path w="9051606" h="1101263" stroke="0" extrusionOk="0">
-                  <a:moveTo>
-                    <a:pt x="0" y="0"/>
-                  </a:moveTo>
-                  <a:cubicBezTo>
-                    <a:pt x="137297" y="-55312"/>
-                    <a:pt x="317867" y="63208"/>
-                    <a:pt x="565725" y="0"/>
-                  </a:cubicBezTo>
-                  <a:cubicBezTo>
-                    <a:pt x="813584" y="-63208"/>
-                    <a:pt x="1080350" y="9508"/>
-                    <a:pt x="1312483" y="0"/>
-                  </a:cubicBezTo>
-                  <a:cubicBezTo>
-                    <a:pt x="1544616" y="-9508"/>
-                    <a:pt x="1817832" y="58148"/>
-                    <a:pt x="1968724" y="0"/>
-                  </a:cubicBezTo>
-                  <a:cubicBezTo>
-                    <a:pt x="2119616" y="-58148"/>
-                    <a:pt x="2129640" y="2976"/>
-                    <a:pt x="2262902" y="0"/>
-                  </a:cubicBezTo>
-                  <a:cubicBezTo>
-                    <a:pt x="2396164" y="-2976"/>
-                    <a:pt x="2644286" y="31267"/>
-                    <a:pt x="2919143" y="0"/>
-                  </a:cubicBezTo>
-                  <a:cubicBezTo>
-                    <a:pt x="3194000" y="-31267"/>
-                    <a:pt x="3454834" y="32564"/>
-                    <a:pt x="3665900" y="0"/>
-                  </a:cubicBezTo>
-                  <a:cubicBezTo>
-                    <a:pt x="3876966" y="-32564"/>
-                    <a:pt x="3950265" y="28257"/>
-                    <a:pt x="4141110" y="0"/>
-                  </a:cubicBezTo>
-                  <a:cubicBezTo>
-                    <a:pt x="4331955" y="-28257"/>
-                    <a:pt x="4314685" y="26974"/>
-                    <a:pt x="4435287" y="0"/>
-                  </a:cubicBezTo>
-                  <a:cubicBezTo>
-                    <a:pt x="4555889" y="-26974"/>
-                    <a:pt x="4879914" y="38087"/>
-                    <a:pt x="5182044" y="0"/>
-                  </a:cubicBezTo>
-                  <a:cubicBezTo>
-                    <a:pt x="5484174" y="-38087"/>
-                    <a:pt x="5717499" y="44537"/>
-                    <a:pt x="5928802" y="0"/>
-                  </a:cubicBezTo>
-                  <a:cubicBezTo>
-                    <a:pt x="6140105" y="-44537"/>
-                    <a:pt x="6456269" y="60927"/>
-                    <a:pt x="6675559" y="0"/>
-                  </a:cubicBezTo>
-                  <a:cubicBezTo>
-                    <a:pt x="6894849" y="-60927"/>
-                    <a:pt x="7019446" y="1463"/>
-                    <a:pt x="7150769" y="0"/>
-                  </a:cubicBezTo>
-                  <a:cubicBezTo>
-                    <a:pt x="7282092" y="-1463"/>
-                    <a:pt x="7434516" y="25618"/>
-                    <a:pt x="7625978" y="0"/>
-                  </a:cubicBezTo>
-                  <a:cubicBezTo>
-                    <a:pt x="7817440" y="-25618"/>
-                    <a:pt x="8125532" y="24299"/>
-                    <a:pt x="8372736" y="0"/>
-                  </a:cubicBezTo>
-                  <a:cubicBezTo>
-                    <a:pt x="8619940" y="-24299"/>
-                    <a:pt x="8803544" y="44509"/>
-                    <a:pt x="9051606" y="0"/>
-                  </a:cubicBezTo>
-                  <a:cubicBezTo>
-                    <a:pt x="9109260" y="177762"/>
-                    <a:pt x="9047627" y="295600"/>
-                    <a:pt x="9051606" y="528606"/>
-                  </a:cubicBezTo>
-                  <a:cubicBezTo>
-                    <a:pt x="9055585" y="761612"/>
-                    <a:pt x="8983454" y="888108"/>
-                    <a:pt x="9051606" y="1101263"/>
-                  </a:cubicBezTo>
-                  <a:cubicBezTo>
-                    <a:pt x="8868664" y="1104992"/>
-                    <a:pt x="8692996" y="1053569"/>
-                    <a:pt x="8485881" y="1101263"/>
-                  </a:cubicBezTo>
-                  <a:cubicBezTo>
-                    <a:pt x="8278767" y="1148957"/>
-                    <a:pt x="8000423" y="1082397"/>
-                    <a:pt x="7739123" y="1101263"/>
-                  </a:cubicBezTo>
-                  <a:cubicBezTo>
-                    <a:pt x="7477823" y="1120129"/>
-                    <a:pt x="7328145" y="1079117"/>
-                    <a:pt x="6992366" y="1101263"/>
-                  </a:cubicBezTo>
-                  <a:cubicBezTo>
-                    <a:pt x="6656587" y="1123409"/>
-                    <a:pt x="6616945" y="1026084"/>
-                    <a:pt x="6245608" y="1101263"/>
-                  </a:cubicBezTo>
-                  <a:cubicBezTo>
-                    <a:pt x="5874271" y="1176442"/>
-                    <a:pt x="5974540" y="1078525"/>
-                    <a:pt x="5770399" y="1101263"/>
-                  </a:cubicBezTo>
-                  <a:cubicBezTo>
-                    <a:pt x="5566258" y="1124001"/>
-                    <a:pt x="5541396" y="1075789"/>
-                    <a:pt x="5385706" y="1101263"/>
-                  </a:cubicBezTo>
-                  <a:cubicBezTo>
-                    <a:pt x="5230016" y="1126737"/>
-                    <a:pt x="5173560" y="1091928"/>
-                    <a:pt x="5091528" y="1101263"/>
-                  </a:cubicBezTo>
-                  <a:cubicBezTo>
-                    <a:pt x="5009496" y="1110598"/>
-                    <a:pt x="4881521" y="1074460"/>
-                    <a:pt x="4706835" y="1101263"/>
-                  </a:cubicBezTo>
-                  <a:cubicBezTo>
-                    <a:pt x="4532149" y="1128066"/>
-                    <a:pt x="4198980" y="1041404"/>
-                    <a:pt x="4050594" y="1101263"/>
-                  </a:cubicBezTo>
-                  <a:cubicBezTo>
-                    <a:pt x="3902208" y="1161122"/>
-                    <a:pt x="3777755" y="1060839"/>
-                    <a:pt x="3665900" y="1101263"/>
-                  </a:cubicBezTo>
-                  <a:cubicBezTo>
-                    <a:pt x="3554045" y="1141687"/>
-                    <a:pt x="3434545" y="1074537"/>
-                    <a:pt x="3281207" y="1101263"/>
-                  </a:cubicBezTo>
-                  <a:cubicBezTo>
-                    <a:pt x="3127869" y="1127989"/>
-                    <a:pt x="2911351" y="1097217"/>
-                    <a:pt x="2805998" y="1101263"/>
-                  </a:cubicBezTo>
-                  <a:cubicBezTo>
-                    <a:pt x="2700645" y="1105309"/>
-                    <a:pt x="2581868" y="1088500"/>
-                    <a:pt x="2511821" y="1101263"/>
-                  </a:cubicBezTo>
-                  <a:cubicBezTo>
-                    <a:pt x="2441774" y="1114026"/>
-                    <a:pt x="2118498" y="1098840"/>
-                    <a:pt x="1765063" y="1101263"/>
-                  </a:cubicBezTo>
-                  <a:cubicBezTo>
-                    <a:pt x="1411628" y="1103686"/>
-                    <a:pt x="1467082" y="1092732"/>
-                    <a:pt x="1380370" y="1101263"/>
-                  </a:cubicBezTo>
-                  <a:cubicBezTo>
-                    <a:pt x="1293658" y="1109794"/>
-                    <a:pt x="923858" y="1043304"/>
-                    <a:pt x="633612" y="1101263"/>
-                  </a:cubicBezTo>
-                  <a:cubicBezTo>
-                    <a:pt x="343366" y="1159222"/>
-                    <a:pt x="315418" y="1073101"/>
-                    <a:pt x="0" y="1101263"/>
-                  </a:cubicBezTo>
-                  <a:cubicBezTo>
-                    <a:pt x="-43574" y="845521"/>
-                    <a:pt x="28479" y="760135"/>
-                    <a:pt x="0" y="539619"/>
-                  </a:cubicBezTo>
-                  <a:cubicBezTo>
-                    <a:pt x="-28479" y="319103"/>
-                    <a:pt x="13901" y="189399"/>
-                    <a:pt x="0" y="0"/>
-                  </a:cubicBezTo>
-                  <a:close/>
-                </a:path>
-              </a:pathLst>
-            </a:custGeom>
-            <a:ln>
-              <a:solidFill>
-                <a:srgbClr val="002D61"/>
-              </a:solidFill>
-              <a:extLst>
-                <a:ext uri="{C807C97D-BFC1-408E-A445-0C87EB9F89A2}">
-                  <ask:lineSketchStyleProps xmlns:ask="http://schemas.microsoft.com/office/drawing/2018/sketchyshapes" sd="962310086">
-                    <a:prstGeom prst="rect">
-                      <a:avLst/>
-                    </a:prstGeom>
-                    <ask:type>
-                      <ask:lineSketchScribble/>
-                    </ask:type>
-                  </ask:lineSketchStyleProps>
-                </a:ext>
-              </a:extLst>
-            </a:ln>
-          </p:spPr>
-        </p:pic>
-        <p:sp>
-          <p:nvSpPr>
-            <p:cNvPr id="8" name="Rectangle 7">
-              <a:extLst>
-                <a:ext uri="{FF2B5EF4-FFF2-40B4-BE49-F238E27FC236}">
-                  <a16:creationId xmlns:a16="http://schemas.microsoft.com/office/drawing/2014/main" id="{1336DE9A-A17C-0A44-9E8E-0A70E0B977A1}"/>
-                </a:ext>
-              </a:extLst>
-            </p:cNvPr>
-            <p:cNvSpPr/>
-            <p:nvPr/>
-          </p:nvSpPr>
-          <p:spPr>
-            <a:xfrm>
-              <a:off x="6941566" y="4807296"/>
-              <a:ext cx="212846" cy="272279"/>
-            </a:xfrm>
-            <a:prstGeom prst="rect">
-              <a:avLst/>
-            </a:prstGeom>
-            <a:solidFill>
-              <a:srgbClr val="9558B2">
-                <a:alpha val="61000"/>
-              </a:srgbClr>
-            </a:solidFill>
-            <a:ln/>
-          </p:spPr>
-          <p:style>
-            <a:lnRef idx="2">
-              <a:schemeClr val="dk1"/>
-            </a:lnRef>
-            <a:fillRef idx="1">
-              <a:schemeClr val="lt1"/>
-            </a:fillRef>
-            <a:effectRef idx="0">
-              <a:schemeClr val="dk1"/>
-            </a:effectRef>
-            <a:fontRef idx="minor">
-              <a:schemeClr val="dk1"/>
-            </a:fontRef>
-          </p:style>
-          <p:txBody>
-            <a:bodyPr rtlCol="0" anchor="ctr"/>
-            <a:lstStyle/>
-            <a:p>
-              <a:pPr marL="0" marR="0" lvl="0" indent="0" algn="ctr" defTabSz="457200" rtl="0" eaLnBrk="1" fontAlgn="auto" latinLnBrk="0" hangingPunct="1">
-                <a:lnSpc>
-                  <a:spcPct val="100000"/>
-                </a:lnSpc>
-                <a:spcBef>
-                  <a:spcPts val="0"/>
-                </a:spcBef>
-                <a:spcAft>
-                  <a:spcPts val="0"/>
-                </a:spcAft>
-                <a:buClrTx/>
-                <a:buSzTx/>
-                <a:buFontTx/>
-                <a:buNone/>
-                <a:tabLst/>
-                <a:defRPr/>
-              </a:pPr>
-              <a:endParaRPr kumimoji="0" lang="en-US" sz="1800" b="0" i="0" u="none" strike="noStrike" kern="1200" cap="none" spc="0" normalizeH="0" baseline="0" noProof="0">
-                <a:ln>
-                  <a:noFill/>
-                </a:ln>
-                <a:solidFill>
-                  <a:srgbClr val="000000"/>
-                </a:solidFill>
-                <a:effectLst/>
-                <a:uLnTx/>
-                <a:uFillTx/>
-                <a:latin typeface="Corbel"/>
-                <a:ea typeface="+mn-ea"/>
-                <a:cs typeface="+mn-cs"/>
-              </a:endParaRPr>
-            </a:p>
-          </p:txBody>
-        </p:sp>
-        <p:sp>
-          <p:nvSpPr>
-            <p:cNvPr id="9" name="Rectangle 8">
-              <a:extLst>
-                <a:ext uri="{FF2B5EF4-FFF2-40B4-BE49-F238E27FC236}">
-                  <a16:creationId xmlns:a16="http://schemas.microsoft.com/office/drawing/2014/main" id="{5DED7A31-70AD-C2B1-34C6-B783772F4F0B}"/>
-                </a:ext>
-              </a:extLst>
-            </p:cNvPr>
-            <p:cNvSpPr/>
-            <p:nvPr/>
-          </p:nvSpPr>
-          <p:spPr>
-            <a:xfrm>
-              <a:off x="7154412" y="4532294"/>
-              <a:ext cx="3099522" cy="830425"/>
-            </a:xfrm>
-            <a:prstGeom prst="rect">
-              <a:avLst/>
-            </a:prstGeom>
-            <a:solidFill>
-              <a:schemeClr val="accent5">
-                <a:alpha val="50000"/>
-              </a:schemeClr>
-            </a:solidFill>
-            <a:ln>
-              <a:solidFill>
-                <a:schemeClr val="accent2"/>
-              </a:solidFill>
-            </a:ln>
-          </p:spPr>
-          <p:style>
-            <a:lnRef idx="0">
-              <a:scrgbClr r="0" g="0" b="0"/>
-            </a:lnRef>
-            <a:fillRef idx="0">
-              <a:scrgbClr r="0" g="0" b="0"/>
-            </a:fillRef>
-            <a:effectRef idx="0">
-              <a:scrgbClr r="0" g="0" b="0"/>
-            </a:effectRef>
-            <a:fontRef idx="minor">
-              <a:schemeClr val="lt1"/>
-            </a:fontRef>
-          </p:style>
-          <p:txBody>
-            <a:bodyPr rtlCol="0" anchor="ctr"/>
-            <a:lstStyle/>
-            <a:p>
-              <a:pPr marL="0" marR="0" lvl="0" indent="0" algn="ctr" defTabSz="457200" rtl="0" eaLnBrk="1" fontAlgn="auto" latinLnBrk="0" hangingPunct="1">
-                <a:lnSpc>
-                  <a:spcPct val="100000"/>
-                </a:lnSpc>
-                <a:spcBef>
-                  <a:spcPts val="0"/>
-                </a:spcBef>
-                <a:spcAft>
-                  <a:spcPts val="0"/>
-                </a:spcAft>
-                <a:buClrTx/>
-                <a:buSzTx/>
-                <a:buFontTx/>
-                <a:buNone/>
-                <a:tabLst/>
-                <a:defRPr/>
-              </a:pPr>
-              <a:endParaRPr kumimoji="0" lang="en-US" sz="1800" b="0" i="0" u="none" strike="noStrike" kern="1200" cap="none" spc="0" normalizeH="0" baseline="0" noProof="0">
-                <a:ln>
-                  <a:noFill/>
-                </a:ln>
-                <a:solidFill>
-                  <a:srgbClr val="FFFFFF"/>
-                </a:solidFill>
-                <a:effectLst/>
-                <a:uLnTx/>
-                <a:uFillTx/>
-                <a:latin typeface="Corbel"/>
-                <a:ea typeface="+mn-ea"/>
-                <a:cs typeface="+mn-cs"/>
-              </a:endParaRPr>
-            </a:p>
-          </p:txBody>
-        </p:sp>
-      </p:grpSp>
-      <p:sp>
-        <p:nvSpPr>
-          <p:cNvPr id="11" name="TextBox 10">
-            <a:extLst>
-              <a:ext uri="{FF2B5EF4-FFF2-40B4-BE49-F238E27FC236}">
-                <a16:creationId xmlns:a16="http://schemas.microsoft.com/office/drawing/2014/main" id="{587261F6-15AD-5D26-D9AC-EB05983860B8}"/>
-              </a:ext>
-            </a:extLst>
-          </p:cNvPr>
-          <p:cNvSpPr txBox="1"/>
-          <p:nvPr/>
-        </p:nvSpPr>
-        <p:spPr>
-          <a:xfrm>
-            <a:off x="2698928" y="1189321"/>
-            <a:ext cx="6820678" cy="707886"/>
-          </a:xfrm>
-          <a:prstGeom prst="rect">
-            <a:avLst/>
-          </a:prstGeom>
-          <a:noFill/>
-        </p:spPr>
-        <p:txBody>
-          <a:bodyPr wrap="square" rtlCol="0">
-            <a:spAutoFit/>
-          </a:bodyPr>
-          <a:lstStyle/>
-          <a:p>
-            <a:pPr marL="0" marR="0" lvl="0" indent="0" algn="l" defTabSz="457200" rtl="0" eaLnBrk="1" fontAlgn="auto" latinLnBrk="0" hangingPunct="1">
-              <a:lnSpc>
-                <a:spcPct val="100000"/>
-              </a:lnSpc>
-              <a:spcBef>
-                <a:spcPts val="0"/>
-              </a:spcBef>
-              <a:spcAft>
-                <a:spcPts val="0"/>
-              </a:spcAft>
-              <a:buClrTx/>
-              <a:buSzTx/>
-              <a:buFontTx/>
-              <a:buNone/>
-              <a:tabLst/>
-              <a:defRPr/>
-            </a:pPr>
-            <a:r>
-              <a:rPr kumimoji="0" lang="en-US" sz="2000" b="0" i="0" u="none" strike="noStrike" kern="1200" cap="none" spc="0" normalizeH="0" baseline="0" noProof="0" dirty="0">
-                <a:ln>
-                  <a:noFill/>
-                </a:ln>
-                <a:solidFill>
-                  <a:srgbClr val="FFFFFF"/>
-                </a:solidFill>
-                <a:effectLst/>
-                <a:uLnTx/>
-                <a:uFillTx/>
-                <a:latin typeface="Corbel"/>
-                <a:ea typeface="+mn-ea"/>
-                <a:cs typeface="+mn-cs"/>
-              </a:rPr>
-              <a:t>The cost of replacing the Boolean Constraints with the SCD </a:t>
-            </a:r>
-            <a:r>
-              <a:rPr kumimoji="0" lang="en-US" sz="2000" b="0" i="0" u="none" strike="noStrike" kern="1200" cap="none" spc="0" normalizeH="0" baseline="0" noProof="0" dirty="0">
-                <a:ln>
-                  <a:noFill/>
-                </a:ln>
-                <a:solidFill>
-                  <a:srgbClr val="92D050"/>
-                </a:solidFill>
-                <a:effectLst/>
-                <a:uLnTx/>
-                <a:uFillTx/>
-                <a:latin typeface="Corbel"/>
-                <a:ea typeface="+mn-ea"/>
-                <a:cs typeface="+mn-cs"/>
-              </a:rPr>
-              <a:t>Green Box</a:t>
-            </a:r>
-            <a:r>
-              <a:rPr kumimoji="0" lang="en-US" sz="2000" b="0" i="0" u="none" strike="noStrike" kern="1200" cap="none" spc="0" normalizeH="0" baseline="0" noProof="0" dirty="0">
-                <a:ln>
-                  <a:noFill/>
-                </a:ln>
-                <a:solidFill>
-                  <a:srgbClr val="FFFFFF"/>
-                </a:solidFill>
-                <a:effectLst/>
-                <a:uLnTx/>
-                <a:uFillTx/>
-                <a:latin typeface="Corbel"/>
-                <a:ea typeface="+mn-ea"/>
-                <a:cs typeface="+mn-cs"/>
-              </a:rPr>
-              <a:t> term for avoiding SCD.</a:t>
-            </a:r>
-          </a:p>
-        </p:txBody>
-      </p:sp>
-    </p:spTree>
-    <p:extLst>
-      <p:ext uri="{BB962C8B-B14F-4D97-AF65-F5344CB8AC3E}">
-        <p14:creationId xmlns:p14="http://schemas.microsoft.com/office/powerpoint/2010/main" val="2115703505"/>
       </p:ext>
     </p:extLst>
   </p:cSld>
@@ -31816,7 +33200,7 @@
           <a:lstStyle/>
           <a:p>
             <a:r>
-              <a:rPr lang="en-US" sz="4400" kern="1200" dirty="0">
+              <a:rPr lang="en-US" sz="4400" kern="1200">
                 <a:solidFill>
                   <a:srgbClr val="FFFFFF"/>
                 </a:solidFill>
@@ -31826,6 +33210,14 @@
               </a:rPr>
               <a:t>Reference of Notation: Branch Flow Model and DER variables</a:t>
             </a:r>
+            <a:endParaRPr lang="en-US" sz="4400" kern="1200" dirty="0">
+              <a:solidFill>
+                <a:srgbClr val="FFFFFF"/>
+              </a:solidFill>
+              <a:latin typeface="+mj-lt"/>
+              <a:ea typeface="+mj-ea"/>
+              <a:cs typeface="+mj-cs"/>
+            </a:endParaRPr>
           </a:p>
         </p:txBody>
       </p:sp>
@@ -31952,9 +33344,10 @@
               <a:buNone/>
             </a:pPr>
             <a:r>
-              <a:rPr lang="en-US" dirty="0"/>
+              <a:rPr lang="en-US"/>
               <a:t>Helpful for clarifying any variable in the optimization formulations.</a:t>
             </a:r>
+            <a:endParaRPr lang="en-US" dirty="0"/>
           </a:p>
         </p:txBody>
       </p:sp>
@@ -32178,8 +33571,8 @@
           </a:p>
         </p:txBody>
       </p:sp>
-      <mc:AlternateContent xmlns:mc="http://schemas.openxmlformats.org/markup-compatibility/2006">
-        <mc:Choice xmlns:a14="http://schemas.microsoft.com/office/drawing/2010/main" Requires="a14">
+      <mc:AlternateContent xmlns:mc="http://schemas.openxmlformats.org/markup-compatibility/2006" xmlns:a14="http://schemas.microsoft.com/office/drawing/2010/main">
+        <mc:Choice Requires="a14">
           <p:sp>
             <p:nvSpPr>
               <p:cNvPr id="2" name="Content Placeholder 1">
@@ -32277,7 +33670,7 @@
             </p:txBody>
           </p:sp>
         </mc:Choice>
-        <mc:Fallback>
+        <mc:Fallback xmlns="">
           <p:sp>
             <p:nvSpPr>
               <p:cNvPr id="2" name="Content Placeholder 1">
@@ -32439,8 +33832,8 @@
         </p:nvSpPr>
         <p:spPr>
           <a:xfrm>
-            <a:off x="1781175" y="2229633"/>
-            <a:ext cx="3660256" cy="1756378"/>
+            <a:off x="1781175" y="2229632"/>
+            <a:ext cx="3660256" cy="4273289"/>
           </a:xfrm>
         </p:spPr>
         <p:txBody>
@@ -32451,12 +33844,8 @@
               <a:buNone/>
             </a:pPr>
             <a:r>
-              <a:rPr lang="en-US" b="1" dirty="0" err="1"/>
-              <a:t>ENApp</a:t>
-            </a:r>
-            <a:r>
               <a:rPr lang="en-US" b="1" dirty="0"/>
-              <a:t> Approach [1]</a:t>
+              <a:t>ENApp Approach [1]</a:t>
             </a:r>
           </a:p>
           <a:p>
@@ -32519,8 +33908,8 @@
           </a:ln>
         </p:spPr>
       </p:pic>
-      <mc:AlternateContent xmlns:mc="http://schemas.openxmlformats.org/markup-compatibility/2006">
-        <mc:Choice xmlns:a14="http://schemas.microsoft.com/office/drawing/2010/main" Requires="a14">
+      <mc:AlternateContent xmlns:mc="http://schemas.openxmlformats.org/markup-compatibility/2006" xmlns:a14="http://schemas.microsoft.com/office/drawing/2010/main">
+        <mc:Choice Requires="a14">
           <p:sp>
             <p:nvSpPr>
               <p:cNvPr id="4" name="TextBox 3">
@@ -32767,7 +34156,7 @@
             </p:txBody>
           </p:sp>
         </mc:Choice>
-        <mc:Fallback>
+        <mc:Fallback xmlns="">
           <p:sp>
             <p:nvSpPr>
               <p:cNvPr id="4" name="TextBox 3">
@@ -32859,6 +34248,111 @@
           </a:fontRef>
         </p:style>
       </p:cxnSp>
+      <p:grpSp>
+        <p:nvGrpSpPr>
+          <p:cNvPr id="8" name="Group 7">
+            <a:extLst>
+              <a:ext uri="{FF2B5EF4-FFF2-40B4-BE49-F238E27FC236}">
+                <a16:creationId xmlns:a16="http://schemas.microsoft.com/office/drawing/2014/main" id="{7E3D58BE-37C1-1389-A93B-FD09F2F478DC}"/>
+              </a:ext>
+            </a:extLst>
+          </p:cNvPr>
+          <p:cNvGrpSpPr/>
+          <p:nvPr/>
+        </p:nvGrpSpPr>
+        <p:grpSpPr>
+          <a:xfrm>
+            <a:off x="1197648" y="413199"/>
+            <a:ext cx="3137587" cy="1424516"/>
+            <a:chOff x="1197648" y="413199"/>
+            <a:chExt cx="3137587" cy="1424516"/>
+          </a:xfrm>
+        </p:grpSpPr>
+        <p:pic>
+          <p:nvPicPr>
+            <p:cNvPr id="1026" name="Picture 2">
+              <a:extLst>
+                <a:ext uri="{FF2B5EF4-FFF2-40B4-BE49-F238E27FC236}">
+                  <a16:creationId xmlns:a16="http://schemas.microsoft.com/office/drawing/2014/main" id="{5C03E129-A6C8-1CBC-A73A-ABFC9E75166A}"/>
+                </a:ext>
+              </a:extLst>
+            </p:cNvPr>
+            <p:cNvPicPr>
+              <a:picLocks noChangeAspect="1" noChangeArrowheads="1"/>
+            </p:cNvPicPr>
+            <p:nvPr/>
+          </p:nvPicPr>
+          <p:blipFill>
+            <a:blip r:embed="rId5">
+              <a:extLst>
+                <a:ext uri="{28A0092B-C50C-407E-A947-70E740481C1C}">
+                  <a14:useLocalDpi xmlns:a14="http://schemas.microsoft.com/office/drawing/2010/main" val="0"/>
+                </a:ext>
+              </a:extLst>
+            </a:blip>
+            <a:srcRect/>
+            <a:stretch>
+              <a:fillRect/>
+            </a:stretch>
+          </p:blipFill>
+          <p:spPr bwMode="auto">
+            <a:xfrm>
+              <a:off x="1197648" y="413199"/>
+              <a:ext cx="3137587" cy="1176595"/>
+            </a:xfrm>
+            <a:prstGeom prst="rect">
+              <a:avLst/>
+            </a:prstGeom>
+            <a:noFill/>
+            <a:extLst>
+              <a:ext uri="{909E8E84-426E-40DD-AFC4-6F175D3DCCD1}">
+                <a14:hiddenFill xmlns:a14="http://schemas.microsoft.com/office/drawing/2010/main">
+                  <a:solidFill>
+                    <a:srgbClr val="FFFFFF"/>
+                  </a:solidFill>
+                </a14:hiddenFill>
+              </a:ext>
+            </a:extLst>
+          </p:spPr>
+        </p:pic>
+        <p:sp>
+          <p:nvSpPr>
+            <p:cNvPr id="7" name="TextBox 6">
+              <a:extLst>
+                <a:ext uri="{FF2B5EF4-FFF2-40B4-BE49-F238E27FC236}">
+                  <a16:creationId xmlns:a16="http://schemas.microsoft.com/office/drawing/2014/main" id="{62604F67-BACC-14BC-FF07-35ED0BA7A12D}"/>
+                </a:ext>
+              </a:extLst>
+            </p:cNvPr>
+            <p:cNvSpPr txBox="1"/>
+            <p:nvPr/>
+          </p:nvSpPr>
+          <p:spPr>
+            <a:xfrm>
+              <a:off x="1585231" y="1622271"/>
+              <a:ext cx="2604408" cy="215444"/>
+            </a:xfrm>
+            <a:prstGeom prst="rect">
+              <a:avLst/>
+            </a:prstGeom>
+            <a:noFill/>
+          </p:spPr>
+          <p:txBody>
+            <a:bodyPr wrap="square" rtlCol="0">
+              <a:spAutoFit/>
+            </a:bodyPr>
+            <a:lstStyle/>
+            <a:p>
+              <a:pPr algn="ctr"/>
+              <a:r>
+                <a:rPr lang="en-US" sz="800" dirty="0"/>
+                <a:t>Figure Courtesy: Dr. Subho Paul</a:t>
+              </a:r>
+              <a:endParaRPr lang="en-US" dirty="0"/>
+            </a:p>
+          </p:txBody>
+        </p:sp>
+      </p:grpSp>
     </p:spTree>
     <p:extLst>
       <p:ext uri="{BB962C8B-B14F-4D97-AF65-F5344CB8AC3E}">
@@ -34096,7 +35590,7 @@
             <p:spPr>
               <a:xfrm>
                 <a:off x="274174" y="1081129"/>
-                <a:ext cx="10970358" cy="2372444"/>
+                <a:ext cx="10970358" cy="2753831"/>
               </a:xfrm>
               <a:prstGeom prst="rect">
                 <a:avLst/>
@@ -34491,14 +35985,41 @@
                     <a:ea typeface="Cambria" panose="02040503050406030204" pitchFamily="18" charset="0"/>
                     <a:cs typeface="+mn-cs"/>
                   </a:rPr>
-                  <a:t>, along with other non-controllable parameter values like </a:t>
+                  <a:t>, along with</a:t>
+                </a:r>
+                <a:r>
+                  <a:rPr lang="en-US" sz="2400" dirty="0">
+                    <a:solidFill>
+                      <a:srgbClr val="FFFFFF"/>
+                    </a:solidFill>
+                    <a:latin typeface="Cambria" panose="02040503050406030204" pitchFamily="18" charset="0"/>
+                    <a:ea typeface="Cambria" panose="02040503050406030204" pitchFamily="18" charset="0"/>
+                  </a:rPr>
+                  <a:t> predictions for</a:t>
+                </a:r>
+                <a:r>
+                  <a:rPr kumimoji="0" lang="en-US" sz="2400" b="0" i="0" u="none" strike="noStrike" kern="1200" cap="none" spc="0" normalizeH="0" baseline="0" noProof="0" dirty="0">
+                    <a:ln>
+                      <a:noFill/>
+                    </a:ln>
+                    <a:solidFill>
+                      <a:srgbClr val="FFFFFF"/>
+                    </a:solidFill>
+                    <a:effectLst/>
+                    <a:uLnTx/>
+                    <a:uFillTx/>
+                    <a:latin typeface="Cambria" panose="02040503050406030204" pitchFamily="18" charset="0"/>
+                    <a:ea typeface="Cambria" panose="02040503050406030204" pitchFamily="18" charset="0"/>
+                    <a:cs typeface="+mn-cs"/>
+                  </a:rPr>
+                  <a:t> other non-controllable parameter values like </a:t>
                 </a:r>
                 <a14:m>
                   <m:oMath xmlns:m="http://schemas.openxmlformats.org/officeDocument/2006/math">
-                    <m:sSub>
-                      <m:sSubPr>
+                    <m:sSubSup>
+                      <m:sSubSupPr>
                         <m:ctrlPr>
-                          <a:rPr kumimoji="0" lang="en-US" sz="2400" b="0" i="1" u="none" strike="noStrike" kern="1200" cap="none" spc="0" normalizeH="0" baseline="0" noProof="0">
+                          <a:rPr kumimoji="0" lang="en-US" sz="2400" b="0" i="1" u="none" strike="noStrike" kern="1200" cap="none" spc="0" normalizeH="0" baseline="0" noProof="0" smtClean="0">
                             <a:ln>
                               <a:noFill/>
                             </a:ln>
@@ -34513,7 +36034,7 @@
                             <a:cs typeface="+mn-cs"/>
                           </a:rPr>
                         </m:ctrlPr>
-                      </m:sSubPr>
+                      </m:sSubSupPr>
                       <m:e>
                         <m:r>
                           <a:rPr kumimoji="0" lang="en-US" sz="2400" b="0" i="1" u="none" strike="noStrike" kern="1200" cap="none" spc="0" normalizeH="0" baseline="0" noProof="0">
@@ -34552,7 +36073,26 @@
                           <m:t>𝐿𝑜𝑎𝑑</m:t>
                         </m:r>
                       </m:sub>
-                    </m:sSub>
+                      <m:sup>
+                        <m:r>
+                          <a:rPr kumimoji="0" lang="en-US" sz="2400" b="0" i="1" u="none" strike="noStrike" kern="1200" cap="none" spc="0" normalizeH="0" baseline="0" noProof="0" smtClean="0">
+                            <a:ln>
+                              <a:noFill/>
+                            </a:ln>
+                            <a:solidFill>
+                              <a:srgbClr val="FFFFFF"/>
+                            </a:solidFill>
+                            <a:effectLst/>
+                            <a:uLnTx/>
+                            <a:uFillTx/>
+                            <a:latin typeface="Cambria Math" panose="02040503050406030204" pitchFamily="18" charset="0"/>
+                            <a:ea typeface="+mn-ea"/>
+                            <a:cs typeface="+mn-cs"/>
+                          </a:rPr>
+                          <m:t>𝑡</m:t>
+                        </m:r>
+                      </m:sup>
+                    </m:sSubSup>
                     <m:r>
                       <a:rPr kumimoji="0" lang="en-US" sz="2400" b="0" i="1" u="none" strike="noStrike" kern="1200" cap="none" spc="0" normalizeH="0" baseline="0" noProof="0">
                         <a:ln>
@@ -34570,10 +36110,10 @@
                       </a:rPr>
                       <m:t>, </m:t>
                     </m:r>
-                    <m:sSub>
-                      <m:sSubPr>
+                    <m:sSubSup>
+                      <m:sSubSupPr>
                         <m:ctrlPr>
-                          <a:rPr kumimoji="0" lang="en-US" sz="2400" b="0" i="1" u="none" strike="noStrike" kern="1200" cap="none" spc="0" normalizeH="0" baseline="0" noProof="0">
+                          <a:rPr kumimoji="0" lang="en-US" sz="2400" b="0" i="1" u="none" strike="noStrike" kern="1200" cap="none" spc="0" normalizeH="0" baseline="0" noProof="0" smtClean="0">
                             <a:ln>
                               <a:noFill/>
                             </a:ln>
@@ -34588,7 +36128,7 @@
                             <a:cs typeface="+mn-cs"/>
                           </a:rPr>
                         </m:ctrlPr>
-                      </m:sSubPr>
+                      </m:sSubSupPr>
                       <m:e>
                         <m:r>
                           <a:rPr kumimoji="0" lang="en-US" sz="2400" b="0" i="1" u="none" strike="noStrike" kern="1200" cap="none" spc="0" normalizeH="0" baseline="0" noProof="0">
@@ -34627,7 +36167,135 @@
                           <m:t>𝐷𝐸𝑅</m:t>
                         </m:r>
                       </m:sub>
-                    </m:sSub>
+                      <m:sup>
+                        <m:r>
+                          <a:rPr kumimoji="0" lang="en-US" sz="2400" b="0" i="1" u="none" strike="noStrike" kern="1200" cap="none" spc="0" normalizeH="0" baseline="0" noProof="0" smtClean="0">
+                            <a:ln>
+                              <a:noFill/>
+                            </a:ln>
+                            <a:solidFill>
+                              <a:srgbClr val="FFFFFF"/>
+                            </a:solidFill>
+                            <a:effectLst/>
+                            <a:uLnTx/>
+                            <a:uFillTx/>
+                            <a:latin typeface="Cambria Math" panose="02040503050406030204" pitchFamily="18" charset="0"/>
+                            <a:ea typeface="+mn-ea"/>
+                            <a:cs typeface="+mn-cs"/>
+                          </a:rPr>
+                          <m:t>𝑡</m:t>
+                        </m:r>
+                      </m:sup>
+                    </m:sSubSup>
+                    <m:r>
+                      <a:rPr kumimoji="0" lang="en-US" sz="2400" b="0" i="1" u="none" strike="noStrike" kern="1200" cap="none" spc="0" normalizeH="0" baseline="0" noProof="0" smtClean="0">
+                        <a:ln>
+                          <a:noFill/>
+                        </a:ln>
+                        <a:solidFill>
+                          <a:srgbClr val="FFFFFF"/>
+                        </a:solidFill>
+                        <a:effectLst/>
+                        <a:uLnTx/>
+                        <a:uFillTx/>
+                        <a:latin typeface="Cambria Math" panose="02040503050406030204" pitchFamily="18" charset="0"/>
+                        <a:ea typeface="+mn-ea"/>
+                        <a:cs typeface="+mn-cs"/>
+                      </a:rPr>
+                      <m:t> ∀ </m:t>
+                    </m:r>
+                    <m:r>
+                      <a:rPr kumimoji="0" lang="en-US" sz="2400" b="0" i="1" u="none" strike="noStrike" kern="1200" cap="none" spc="0" normalizeH="0" baseline="0" noProof="0" smtClean="0">
+                        <a:ln>
+                          <a:noFill/>
+                        </a:ln>
+                        <a:solidFill>
+                          <a:srgbClr val="FFFFFF"/>
+                        </a:solidFill>
+                        <a:effectLst/>
+                        <a:uLnTx/>
+                        <a:uFillTx/>
+                        <a:latin typeface="Cambria Math" panose="02040503050406030204" pitchFamily="18" charset="0"/>
+                        <a:ea typeface="+mn-ea"/>
+                        <a:cs typeface="+mn-cs"/>
+                      </a:rPr>
+                      <m:t>𝑡</m:t>
+                    </m:r>
+                    <m:r>
+                      <a:rPr kumimoji="0" lang="en-US" sz="2400" b="0" i="1" u="none" strike="noStrike" kern="1200" cap="none" spc="0" normalizeH="0" baseline="0" noProof="0" smtClean="0">
+                        <a:ln>
+                          <a:noFill/>
+                        </a:ln>
+                        <a:solidFill>
+                          <a:srgbClr val="FFFFFF"/>
+                        </a:solidFill>
+                        <a:effectLst/>
+                        <a:uLnTx/>
+                        <a:uFillTx/>
+                        <a:latin typeface="Cambria Math" panose="02040503050406030204" pitchFamily="18" charset="0"/>
+                        <a:ea typeface="+mn-ea"/>
+                        <a:cs typeface="+mn-cs"/>
+                      </a:rPr>
+                      <m:t>∈</m:t>
+                    </m:r>
+                    <m:d>
+                      <m:dPr>
+                        <m:begChr m:val="["/>
+                        <m:endChr m:val="]"/>
+                        <m:ctrlPr>
+                          <a:rPr kumimoji="0" lang="en-US" sz="2400" b="0" i="1" u="none" strike="noStrike" kern="1200" cap="none" spc="0" normalizeH="0" baseline="0" noProof="0" smtClean="0">
+                            <a:ln>
+                              <a:noFill/>
+                            </a:ln>
+                            <a:solidFill>
+                              <a:srgbClr val="FFFFFF"/>
+                            </a:solidFill>
+                            <a:effectLst/>
+                            <a:uLnTx/>
+                            <a:uFillTx/>
+                            <a:latin typeface="Cambria Math" panose="02040503050406030204" pitchFamily="18" charset="0"/>
+                            <a:ea typeface="+mn-ea"/>
+                            <a:cs typeface="+mn-cs"/>
+                          </a:rPr>
+                        </m:ctrlPr>
+                      </m:dPr>
+                      <m:e>
+                        <m:r>
+                          <a:rPr kumimoji="0" lang="en-US" sz="2400" b="0" i="1" u="none" strike="noStrike" kern="1200" cap="none" spc="0" normalizeH="0" baseline="0" noProof="0" smtClean="0">
+                            <a:ln>
+                              <a:noFill/>
+                            </a:ln>
+                            <a:solidFill>
+                              <a:srgbClr val="FFFFFF"/>
+                            </a:solidFill>
+                            <a:effectLst/>
+                            <a:uLnTx/>
+                            <a:uFillTx/>
+                            <a:latin typeface="Cambria Math" panose="02040503050406030204" pitchFamily="18" charset="0"/>
+                            <a:ea typeface="+mn-ea"/>
+                            <a:cs typeface="+mn-cs"/>
+                          </a:rPr>
+                          <m:t>0, </m:t>
+                        </m:r>
+                        <m:r>
+                          <a:rPr kumimoji="0" lang="en-US" sz="2400" b="0" i="1" u="none" strike="noStrike" kern="1200" cap="none" spc="0" normalizeH="0" baseline="0" noProof="0" smtClean="0">
+                            <a:ln>
+                              <a:noFill/>
+                            </a:ln>
+                            <a:solidFill>
+                              <a:srgbClr val="FFFFFF"/>
+                            </a:solidFill>
+                            <a:effectLst/>
+                            <a:uLnTx/>
+                            <a:uFillTx/>
+                            <a:latin typeface="Cambria Math" panose="02040503050406030204" pitchFamily="18" charset="0"/>
+                            <a:ea typeface="+mn-ea"/>
+                            <a:cs typeface="+mn-cs"/>
+                          </a:rPr>
+                          <m:t>𝑇</m:t>
+                        </m:r>
+                      </m:e>
+                    </m:d>
                   </m:oMath>
                 </a14:m>
                 <a:r>
@@ -34892,7 +36560,7 @@
             <p:spPr>
               <a:xfrm>
                 <a:off x="274174" y="1081129"/>
-                <a:ext cx="10970358" cy="2372444"/>
+                <a:ext cx="10970358" cy="2753831"/>
               </a:xfrm>
               <a:prstGeom prst="rect">
                 <a:avLst/>
@@ -34900,7 +36568,7 @@
               <a:blipFill>
                 <a:blip r:embed="rId4"/>
                 <a:stretch>
-                  <a:fillRect l="-776" t="-1523" b="-4061"/>
+                  <a:fillRect l="-776" t="-1316" b="-3509"/>
                 </a:stretch>
               </a:blipFill>
               <a:ln w="22225">
@@ -35870,8 +37538,8 @@
           </a:p>
         </p:txBody>
       </p:sp>
-      <mc:AlternateContent xmlns:mc="http://schemas.openxmlformats.org/markup-compatibility/2006">
-        <mc:Choice xmlns:a14="http://schemas.microsoft.com/office/drawing/2010/main" Requires="a14">
+      <mc:AlternateContent xmlns:mc="http://schemas.openxmlformats.org/markup-compatibility/2006" xmlns:a14="http://schemas.microsoft.com/office/drawing/2010/main">
+        <mc:Choice Requires="a14">
           <p:sp>
             <p:nvSpPr>
               <p:cNvPr id="4" name="TextBox 3">
@@ -37398,7 +39066,7 @@
             </p:txBody>
           </p:sp>
         </mc:Choice>
-        <mc:Fallback>
+        <mc:Fallback xmlns="">
           <p:sp>
             <p:nvSpPr>
               <p:cNvPr id="4" name="TextBox 3">
@@ -37821,7 +39489,7 @@
           <a:lstStyle/>
           <a:p>
             <a:r>
-              <a:rPr lang="en-US" sz="4400" kern="1200" dirty="0">
+              <a:rPr lang="en-US" sz="4400" b="0" kern="1200" dirty="0">
                 <a:solidFill>
                   <a:srgbClr val="FFFFFF"/>
                 </a:solidFill>
@@ -38140,7 +39808,31 @@
                     <a:latin typeface="Cambria" panose="02040503050406030204" pitchFamily="18" charset="0"/>
                     <a:ea typeface="Cambria" panose="02040503050406030204" pitchFamily="18" charset="0"/>
                   </a:rPr>
-                  <a:t>DERs (PVs) and Batteries at select </a:t>
+                  <a:t>DERs (PVs): Forecasted, varying with </a:t>
+                </a:r>
+                <a14:m>
+                  <m:oMath xmlns:m="http://schemas.openxmlformats.org/officeDocument/2006/math">
+                    <m:r>
+                      <a:rPr lang="en-US" sz="2800" b="0" i="1" smtClean="0">
+                        <a:solidFill>
+                          <a:schemeClr val="tx1"/>
+                        </a:solidFill>
+                        <a:latin typeface="Cambria Math" panose="02040503050406030204" pitchFamily="18" charset="0"/>
+                        <a:ea typeface="Cambria" panose="02040503050406030204" pitchFamily="18" charset="0"/>
+                      </a:rPr>
+                      <m:t>𝑡</m:t>
+                    </m:r>
+                  </m:oMath>
+                </a14:m>
+                <a:r>
+                  <a:rPr lang="en-US" sz="2800" dirty="0">
+                    <a:solidFill>
+                      <a:schemeClr val="tx1"/>
+                    </a:solidFill>
+                    <a:latin typeface="Cambria" panose="02040503050406030204" pitchFamily="18" charset="0"/>
+                    <a:ea typeface="Cambria" panose="02040503050406030204" pitchFamily="18" charset="0"/>
+                  </a:rPr>
+                  <a:t>. Batteries at select </a:t>
                 </a:r>
                 <a:r>
                   <a:rPr lang="en-US" sz="900" dirty="0">
@@ -38209,7 +39901,7 @@
                     <a:latin typeface="Cambria" panose="02040503050406030204" pitchFamily="18" charset="0"/>
                     <a:ea typeface="Cambria" panose="02040503050406030204" pitchFamily="18" charset="0"/>
                   </a:rPr>
-                  <a:t>: Varying with </a:t>
+                  <a:t>: Forecasted. Varying with </a:t>
                 </a:r>
                 <a14:m>
                   <m:oMath xmlns:m="http://schemas.openxmlformats.org/officeDocument/2006/math">
@@ -38438,7 +40130,7 @@
               <a:blipFill>
                 <a:blip r:embed="rId2"/>
                 <a:stretch>
-                  <a:fillRect l="-1691"/>
+                  <a:fillRect l="-1691" r="-845"/>
                 </a:stretch>
               </a:blipFill>
               <a:ln>
@@ -38901,8 +40593,8 @@
           </a:p>
         </p:txBody>
       </p:sp>
-      <mc:AlternateContent xmlns:mc="http://schemas.openxmlformats.org/markup-compatibility/2006">
-        <mc:Choice xmlns:a14="http://schemas.microsoft.com/office/drawing/2010/main" Requires="a14">
+      <mc:AlternateContent xmlns:mc="http://schemas.openxmlformats.org/markup-compatibility/2006" xmlns:a14="http://schemas.microsoft.com/office/drawing/2010/main">
+        <mc:Choice Requires="a14">
           <p:sp>
             <p:nvSpPr>
               <p:cNvPr id="5" name="TextBox 4">
@@ -40051,7 +41743,7 @@
             </p:txBody>
           </p:sp>
         </mc:Choice>
-        <mc:Fallback>
+        <mc:Fallback xmlns="">
           <p:sp>
             <p:nvSpPr>
               <p:cNvPr id="5" name="TextBox 4">

--- a/Connected Communities Grid Side Optimization.pptx
+++ b/Connected Communities Grid Side Optimization.pptx
@@ -141,6 +141,7 @@
 <p1510:revInfo xmlns:a="http://schemas.openxmlformats.org/drawingml/2006/main" xmlns:r="http://schemas.openxmlformats.org/officeDocument/2006/relationships" xmlns:p1510="http://schemas.microsoft.com/office/powerpoint/2015/10/main">
   <p1510:revLst>
     <p1510:client id="{159C9EA5-C6E7-49BD-975B-30C7FC0F9F0A}" v="1417" dt="2023-09-27T01:34:03.985"/>
+    <p1510:client id="{6E74DC4A-6168-41FC-A7BC-7B61E1A8676E}" v="6" dt="2023-09-27T06:35:12.072"/>
   </p1510:revLst>
 </p1510:revInfo>
 </file>
@@ -2099,6 +2100,84 @@
           </pc:sldLayoutMkLst>
         </pc:sldLayoutChg>
       </pc:sldMasterChg>
+    </pc:docChg>
+  </pc:docChgLst>
+  <pc:docChgLst>
+    <pc:chgData name="Jha, Aryan Ritwajeet" userId="2aad577e-539b-449b-83a6-8d411f484b4d" providerId="ADAL" clId="{6E74DC4A-6168-41FC-A7BC-7B61E1A8676E}"/>
+    <pc:docChg chg="custSel modSld">
+      <pc:chgData name="Jha, Aryan Ritwajeet" userId="2aad577e-539b-449b-83a6-8d411f484b4d" providerId="ADAL" clId="{6E74DC4A-6168-41FC-A7BC-7B61E1A8676E}" dt="2023-09-27T06:34:53.737" v="10"/>
+      <pc:docMkLst>
+        <pc:docMk/>
+      </pc:docMkLst>
+      <pc:sldChg chg="addSp delSp modSp mod">
+        <pc:chgData name="Jha, Aryan Ritwajeet" userId="2aad577e-539b-449b-83a6-8d411f484b4d" providerId="ADAL" clId="{6E74DC4A-6168-41FC-A7BC-7B61E1A8676E}" dt="2023-09-27T06:23:02.900" v="9" actId="1076"/>
+        <pc:sldMkLst>
+          <pc:docMk/>
+          <pc:sldMk cId="930504783" sldId="278"/>
+        </pc:sldMkLst>
+        <pc:picChg chg="add mod">
+          <ac:chgData name="Jha, Aryan Ritwajeet" userId="2aad577e-539b-449b-83a6-8d411f484b4d" providerId="ADAL" clId="{6E74DC4A-6168-41FC-A7BC-7B61E1A8676E}" dt="2023-09-27T06:23:02.900" v="9" actId="1076"/>
+          <ac:picMkLst>
+            <pc:docMk/>
+            <pc:sldMk cId="930504783" sldId="278"/>
+            <ac:picMk id="4" creationId="{03937BCE-90DF-8053-B310-BA7AC63886AA}"/>
+          </ac:picMkLst>
+        </pc:picChg>
+        <pc:picChg chg="del">
+          <ac:chgData name="Jha, Aryan Ritwajeet" userId="2aad577e-539b-449b-83a6-8d411f484b4d" providerId="ADAL" clId="{6E74DC4A-6168-41FC-A7BC-7B61E1A8676E}" dt="2023-09-27T06:23:00.716" v="7" actId="478"/>
+          <ac:picMkLst>
+            <pc:docMk/>
+            <pc:sldMk cId="930504783" sldId="278"/>
+            <ac:picMk id="5" creationId="{F3BB1098-C753-1B8B-3517-4016376D8014}"/>
+          </ac:picMkLst>
+        </pc:picChg>
+      </pc:sldChg>
+      <pc:sldChg chg="addSp delSp modSp mod">
+        <pc:chgData name="Jha, Aryan Ritwajeet" userId="2aad577e-539b-449b-83a6-8d411f484b4d" providerId="ADAL" clId="{6E74DC4A-6168-41FC-A7BC-7B61E1A8676E}" dt="2023-09-27T06:22:45.474" v="6" actId="14100"/>
+        <pc:sldMkLst>
+          <pc:docMk/>
+          <pc:sldMk cId="1858411754" sldId="279"/>
+        </pc:sldMkLst>
+        <pc:picChg chg="del">
+          <ac:chgData name="Jha, Aryan Ritwajeet" userId="2aad577e-539b-449b-83a6-8d411f484b4d" providerId="ADAL" clId="{6E74DC4A-6168-41FC-A7BC-7B61E1A8676E}" dt="2023-09-27T06:22:33.486" v="0" actId="478"/>
+          <ac:picMkLst>
+            <pc:docMk/>
+            <pc:sldMk cId="1858411754" sldId="279"/>
+            <ac:picMk id="6" creationId="{3AE44657-C62E-2C08-8BA2-2A0608D8FC96}"/>
+          </ac:picMkLst>
+        </pc:picChg>
+        <pc:picChg chg="add mod">
+          <ac:chgData name="Jha, Aryan Ritwajeet" userId="2aad577e-539b-449b-83a6-8d411f484b4d" providerId="ADAL" clId="{6E74DC4A-6168-41FC-A7BC-7B61E1A8676E}" dt="2023-09-27T06:22:39.200" v="3" actId="208"/>
+          <ac:picMkLst>
+            <pc:docMk/>
+            <pc:sldMk cId="1858411754" sldId="279"/>
+            <ac:picMk id="9" creationId="{143D3F41-A575-DB87-CE69-9E667C8617F7}"/>
+          </ac:picMkLst>
+        </pc:picChg>
+        <pc:cxnChg chg="mod">
+          <ac:chgData name="Jha, Aryan Ritwajeet" userId="2aad577e-539b-449b-83a6-8d411f484b4d" providerId="ADAL" clId="{6E74DC4A-6168-41FC-A7BC-7B61E1A8676E}" dt="2023-09-27T06:22:45.474" v="6" actId="14100"/>
+          <ac:cxnSpMkLst>
+            <pc:docMk/>
+            <pc:sldMk cId="1858411754" sldId="279"/>
+            <ac:cxnSpMk id="5" creationId="{74D483C1-7380-3AB5-C3D4-885119373EAD}"/>
+          </ac:cxnSpMkLst>
+        </pc:cxnChg>
+      </pc:sldChg>
+      <pc:sldChg chg="modSp mod">
+        <pc:chgData name="Jha, Aryan Ritwajeet" userId="2aad577e-539b-449b-83a6-8d411f484b4d" providerId="ADAL" clId="{6E74DC4A-6168-41FC-A7BC-7B61E1A8676E}" dt="2023-09-27T06:34:53.737" v="10"/>
+        <pc:sldMkLst>
+          <pc:docMk/>
+          <pc:sldMk cId="2806962077" sldId="398"/>
+        </pc:sldMkLst>
+        <pc:spChg chg="mod">
+          <ac:chgData name="Jha, Aryan Ritwajeet" userId="2aad577e-539b-449b-83a6-8d411f484b4d" providerId="ADAL" clId="{6E74DC4A-6168-41FC-A7BC-7B61E1A8676E}" dt="2023-09-27T06:34:53.737" v="10"/>
+          <ac:spMkLst>
+            <pc:docMk/>
+            <pc:sldMk cId="2806962077" sldId="398"/>
+            <ac:spMk id="3" creationId="{FC3BEC75-3ED8-3D2E-7AF0-ED68CBDE8918}"/>
+          </ac:spMkLst>
+        </pc:spChg>
+      </pc:sldChg>
     </pc:docChg>
   </pc:docChgLst>
 </pc:chgInfo>
@@ -22797,8 +22876,8 @@
           </a:p>
         </p:txBody>
       </p:sp>
-      <mc:AlternateContent xmlns:mc="http://schemas.openxmlformats.org/markup-compatibility/2006">
-        <mc:Choice xmlns:a14="http://schemas.microsoft.com/office/drawing/2010/main" Requires="a14">
+      <mc:AlternateContent xmlns:mc="http://schemas.openxmlformats.org/markup-compatibility/2006" xmlns:a14="http://schemas.microsoft.com/office/drawing/2010/main">
+        <mc:Choice Requires="a14">
           <p:sp>
             <p:nvSpPr>
               <p:cNvPr id="8" name="Rectangle 7">
@@ -22872,7 +22951,7 @@
                     <m:d>
                       <m:dPr>
                         <m:ctrlPr>
-                          <a:rPr lang="en-US" sz="1400" b="0" i="0" smtClean="0">
+                          <a:rPr lang="en-US" sz="1400" b="0" i="1" smtClean="0">
                             <a:latin typeface="Cambria Math" panose="02040503050406030204" pitchFamily="18" charset="0"/>
                           </a:rPr>
                         </m:ctrlPr>
@@ -23241,7 +23320,7 @@
                     <m:d>
                       <m:dPr>
                         <m:ctrlPr>
-                          <a:rPr lang="en-US" sz="1400" b="0" i="0" smtClean="0">
+                          <a:rPr lang="en-US" sz="1400" b="0" i="1" smtClean="0">
                             <a:latin typeface="Cambria Math" panose="02040503050406030204" pitchFamily="18" charset="0"/>
                           </a:rPr>
                         </m:ctrlPr>
@@ -23659,7 +23738,7 @@
             </p:txBody>
           </p:sp>
         </mc:Choice>
-        <mc:Fallback>
+        <mc:Fallback xmlns="">
           <p:sp>
             <p:nvSpPr>
               <p:cNvPr id="8" name="Rectangle 7">
@@ -23704,8 +23783,8 @@
           </p:sp>
         </mc:Fallback>
       </mc:AlternateContent>
-      <mc:AlternateContent xmlns:mc="http://schemas.openxmlformats.org/markup-compatibility/2006">
-        <mc:Choice xmlns:a14="http://schemas.microsoft.com/office/drawing/2010/main" Requires="a14">
+      <mc:AlternateContent xmlns:mc="http://schemas.openxmlformats.org/markup-compatibility/2006" xmlns:a14="http://schemas.microsoft.com/office/drawing/2010/main">
+        <mc:Choice Requires="a14">
           <p:sp>
             <p:nvSpPr>
               <p:cNvPr id="13" name="Rectangle 12">
@@ -24739,7 +24818,7 @@
             </p:txBody>
           </p:sp>
         </mc:Choice>
-        <mc:Fallback>
+        <mc:Fallback xmlns="">
           <p:sp>
             <p:nvSpPr>
               <p:cNvPr id="13" name="Rectangle 12">
@@ -25160,8 +25239,8 @@
           </a:p>
         </p:txBody>
       </p:sp>
-      <mc:AlternateContent xmlns:mc="http://schemas.openxmlformats.org/markup-compatibility/2006">
-        <mc:Choice xmlns:a14="http://schemas.microsoft.com/office/drawing/2010/main" Requires="a14">
+      <mc:AlternateContent xmlns:mc="http://schemas.openxmlformats.org/markup-compatibility/2006" xmlns:a14="http://schemas.microsoft.com/office/drawing/2010/main">
+        <mc:Choice Requires="a14">
           <p:sp>
             <p:nvSpPr>
               <p:cNvPr id="5" name="Content Placeholder 4">
@@ -25244,7 +25323,7 @@
             </p:txBody>
           </p:sp>
         </mc:Choice>
-        <mc:Fallback>
+        <mc:Fallback xmlns="">
           <p:sp>
             <p:nvSpPr>
               <p:cNvPr id="5" name="Content Placeholder 4">
@@ -33490,25 +33569,20 @@
               <a:rPr lang="en-US" dirty="0">
                 <a:latin typeface="Tw Cen MT" panose="020B0602020104020603" pitchFamily="34" charset="0"/>
               </a:rPr>
-              <a:t>Sadnan, R., &amp; Dubey, A. (2022). Distributed Computing for Scalable Optimal Power Flow in Large Radial Electric Power Distribution Systems with Distributed Energy Resources. </a:t>
+              <a:t>Sadnan, R., &amp; Dubey, A. (2021). Distributed Optimization Using Reduced Network Equivalents for Radial Power Distribution Systems. IEEE Trans. Power Syst., 36(4), 3645–3656. </a:t>
             </a:r>
             <a:r>
               <a:rPr lang="en-US" dirty="0" err="1">
                 <a:latin typeface="Tw Cen MT" panose="020B0602020104020603" pitchFamily="34" charset="0"/>
               </a:rPr>
-              <a:t>arXiv</a:t>
+              <a:t>doi</a:t>
             </a:r>
             <a:r>
               <a:rPr lang="en-US" dirty="0">
                 <a:latin typeface="Tw Cen MT" panose="020B0602020104020603" pitchFamily="34" charset="0"/>
               </a:rPr>
-              <a:t>, 2211.03920. Retrieved from https://arxiv.org/abs/2211.03920v1</a:t>
+              <a:t>: 10.1109/TPWRS.2020.3049135</a:t>
             </a:r>
-            <a:endParaRPr lang="en-IN" dirty="0">
-              <a:latin typeface="Tw Cen MT" panose="020B0602020104020603" pitchFamily="34" charset="0"/>
-            </a:endParaRPr>
-          </a:p>
-          <a:p>
             <a:endParaRPr lang="en-US" dirty="0"/>
           </a:p>
         </p:txBody>
@@ -33716,44 +33790,54 @@
       </mc:AlternateContent>
       <p:pic>
         <p:nvPicPr>
-          <p:cNvPr id="5" name="Picture 4" descr="Diagram. &#10;IEEE 123 Node Test Feeder.">
-            <a:hlinkClick r:id="rId3"/>
+          <p:cNvPr id="4" name="Picture 2">
             <a:extLst>
               <a:ext uri="{FF2B5EF4-FFF2-40B4-BE49-F238E27FC236}">
-                <a16:creationId xmlns:a16="http://schemas.microsoft.com/office/drawing/2014/main" id="{F3BB1098-C753-1B8B-3517-4016376D8014}"/>
+                <a16:creationId xmlns:a16="http://schemas.microsoft.com/office/drawing/2014/main" id="{03937BCE-90DF-8053-B310-BA7AC63886AA}"/>
               </a:ext>
             </a:extLst>
           </p:cNvPr>
           <p:cNvPicPr>
-            <a:picLocks noChangeAspect="1"/>
+            <a:picLocks noChangeAspect="1" noChangeArrowheads="1"/>
           </p:cNvPicPr>
           <p:nvPr/>
         </p:nvPicPr>
         <p:blipFill>
-          <a:blip r:embed="rId4">
+          <a:blip r:embed="rId3">
             <a:extLst>
               <a:ext uri="{28A0092B-C50C-407E-A947-70E740481C1C}">
                 <a14:useLocalDpi xmlns:a14="http://schemas.microsoft.com/office/drawing/2010/main" val="0"/>
               </a:ext>
             </a:extLst>
           </a:blip>
+          <a:srcRect/>
           <a:stretch>
             <a:fillRect/>
           </a:stretch>
         </p:blipFill>
-        <p:spPr>
+        <p:spPr bwMode="auto">
           <a:xfrm>
-            <a:off x="5717863" y="2101096"/>
-            <a:ext cx="5991225" cy="4248150"/>
+            <a:off x="6096000" y="2434193"/>
+            <a:ext cx="5591175" cy="3419475"/>
           </a:xfrm>
           <a:prstGeom prst="rect">
             <a:avLst/>
           </a:prstGeom>
+          <a:noFill/>
           <a:ln>
             <a:solidFill>
-              <a:srgbClr val="BD90EE"/>
+              <a:schemeClr val="accent1"/>
             </a:solidFill>
           </a:ln>
+          <a:extLst>
+            <a:ext uri="{909E8E84-426E-40DD-AFC4-6F175D3DCCD1}">
+              <a14:hiddenFill xmlns:a14="http://schemas.microsoft.com/office/drawing/2010/main">
+                <a:solidFill>
+                  <a:srgbClr val="FFFFFF"/>
+                </a:solidFill>
+              </a14:hiddenFill>
+            </a:ext>
+          </a:extLst>
         </p:spPr>
       </p:pic>
     </p:spTree>
@@ -33866,48 +33950,6 @@
           </a:p>
         </p:txBody>
       </p:sp>
-      <p:pic>
-        <p:nvPicPr>
-          <p:cNvPr id="6" name="Picture 5" descr="Diagram&#10;&#10;IEEE 123 Node Test Feeder divided into four Areas.">
-            <a:hlinkClick r:id="rId2"/>
-            <a:extLst>
-              <a:ext uri="{FF2B5EF4-FFF2-40B4-BE49-F238E27FC236}">
-                <a16:creationId xmlns:a16="http://schemas.microsoft.com/office/drawing/2014/main" id="{3AE44657-C62E-2C08-8BA2-2A0608D8FC96}"/>
-              </a:ext>
-            </a:extLst>
-          </p:cNvPr>
-          <p:cNvPicPr>
-            <a:picLocks noChangeAspect="1"/>
-          </p:cNvPicPr>
-          <p:nvPr/>
-        </p:nvPicPr>
-        <p:blipFill>
-          <a:blip r:embed="rId3">
-            <a:extLst>
-              <a:ext uri="{28A0092B-C50C-407E-A947-70E740481C1C}">
-                <a14:useLocalDpi xmlns:a14="http://schemas.microsoft.com/office/drawing/2010/main" val="0"/>
-              </a:ext>
-            </a:extLst>
-          </a:blip>
-          <a:stretch>
-            <a:fillRect/>
-          </a:stretch>
-        </p:blipFill>
-        <p:spPr>
-          <a:xfrm>
-            <a:off x="6190090" y="3021569"/>
-            <a:ext cx="5238750" cy="3609975"/>
-          </a:xfrm>
-          <a:prstGeom prst="rect">
-            <a:avLst/>
-          </a:prstGeom>
-          <a:ln>
-            <a:solidFill>
-              <a:srgbClr val="BD90EE"/>
-            </a:solidFill>
-          </a:ln>
-        </p:spPr>
-      </p:pic>
       <mc:AlternateContent xmlns:mc="http://schemas.openxmlformats.org/markup-compatibility/2006" xmlns:a14="http://schemas.microsoft.com/office/drawing/2010/main">
         <mc:Choice Requires="a14">
           <p:sp>
@@ -34215,15 +34257,15 @@
           </p:cNvPr>
           <p:cNvCxnSpPr>
             <a:cxnSpLocks/>
-            <a:stCxn id="6" idx="0"/>
+            <a:stCxn id="9" idx="0"/>
             <a:endCxn id="4" idx="2"/>
           </p:cNvCxnSpPr>
           <p:nvPr/>
         </p:nvCxnSpPr>
         <p:spPr>
           <a:xfrm flipV="1">
-            <a:off x="8809465" y="2165430"/>
-            <a:ext cx="1513866" cy="856139"/>
+            <a:off x="8891588" y="2165430"/>
+            <a:ext cx="1431743" cy="817403"/>
           </a:xfrm>
           <a:prstGeom prst="straightConnector1">
             <a:avLst/>
@@ -34353,6 +34395,58 @@
           </p:txBody>
         </p:sp>
       </p:grpSp>
+      <p:pic>
+        <p:nvPicPr>
+          <p:cNvPr id="9" name="Picture 2">
+            <a:extLst>
+              <a:ext uri="{FF2B5EF4-FFF2-40B4-BE49-F238E27FC236}">
+                <a16:creationId xmlns:a16="http://schemas.microsoft.com/office/drawing/2014/main" id="{143D3F41-A575-DB87-CE69-9E667C8617F7}"/>
+              </a:ext>
+            </a:extLst>
+          </p:cNvPr>
+          <p:cNvPicPr>
+            <a:picLocks noChangeAspect="1" noChangeArrowheads="1"/>
+          </p:cNvPicPr>
+          <p:nvPr/>
+        </p:nvPicPr>
+        <p:blipFill>
+          <a:blip r:embed="rId6">
+            <a:extLst>
+              <a:ext uri="{28A0092B-C50C-407E-A947-70E740481C1C}">
+                <a14:useLocalDpi xmlns:a14="http://schemas.microsoft.com/office/drawing/2010/main" val="0"/>
+              </a:ext>
+            </a:extLst>
+          </a:blip>
+          <a:srcRect/>
+          <a:stretch>
+            <a:fillRect/>
+          </a:stretch>
+        </p:blipFill>
+        <p:spPr bwMode="auto">
+          <a:xfrm>
+            <a:off x="6096000" y="2982833"/>
+            <a:ext cx="5591175" cy="3419475"/>
+          </a:xfrm>
+          <a:prstGeom prst="rect">
+            <a:avLst/>
+          </a:prstGeom>
+          <a:noFill/>
+          <a:ln>
+            <a:solidFill>
+              <a:schemeClr val="accent1"/>
+            </a:solidFill>
+          </a:ln>
+          <a:extLst>
+            <a:ext uri="{909E8E84-426E-40DD-AFC4-6F175D3DCCD1}">
+              <a14:hiddenFill xmlns:a14="http://schemas.microsoft.com/office/drawing/2010/main">
+                <a:solidFill>
+                  <a:srgbClr val="FFFFFF"/>
+                </a:solidFill>
+              </a14:hiddenFill>
+            </a:ext>
+          </a:extLst>
+        </p:spPr>
+      </p:pic>
     </p:spTree>
     <p:extLst>
       <p:ext uri="{BB962C8B-B14F-4D97-AF65-F5344CB8AC3E}">
@@ -35573,8 +35667,8 @@
           </a:p>
         </p:txBody>
       </p:sp>
-      <mc:AlternateContent xmlns:mc="http://schemas.openxmlformats.org/markup-compatibility/2006">
-        <mc:Choice xmlns:a14="http://schemas.microsoft.com/office/drawing/2010/main" Requires="a14">
+      <mc:AlternateContent xmlns:mc="http://schemas.openxmlformats.org/markup-compatibility/2006" xmlns:a14="http://schemas.microsoft.com/office/drawing/2010/main">
+        <mc:Choice Requires="a14">
           <p:sp>
             <p:nvSpPr>
               <p:cNvPr id="4" name="TextBox 3">
@@ -36542,7 +36636,7 @@
             </p:txBody>
           </p:sp>
         </mc:Choice>
-        <mc:Fallback>
+        <mc:Fallback xmlns="">
           <p:sp>
             <p:nvSpPr>
               <p:cNvPr id="4" name="TextBox 3">
@@ -39592,8 +39686,8 @@
           </a:p>
         </p:txBody>
       </p:sp>
-      <mc:AlternateContent xmlns:mc="http://schemas.openxmlformats.org/markup-compatibility/2006">
-        <mc:Choice xmlns:a14="http://schemas.microsoft.com/office/drawing/2010/main" Requires="a14">
+      <mc:AlternateContent xmlns:mc="http://schemas.openxmlformats.org/markup-compatibility/2006" xmlns:a14="http://schemas.microsoft.com/office/drawing/2010/main">
+        <mc:Choice Requires="a14">
           <p:sp>
             <p:nvSpPr>
               <p:cNvPr id="3" name="Content Placeholder 2">
@@ -40105,7 +40199,7 @@
             </p:txBody>
           </p:sp>
         </mc:Choice>
-        <mc:Fallback>
+        <mc:Fallback xmlns="">
           <p:sp>
             <p:nvSpPr>
               <p:cNvPr id="3" name="Content Placeholder 2">
